--- a/Assets/StreamingAssets/2D_Objects/Circle/Circle_online_threshold.pptx
+++ b/Assets/StreamingAssets/2D_Objects/Circle/Circle_online_threshold.pptx
@@ -15,8 +15,8 @@
     <p:sldId id="264" r:id="rId9"/>
     <p:sldId id="265" r:id="rId10"/>
     <p:sldId id="301" r:id="rId11"/>
-    <p:sldId id="294" r:id="rId12"/>
-    <p:sldId id="268" r:id="rId13"/>
+    <p:sldId id="292" r:id="rId12"/>
+    <p:sldId id="281" r:id="rId13"/>
     <p:sldId id="295" r:id="rId14"/>
     <p:sldId id="296" r:id="rId15"/>
     <p:sldId id="297" r:id="rId16"/>
@@ -288,7 +288,7 @@
           <a:p>
             <a:fld id="{CA365A23-D275-4D5C-A163-A5AA11A9E6CE}" type="datetimeFigureOut">
               <a:rPr lang="en-US" smtClean="0"/>
-              <a:t>5/28/20</a:t>
+              <a:t>6/2/2020</a:t>
             </a:fld>
             <a:endParaRPr lang="en-US"/>
           </a:p>
@@ -486,7 +486,7 @@
           <a:p>
             <a:fld id="{CA365A23-D275-4D5C-A163-A5AA11A9E6CE}" type="datetimeFigureOut">
               <a:rPr lang="en-US" smtClean="0"/>
-              <a:t>5/28/20</a:t>
+              <a:t>6/2/2020</a:t>
             </a:fld>
             <a:endParaRPr lang="en-US"/>
           </a:p>
@@ -694,7 +694,7 @@
           <a:p>
             <a:fld id="{CA365A23-D275-4D5C-A163-A5AA11A9E6CE}" type="datetimeFigureOut">
               <a:rPr lang="en-US" smtClean="0"/>
-              <a:t>5/28/20</a:t>
+              <a:t>6/2/2020</a:t>
             </a:fld>
             <a:endParaRPr lang="en-US"/>
           </a:p>
@@ -892,7 +892,7 @@
           <a:p>
             <a:fld id="{CA365A23-D275-4D5C-A163-A5AA11A9E6CE}" type="datetimeFigureOut">
               <a:rPr lang="en-US" smtClean="0"/>
-              <a:t>5/28/20</a:t>
+              <a:t>6/2/2020</a:t>
             </a:fld>
             <a:endParaRPr lang="en-US"/>
           </a:p>
@@ -1167,7 +1167,7 @@
           <a:p>
             <a:fld id="{CA365A23-D275-4D5C-A163-A5AA11A9E6CE}" type="datetimeFigureOut">
               <a:rPr lang="en-US" smtClean="0"/>
-              <a:t>5/28/20</a:t>
+              <a:t>6/2/2020</a:t>
             </a:fld>
             <a:endParaRPr lang="en-US"/>
           </a:p>
@@ -1432,7 +1432,7 @@
           <a:p>
             <a:fld id="{CA365A23-D275-4D5C-A163-A5AA11A9E6CE}" type="datetimeFigureOut">
               <a:rPr lang="en-US" smtClean="0"/>
-              <a:t>5/28/20</a:t>
+              <a:t>6/2/2020</a:t>
             </a:fld>
             <a:endParaRPr lang="en-US"/>
           </a:p>
@@ -1844,7 +1844,7 @@
           <a:p>
             <a:fld id="{CA365A23-D275-4D5C-A163-A5AA11A9E6CE}" type="datetimeFigureOut">
               <a:rPr lang="en-US" smtClean="0"/>
-              <a:t>5/28/20</a:t>
+              <a:t>6/2/2020</a:t>
             </a:fld>
             <a:endParaRPr lang="en-US"/>
           </a:p>
@@ -1985,7 +1985,7 @@
           <a:p>
             <a:fld id="{CA365A23-D275-4D5C-A163-A5AA11A9E6CE}" type="datetimeFigureOut">
               <a:rPr lang="en-US" smtClean="0"/>
-              <a:t>5/28/20</a:t>
+              <a:t>6/2/2020</a:t>
             </a:fld>
             <a:endParaRPr lang="en-US"/>
           </a:p>
@@ -2098,7 +2098,7 @@
           <a:p>
             <a:fld id="{CA365A23-D275-4D5C-A163-A5AA11A9E6CE}" type="datetimeFigureOut">
               <a:rPr lang="en-US" smtClean="0"/>
-              <a:t>5/28/20</a:t>
+              <a:t>6/2/2020</a:t>
             </a:fld>
             <a:endParaRPr lang="en-US"/>
           </a:p>
@@ -2409,7 +2409,7 @@
           <a:p>
             <a:fld id="{CA365A23-D275-4D5C-A163-A5AA11A9E6CE}" type="datetimeFigureOut">
               <a:rPr lang="en-US" smtClean="0"/>
-              <a:t>5/28/20</a:t>
+              <a:t>6/2/2020</a:t>
             </a:fld>
             <a:endParaRPr lang="en-US"/>
           </a:p>
@@ -2697,7 +2697,7 @@
           <a:p>
             <a:fld id="{CA365A23-D275-4D5C-A163-A5AA11A9E6CE}" type="datetimeFigureOut">
               <a:rPr lang="en-US" smtClean="0"/>
-              <a:t>5/28/20</a:t>
+              <a:t>6/2/2020</a:t>
             </a:fld>
             <a:endParaRPr lang="en-US"/>
           </a:p>
@@ -2938,7 +2938,7 @@
           <a:p>
             <a:fld id="{CA365A23-D275-4D5C-A163-A5AA11A9E6CE}" type="datetimeFigureOut">
               <a:rPr lang="en-US" smtClean="0"/>
-              <a:t>5/28/20</a:t>
+              <a:t>6/2/2020</a:t>
             </a:fld>
             <a:endParaRPr lang="en-US"/>
           </a:p>
@@ -3431,7 +3431,15 @@
             </a:pPr>
             <a:r>
               <a:rPr lang="en-US" dirty="0"/>
-              <a:t>In this section you will use what you learned in the practice section to collect as much money as possible in a new environment!</a:t>
+              <a:t>In this section you will use what you learned in the practice section to collect as much money as possible in a </a:t>
+            </a:r>
+            <a:r>
+              <a:rPr lang="en-US" b="1" i="1" dirty="0"/>
+              <a:t>new environment</a:t>
+            </a:r>
+            <a:r>
+              <a:rPr lang="en-US" dirty="0"/>
+              <a:t>!</a:t>
             </a:r>
           </a:p>
           <a:p>
@@ -3527,6 +3535,480 @@
       </p:grpSpPr>
       <p:sp>
         <p:nvSpPr>
+          <p:cNvPr id="5" name="Rectangle 4">
+            <a:extLst>
+              <a:ext uri="{FF2B5EF4-FFF2-40B4-BE49-F238E27FC236}">
+                <a16:creationId xmlns:a16="http://schemas.microsoft.com/office/drawing/2014/main" id="{0B2F0F85-FFA2-407C-9902-652A44FDB8E3}"/>
+              </a:ext>
+            </a:extLst>
+          </p:cNvPr>
+          <p:cNvSpPr/>
+          <p:nvPr/>
+        </p:nvSpPr>
+        <p:spPr>
+          <a:xfrm>
+            <a:off x="2220686" y="1766223"/>
+            <a:ext cx="7750629" cy="2884154"/>
+          </a:xfrm>
+          <a:custGeom>
+            <a:avLst/>
+            <a:gdLst>
+              <a:gd name="connsiteX0" fmla="*/ 0 w 7750629"/>
+              <a:gd name="connsiteY0" fmla="*/ 0 h 2884154"/>
+              <a:gd name="connsiteX1" fmla="*/ 413367 w 7750629"/>
+              <a:gd name="connsiteY1" fmla="*/ 0 h 2884154"/>
+              <a:gd name="connsiteX2" fmla="*/ 826734 w 7750629"/>
+              <a:gd name="connsiteY2" fmla="*/ 0 h 2884154"/>
+              <a:gd name="connsiteX3" fmla="*/ 1472620 w 7750629"/>
+              <a:gd name="connsiteY3" fmla="*/ 0 h 2884154"/>
+              <a:gd name="connsiteX4" fmla="*/ 1963493 w 7750629"/>
+              <a:gd name="connsiteY4" fmla="*/ 0 h 2884154"/>
+              <a:gd name="connsiteX5" fmla="*/ 2376860 w 7750629"/>
+              <a:gd name="connsiteY5" fmla="*/ 0 h 2884154"/>
+              <a:gd name="connsiteX6" fmla="*/ 2790226 w 7750629"/>
+              <a:gd name="connsiteY6" fmla="*/ 0 h 2884154"/>
+              <a:gd name="connsiteX7" fmla="*/ 3281100 w 7750629"/>
+              <a:gd name="connsiteY7" fmla="*/ 0 h 2884154"/>
+              <a:gd name="connsiteX8" fmla="*/ 3926985 w 7750629"/>
+              <a:gd name="connsiteY8" fmla="*/ 0 h 2884154"/>
+              <a:gd name="connsiteX9" fmla="*/ 4572871 w 7750629"/>
+              <a:gd name="connsiteY9" fmla="*/ 0 h 2884154"/>
+              <a:gd name="connsiteX10" fmla="*/ 5141251 w 7750629"/>
+              <a:gd name="connsiteY10" fmla="*/ 0 h 2884154"/>
+              <a:gd name="connsiteX11" fmla="*/ 5632124 w 7750629"/>
+              <a:gd name="connsiteY11" fmla="*/ 0 h 2884154"/>
+              <a:gd name="connsiteX12" fmla="*/ 6200503 w 7750629"/>
+              <a:gd name="connsiteY12" fmla="*/ 0 h 2884154"/>
+              <a:gd name="connsiteX13" fmla="*/ 6923895 w 7750629"/>
+              <a:gd name="connsiteY13" fmla="*/ 0 h 2884154"/>
+              <a:gd name="connsiteX14" fmla="*/ 7750629 w 7750629"/>
+              <a:gd name="connsiteY14" fmla="*/ 0 h 2884154"/>
+              <a:gd name="connsiteX15" fmla="*/ 7750629 w 7750629"/>
+              <a:gd name="connsiteY15" fmla="*/ 576831 h 2884154"/>
+              <a:gd name="connsiteX16" fmla="*/ 7750629 w 7750629"/>
+              <a:gd name="connsiteY16" fmla="*/ 1124820 h 2884154"/>
+              <a:gd name="connsiteX17" fmla="*/ 7750629 w 7750629"/>
+              <a:gd name="connsiteY17" fmla="*/ 1730492 h 2884154"/>
+              <a:gd name="connsiteX18" fmla="*/ 7750629 w 7750629"/>
+              <a:gd name="connsiteY18" fmla="*/ 2278482 h 2884154"/>
+              <a:gd name="connsiteX19" fmla="*/ 7750629 w 7750629"/>
+              <a:gd name="connsiteY19" fmla="*/ 2884154 h 2884154"/>
+              <a:gd name="connsiteX20" fmla="*/ 7337262 w 7750629"/>
+              <a:gd name="connsiteY20" fmla="*/ 2884154 h 2884154"/>
+              <a:gd name="connsiteX21" fmla="*/ 6846389 w 7750629"/>
+              <a:gd name="connsiteY21" fmla="*/ 2884154 h 2884154"/>
+              <a:gd name="connsiteX22" fmla="*/ 6355516 w 7750629"/>
+              <a:gd name="connsiteY22" fmla="*/ 2884154 h 2884154"/>
+              <a:gd name="connsiteX23" fmla="*/ 5864643 w 7750629"/>
+              <a:gd name="connsiteY23" fmla="*/ 2884154 h 2884154"/>
+              <a:gd name="connsiteX24" fmla="*/ 5373769 w 7750629"/>
+              <a:gd name="connsiteY24" fmla="*/ 2884154 h 2884154"/>
+              <a:gd name="connsiteX25" fmla="*/ 4572871 w 7750629"/>
+              <a:gd name="connsiteY25" fmla="*/ 2884154 h 2884154"/>
+              <a:gd name="connsiteX26" fmla="*/ 4159504 w 7750629"/>
+              <a:gd name="connsiteY26" fmla="*/ 2884154 h 2884154"/>
+              <a:gd name="connsiteX27" fmla="*/ 3746137 w 7750629"/>
+              <a:gd name="connsiteY27" fmla="*/ 2884154 h 2884154"/>
+              <a:gd name="connsiteX28" fmla="*/ 3255264 w 7750629"/>
+              <a:gd name="connsiteY28" fmla="*/ 2884154 h 2884154"/>
+              <a:gd name="connsiteX29" fmla="*/ 2841897 w 7750629"/>
+              <a:gd name="connsiteY29" fmla="*/ 2884154 h 2884154"/>
+              <a:gd name="connsiteX30" fmla="*/ 2351024 w 7750629"/>
+              <a:gd name="connsiteY30" fmla="*/ 2884154 h 2884154"/>
+              <a:gd name="connsiteX31" fmla="*/ 1860151 w 7750629"/>
+              <a:gd name="connsiteY31" fmla="*/ 2884154 h 2884154"/>
+              <a:gd name="connsiteX32" fmla="*/ 1291771 w 7750629"/>
+              <a:gd name="connsiteY32" fmla="*/ 2884154 h 2884154"/>
+              <a:gd name="connsiteX33" fmla="*/ 723392 w 7750629"/>
+              <a:gd name="connsiteY33" fmla="*/ 2884154 h 2884154"/>
+              <a:gd name="connsiteX34" fmla="*/ 0 w 7750629"/>
+              <a:gd name="connsiteY34" fmla="*/ 2884154 h 2884154"/>
+              <a:gd name="connsiteX35" fmla="*/ 0 w 7750629"/>
+              <a:gd name="connsiteY35" fmla="*/ 2365006 h 2884154"/>
+              <a:gd name="connsiteX36" fmla="*/ 0 w 7750629"/>
+              <a:gd name="connsiteY36" fmla="*/ 1845859 h 2884154"/>
+              <a:gd name="connsiteX37" fmla="*/ 0 w 7750629"/>
+              <a:gd name="connsiteY37" fmla="*/ 1297869 h 2884154"/>
+              <a:gd name="connsiteX38" fmla="*/ 0 w 7750629"/>
+              <a:gd name="connsiteY38" fmla="*/ 778722 h 2884154"/>
+              <a:gd name="connsiteX39" fmla="*/ 0 w 7750629"/>
+              <a:gd name="connsiteY39" fmla="*/ 0 h 2884154"/>
+            </a:gdLst>
+            <a:ahLst/>
+            <a:cxnLst>
+              <a:cxn ang="0">
+                <a:pos x="connsiteX0" y="connsiteY0"/>
+              </a:cxn>
+              <a:cxn ang="0">
+                <a:pos x="connsiteX1" y="connsiteY1"/>
+              </a:cxn>
+              <a:cxn ang="0">
+                <a:pos x="connsiteX2" y="connsiteY2"/>
+              </a:cxn>
+              <a:cxn ang="0">
+                <a:pos x="connsiteX3" y="connsiteY3"/>
+              </a:cxn>
+              <a:cxn ang="0">
+                <a:pos x="connsiteX4" y="connsiteY4"/>
+              </a:cxn>
+              <a:cxn ang="0">
+                <a:pos x="connsiteX5" y="connsiteY5"/>
+              </a:cxn>
+              <a:cxn ang="0">
+                <a:pos x="connsiteX6" y="connsiteY6"/>
+              </a:cxn>
+              <a:cxn ang="0">
+                <a:pos x="connsiteX7" y="connsiteY7"/>
+              </a:cxn>
+              <a:cxn ang="0">
+                <a:pos x="connsiteX8" y="connsiteY8"/>
+              </a:cxn>
+              <a:cxn ang="0">
+                <a:pos x="connsiteX9" y="connsiteY9"/>
+              </a:cxn>
+              <a:cxn ang="0">
+                <a:pos x="connsiteX10" y="connsiteY10"/>
+              </a:cxn>
+              <a:cxn ang="0">
+                <a:pos x="connsiteX11" y="connsiteY11"/>
+              </a:cxn>
+              <a:cxn ang="0">
+                <a:pos x="connsiteX12" y="connsiteY12"/>
+              </a:cxn>
+              <a:cxn ang="0">
+                <a:pos x="connsiteX13" y="connsiteY13"/>
+              </a:cxn>
+              <a:cxn ang="0">
+                <a:pos x="connsiteX14" y="connsiteY14"/>
+              </a:cxn>
+              <a:cxn ang="0">
+                <a:pos x="connsiteX15" y="connsiteY15"/>
+              </a:cxn>
+              <a:cxn ang="0">
+                <a:pos x="connsiteX16" y="connsiteY16"/>
+              </a:cxn>
+              <a:cxn ang="0">
+                <a:pos x="connsiteX17" y="connsiteY17"/>
+              </a:cxn>
+              <a:cxn ang="0">
+                <a:pos x="connsiteX18" y="connsiteY18"/>
+              </a:cxn>
+              <a:cxn ang="0">
+                <a:pos x="connsiteX19" y="connsiteY19"/>
+              </a:cxn>
+              <a:cxn ang="0">
+                <a:pos x="connsiteX20" y="connsiteY20"/>
+              </a:cxn>
+              <a:cxn ang="0">
+                <a:pos x="connsiteX21" y="connsiteY21"/>
+              </a:cxn>
+              <a:cxn ang="0">
+                <a:pos x="connsiteX22" y="connsiteY22"/>
+              </a:cxn>
+              <a:cxn ang="0">
+                <a:pos x="connsiteX23" y="connsiteY23"/>
+              </a:cxn>
+              <a:cxn ang="0">
+                <a:pos x="connsiteX24" y="connsiteY24"/>
+              </a:cxn>
+              <a:cxn ang="0">
+                <a:pos x="connsiteX25" y="connsiteY25"/>
+              </a:cxn>
+              <a:cxn ang="0">
+                <a:pos x="connsiteX26" y="connsiteY26"/>
+              </a:cxn>
+              <a:cxn ang="0">
+                <a:pos x="connsiteX27" y="connsiteY27"/>
+              </a:cxn>
+              <a:cxn ang="0">
+                <a:pos x="connsiteX28" y="connsiteY28"/>
+              </a:cxn>
+              <a:cxn ang="0">
+                <a:pos x="connsiteX29" y="connsiteY29"/>
+              </a:cxn>
+              <a:cxn ang="0">
+                <a:pos x="connsiteX30" y="connsiteY30"/>
+              </a:cxn>
+              <a:cxn ang="0">
+                <a:pos x="connsiteX31" y="connsiteY31"/>
+              </a:cxn>
+              <a:cxn ang="0">
+                <a:pos x="connsiteX32" y="connsiteY32"/>
+              </a:cxn>
+              <a:cxn ang="0">
+                <a:pos x="connsiteX33" y="connsiteY33"/>
+              </a:cxn>
+              <a:cxn ang="0">
+                <a:pos x="connsiteX34" y="connsiteY34"/>
+              </a:cxn>
+              <a:cxn ang="0">
+                <a:pos x="connsiteX35" y="connsiteY35"/>
+              </a:cxn>
+              <a:cxn ang="0">
+                <a:pos x="connsiteX36" y="connsiteY36"/>
+              </a:cxn>
+              <a:cxn ang="0">
+                <a:pos x="connsiteX37" y="connsiteY37"/>
+              </a:cxn>
+              <a:cxn ang="0">
+                <a:pos x="connsiteX38" y="connsiteY38"/>
+              </a:cxn>
+              <a:cxn ang="0">
+                <a:pos x="connsiteX39" y="connsiteY39"/>
+              </a:cxn>
+            </a:cxnLst>
+            <a:rect l="l" t="t" r="r" b="b"/>
+            <a:pathLst>
+              <a:path w="7750629" h="2884154" extrusionOk="0">
+                <a:moveTo>
+                  <a:pt x="0" y="0"/>
+                </a:moveTo>
+                <a:cubicBezTo>
+                  <a:pt x="176539" y="-16997"/>
+                  <a:pt x="261062" y="-9599"/>
+                  <a:pt x="413367" y="0"/>
+                </a:cubicBezTo>
+                <a:cubicBezTo>
+                  <a:pt x="565672" y="9599"/>
+                  <a:pt x="733360" y="15780"/>
+                  <a:pt x="826734" y="0"/>
+                </a:cubicBezTo>
+                <a:cubicBezTo>
+                  <a:pt x="920108" y="-15780"/>
+                  <a:pt x="1199870" y="7281"/>
+                  <a:pt x="1472620" y="0"/>
+                </a:cubicBezTo>
+                <a:cubicBezTo>
+                  <a:pt x="1745370" y="-7281"/>
+                  <a:pt x="1769613" y="-11670"/>
+                  <a:pt x="1963493" y="0"/>
+                </a:cubicBezTo>
+                <a:cubicBezTo>
+                  <a:pt x="2157373" y="11670"/>
+                  <a:pt x="2251908" y="-15072"/>
+                  <a:pt x="2376860" y="0"/>
+                </a:cubicBezTo>
+                <a:cubicBezTo>
+                  <a:pt x="2501812" y="15072"/>
+                  <a:pt x="2598357" y="-20465"/>
+                  <a:pt x="2790226" y="0"/>
+                </a:cubicBezTo>
+                <a:cubicBezTo>
+                  <a:pt x="2982095" y="20465"/>
+                  <a:pt x="3046667" y="18233"/>
+                  <a:pt x="3281100" y="0"/>
+                </a:cubicBezTo>
+                <a:cubicBezTo>
+                  <a:pt x="3515533" y="-18233"/>
+                  <a:pt x="3647039" y="16737"/>
+                  <a:pt x="3926985" y="0"/>
+                </a:cubicBezTo>
+                <a:cubicBezTo>
+                  <a:pt x="4206931" y="-16737"/>
+                  <a:pt x="4414747" y="-22305"/>
+                  <a:pt x="4572871" y="0"/>
+                </a:cubicBezTo>
+                <a:cubicBezTo>
+                  <a:pt x="4730995" y="22305"/>
+                  <a:pt x="5001891" y="-3104"/>
+                  <a:pt x="5141251" y="0"/>
+                </a:cubicBezTo>
+                <a:cubicBezTo>
+                  <a:pt x="5280611" y="3104"/>
+                  <a:pt x="5418235" y="23433"/>
+                  <a:pt x="5632124" y="0"/>
+                </a:cubicBezTo>
+                <a:cubicBezTo>
+                  <a:pt x="5846013" y="-23433"/>
+                  <a:pt x="5970406" y="23011"/>
+                  <a:pt x="6200503" y="0"/>
+                </a:cubicBezTo>
+                <a:cubicBezTo>
+                  <a:pt x="6430600" y="-23011"/>
+                  <a:pt x="6674278" y="-17920"/>
+                  <a:pt x="6923895" y="0"/>
+                </a:cubicBezTo>
+                <a:cubicBezTo>
+                  <a:pt x="7173512" y="17920"/>
+                  <a:pt x="7424574" y="23391"/>
+                  <a:pt x="7750629" y="0"/>
+                </a:cubicBezTo>
+                <a:cubicBezTo>
+                  <a:pt x="7774090" y="242688"/>
+                  <a:pt x="7726014" y="459784"/>
+                  <a:pt x="7750629" y="576831"/>
+                </a:cubicBezTo>
+                <a:cubicBezTo>
+                  <a:pt x="7775244" y="693878"/>
+                  <a:pt x="7776762" y="901074"/>
+                  <a:pt x="7750629" y="1124820"/>
+                </a:cubicBezTo>
+                <a:cubicBezTo>
+                  <a:pt x="7724496" y="1348566"/>
+                  <a:pt x="7722727" y="1428586"/>
+                  <a:pt x="7750629" y="1730492"/>
+                </a:cubicBezTo>
+                <a:cubicBezTo>
+                  <a:pt x="7778531" y="2032398"/>
+                  <a:pt x="7776661" y="2049060"/>
+                  <a:pt x="7750629" y="2278482"/>
+                </a:cubicBezTo>
+                <a:cubicBezTo>
+                  <a:pt x="7724598" y="2507904"/>
+                  <a:pt x="7744754" y="2639063"/>
+                  <a:pt x="7750629" y="2884154"/>
+                </a:cubicBezTo>
+                <a:cubicBezTo>
+                  <a:pt x="7634461" y="2866499"/>
+                  <a:pt x="7431839" y="2896908"/>
+                  <a:pt x="7337262" y="2884154"/>
+                </a:cubicBezTo>
+                <a:cubicBezTo>
+                  <a:pt x="7242685" y="2871400"/>
+                  <a:pt x="7025394" y="2897951"/>
+                  <a:pt x="6846389" y="2884154"/>
+                </a:cubicBezTo>
+                <a:cubicBezTo>
+                  <a:pt x="6667384" y="2870357"/>
+                  <a:pt x="6485625" y="2874270"/>
+                  <a:pt x="6355516" y="2884154"/>
+                </a:cubicBezTo>
+                <a:cubicBezTo>
+                  <a:pt x="6225407" y="2894038"/>
+                  <a:pt x="6030987" y="2901308"/>
+                  <a:pt x="5864643" y="2884154"/>
+                </a:cubicBezTo>
+                <a:cubicBezTo>
+                  <a:pt x="5698299" y="2867000"/>
+                  <a:pt x="5537025" y="2908317"/>
+                  <a:pt x="5373769" y="2884154"/>
+                </a:cubicBezTo>
+                <a:cubicBezTo>
+                  <a:pt x="5210513" y="2859991"/>
+                  <a:pt x="4959846" y="2899541"/>
+                  <a:pt x="4572871" y="2884154"/>
+                </a:cubicBezTo>
+                <a:cubicBezTo>
+                  <a:pt x="4185896" y="2868767"/>
+                  <a:pt x="4309120" y="2875132"/>
+                  <a:pt x="4159504" y="2884154"/>
+                </a:cubicBezTo>
+                <a:cubicBezTo>
+                  <a:pt x="4009888" y="2893176"/>
+                  <a:pt x="3922586" y="2865088"/>
+                  <a:pt x="3746137" y="2884154"/>
+                </a:cubicBezTo>
+                <a:cubicBezTo>
+                  <a:pt x="3569688" y="2903220"/>
+                  <a:pt x="3381513" y="2889527"/>
+                  <a:pt x="3255264" y="2884154"/>
+                </a:cubicBezTo>
+                <a:cubicBezTo>
+                  <a:pt x="3129015" y="2878781"/>
+                  <a:pt x="2948826" y="2901985"/>
+                  <a:pt x="2841897" y="2884154"/>
+                </a:cubicBezTo>
+                <a:cubicBezTo>
+                  <a:pt x="2734968" y="2866323"/>
+                  <a:pt x="2528102" y="2868192"/>
+                  <a:pt x="2351024" y="2884154"/>
+                </a:cubicBezTo>
+                <a:cubicBezTo>
+                  <a:pt x="2173946" y="2900116"/>
+                  <a:pt x="2087640" y="2898049"/>
+                  <a:pt x="1860151" y="2884154"/>
+                </a:cubicBezTo>
+                <a:cubicBezTo>
+                  <a:pt x="1632662" y="2870259"/>
+                  <a:pt x="1488719" y="2885308"/>
+                  <a:pt x="1291771" y="2884154"/>
+                </a:cubicBezTo>
+                <a:cubicBezTo>
+                  <a:pt x="1094823" y="2883000"/>
+                  <a:pt x="845426" y="2866856"/>
+                  <a:pt x="723392" y="2884154"/>
+                </a:cubicBezTo>
+                <a:cubicBezTo>
+                  <a:pt x="601358" y="2901452"/>
+                  <a:pt x="228851" y="2901133"/>
+                  <a:pt x="0" y="2884154"/>
+                </a:cubicBezTo>
+                <a:cubicBezTo>
+                  <a:pt x="3415" y="2742430"/>
+                  <a:pt x="-5437" y="2622163"/>
+                  <a:pt x="0" y="2365006"/>
+                </a:cubicBezTo>
+                <a:cubicBezTo>
+                  <a:pt x="5437" y="2107849"/>
+                  <a:pt x="20303" y="1964565"/>
+                  <a:pt x="0" y="1845859"/>
+                </a:cubicBezTo>
+                <a:cubicBezTo>
+                  <a:pt x="-20303" y="1727153"/>
+                  <a:pt x="21314" y="1543099"/>
+                  <a:pt x="0" y="1297869"/>
+                </a:cubicBezTo>
+                <a:cubicBezTo>
+                  <a:pt x="-21314" y="1052639"/>
+                  <a:pt x="10173" y="915305"/>
+                  <a:pt x="0" y="778722"/>
+                </a:cubicBezTo>
+                <a:cubicBezTo>
+                  <a:pt x="-10173" y="642139"/>
+                  <a:pt x="-19571" y="319475"/>
+                  <a:pt x="0" y="0"/>
+                </a:cubicBezTo>
+                <a:close/>
+              </a:path>
+            </a:pathLst>
+          </a:custGeom>
+          <a:noFill/>
+          <a:ln w="76200">
+            <a:solidFill>
+              <a:schemeClr val="tx1"/>
+            </a:solidFill>
+            <a:prstDash val="solid"/>
+            <a:extLst>
+              <a:ext uri="{C807C97D-BFC1-408E-A445-0C87EB9F89A2}">
+                <ask:lineSketchStyleProps xmlns:ask="http://schemas.microsoft.com/office/drawing/2018/sketchyshapes" sd="3655579852">
+                  <a:prstGeom prst="rect">
+                    <a:avLst/>
+                  </a:prstGeom>
+                  <ask:type>
+                    <ask:lineSketchFreehand/>
+                  </ask:type>
+                </ask:lineSketchStyleProps>
+              </a:ext>
+            </a:extLst>
+          </a:ln>
+        </p:spPr>
+        <p:style>
+          <a:lnRef idx="2">
+            <a:schemeClr val="accent3">
+              <a:shade val="50000"/>
+            </a:schemeClr>
+          </a:lnRef>
+          <a:fillRef idx="1">
+            <a:schemeClr val="accent3"/>
+          </a:fillRef>
+          <a:effectRef idx="0">
+            <a:schemeClr val="accent3"/>
+          </a:effectRef>
+          <a:fontRef idx="minor">
+            <a:schemeClr val="lt1"/>
+          </a:fontRef>
+        </p:style>
+        <p:txBody>
+          <a:bodyPr rtlCol="0" anchor="ctr"/>
+          <a:lstStyle/>
+          <a:p>
+            <a:pPr algn="ctr"/>
+            <a:endParaRPr lang="en-US"/>
+          </a:p>
+        </p:txBody>
+      </p:sp>
+      <p:sp>
+        <p:nvSpPr>
           <p:cNvPr id="3" name="Content Placeholder 2">
             <a:extLst>
               <a:ext uri="{FF2B5EF4-FFF2-40B4-BE49-F238E27FC236}">
@@ -3543,7 +4025,7 @@
         </p:nvSpPr>
         <p:spPr>
           <a:xfrm>
-            <a:off x="132944" y="362789"/>
+            <a:off x="132941" y="133409"/>
             <a:ext cx="11926111" cy="3265628"/>
           </a:xfrm>
         </p:spPr>
@@ -3558,11 +4040,7 @@
             </a:pPr>
             <a:r>
               <a:rPr lang="en-US" sz="3600" b="1" dirty="0"/>
-              <a:t>BONUS PAY: </a:t>
-            </a:r>
-            <a:r>
-              <a:rPr lang="en-US" sz="3600" dirty="0"/>
-              <a:t>MONEY COLLECTION ROUNDS</a:t>
+              <a:t>Earning Bonus Pay</a:t>
             </a:r>
           </a:p>
           <a:p>
@@ -3571,43 +4049,63 @@
             </a:pPr>
             <a:r>
               <a:rPr lang="en-US" sz="2400" dirty="0"/>
-              <a:t>You next task is to collect as much as possible in each of the following </a:t>
-            </a:r>
-            <a:r>
-              <a:rPr lang="en-US" sz="2400" b="1" i="1" dirty="0"/>
-              <a:t>Money</a:t>
+              <a:t>To earn Bonus Pay in each round, you must collect at least </a:t>
+            </a:r>
+            <a:r>
+              <a:rPr lang="en-US" sz="2400" b="1" dirty="0">
+                <a:solidFill>
+                  <a:schemeClr val="accent6"/>
+                </a:solidFill>
+              </a:rPr>
+              <a:t>10¢</a:t>
+            </a:r>
+            <a:r>
+              <a:rPr lang="en-US" sz="2400" dirty="0"/>
+              <a:t>. If you </a:t>
+            </a:r>
+            <a:r>
+              <a:rPr lang="en-US" sz="2400" b="1" dirty="0"/>
+              <a:t>do not </a:t>
+            </a:r>
+            <a:r>
+              <a:rPr lang="en-US" sz="2400" dirty="0"/>
+              <a:t>reach </a:t>
+            </a:r>
+            <a:r>
+              <a:rPr lang="en-US" sz="2400" b="1" dirty="0">
+                <a:solidFill>
+                  <a:schemeClr val="accent6"/>
+                </a:solidFill>
+              </a:rPr>
+              <a:t>10¢ </a:t>
+            </a:r>
+            <a:r>
+              <a:rPr lang="en-US" sz="2400" dirty="0"/>
+              <a:t>by the end of the round the money you collected </a:t>
+            </a:r>
+            <a:r>
+              <a:rPr lang="en-US" sz="2400" b="1" dirty="0"/>
+              <a:t>will not be added </a:t>
+            </a:r>
+            <a:r>
+              <a:rPr lang="en-US" sz="2400" dirty="0"/>
+              <a:t>to your </a:t>
+            </a:r>
+            <a:r>
+              <a:rPr lang="en-US" sz="2400" b="1" dirty="0"/>
+              <a:t>TOTAL</a:t>
             </a:r>
             <a:r>
               <a:rPr lang="en-US" sz="2400" dirty="0"/>
               <a:t> </a:t>
             </a:r>
             <a:r>
-              <a:rPr lang="en-US" sz="2400" b="1" i="1" dirty="0"/>
-              <a:t>Collection Rounds</a:t>
+              <a:rPr lang="en-US" sz="2400" b="1" dirty="0"/>
+              <a:t>BONUS PAYMENT</a:t>
             </a:r>
             <a:r>
               <a:rPr lang="en-US" sz="2400" dirty="0"/>
-              <a:t>. On each round, you will have </a:t>
-            </a:r>
-            <a:r>
-              <a:rPr lang="en-US" sz="2400" b="1" dirty="0"/>
-              <a:t>1-minute</a:t>
-            </a:r>
-            <a:r>
-              <a:rPr lang="en-US" sz="2400" dirty="0"/>
-              <a:t> to </a:t>
-            </a:r>
-            <a:r>
-              <a:rPr lang="en-US" sz="2400" b="1" dirty="0">
-                <a:solidFill>
-                  <a:srgbClr val="FF0000"/>
-                </a:solidFill>
-              </a:rPr>
-              <a:t>collect as much money as possible!!</a:t>
-            </a:r>
-            <a:r>
-              <a:rPr lang="en-US" sz="2400" dirty="0"/>
-              <a:t> </a:t>
+              <a:t>.</a:t>
             </a:r>
           </a:p>
           <a:p>
@@ -3618,131 +4116,63 @@
           </a:p>
         </p:txBody>
       </p:sp>
-      <p:grpSp>
-        <p:nvGrpSpPr>
-          <p:cNvPr id="12" name="Group 11">
-            <a:extLst>
-              <a:ext uri="{FF2B5EF4-FFF2-40B4-BE49-F238E27FC236}">
-                <a16:creationId xmlns:a16="http://schemas.microsoft.com/office/drawing/2014/main" id="{46045C89-337D-B942-9DF4-E4E847FAC4E2}"/>
-              </a:ext>
-            </a:extLst>
-          </p:cNvPr>
-          <p:cNvGrpSpPr/>
+      <p:sp>
+        <p:nvSpPr>
+          <p:cNvPr id="2" name="Rectangle 1">
+            <a:extLst>
+              <a:ext uri="{FF2B5EF4-FFF2-40B4-BE49-F238E27FC236}">
+                <a16:creationId xmlns:a16="http://schemas.microsoft.com/office/drawing/2014/main" id="{9D798CD9-56FD-934E-B340-BD8B2E92771A}"/>
+              </a:ext>
+            </a:extLst>
+          </p:cNvPr>
+          <p:cNvSpPr/>
           <p:nvPr/>
-        </p:nvGrpSpPr>
-        <p:grpSpPr>
-          <a:xfrm>
-            <a:off x="3641723" y="1893409"/>
-            <a:ext cx="5186500" cy="2907609"/>
-            <a:chOff x="3502750" y="3622246"/>
-            <a:chExt cx="5186500" cy="2907609"/>
-          </a:xfrm>
-        </p:grpSpPr>
-        <p:pic>
-          <p:nvPicPr>
-            <p:cNvPr id="13" name="Picture 12">
-              <a:extLst>
-                <a:ext uri="{FF2B5EF4-FFF2-40B4-BE49-F238E27FC236}">
-                  <a16:creationId xmlns:a16="http://schemas.microsoft.com/office/drawing/2014/main" id="{88525810-C671-1A4D-B919-461676D3F70B}"/>
-                </a:ext>
-              </a:extLst>
-            </p:cNvPr>
-            <p:cNvPicPr>
-              <a:picLocks noChangeAspect="1"/>
-            </p:cNvPicPr>
-            <p:nvPr/>
-          </p:nvPicPr>
-          <p:blipFill>
-            <a:blip r:embed="rId2"/>
-            <a:stretch>
-              <a:fillRect/>
-            </a:stretch>
-          </p:blipFill>
-          <p:spPr>
-            <a:xfrm>
-              <a:off x="3502750" y="3622246"/>
-              <a:ext cx="5186500" cy="2907609"/>
-            </a:xfrm>
-            <a:prstGeom prst="rect">
-              <a:avLst/>
-            </a:prstGeom>
-            <a:ln w="38100" cap="sq">
-              <a:solidFill>
-                <a:srgbClr val="000000"/>
-              </a:solidFill>
-              <a:prstDash val="solid"/>
-              <a:miter lim="800000"/>
-            </a:ln>
-            <a:effectLst>
-              <a:outerShdw blurRad="50800" dist="38100" dir="2700000" algn="tl" rotWithShape="0">
-                <a:srgbClr val="000000">
-                  <a:alpha val="43000"/>
-                </a:srgbClr>
-              </a:outerShdw>
-            </a:effectLst>
-          </p:spPr>
-        </p:pic>
-        <p:sp>
-          <p:nvSpPr>
-            <p:cNvPr id="14" name="Rectangle 13">
-              <a:extLst>
-                <a:ext uri="{FF2B5EF4-FFF2-40B4-BE49-F238E27FC236}">
-                  <a16:creationId xmlns:a16="http://schemas.microsoft.com/office/drawing/2014/main" id="{3211C93A-12BC-6047-95B2-E72CAD0E8159}"/>
-                </a:ext>
-              </a:extLst>
-            </p:cNvPr>
-            <p:cNvSpPr/>
-            <p:nvPr/>
-          </p:nvSpPr>
-          <p:spPr>
-            <a:xfrm>
-              <a:off x="5599042" y="3622246"/>
-              <a:ext cx="939544" cy="209265"/>
-            </a:xfrm>
-            <a:prstGeom prst="rect">
-              <a:avLst/>
-            </a:prstGeom>
-            <a:solidFill>
-              <a:schemeClr val="tx1"/>
-            </a:solidFill>
-            <a:ln>
-              <a:solidFill>
-                <a:schemeClr val="tx1"/>
-              </a:solidFill>
-            </a:ln>
-          </p:spPr>
-          <p:style>
-            <a:lnRef idx="2">
-              <a:schemeClr val="accent1">
-                <a:shade val="50000"/>
-              </a:schemeClr>
-            </a:lnRef>
-            <a:fillRef idx="1">
-              <a:schemeClr val="accent1"/>
-            </a:fillRef>
-            <a:effectRef idx="0">
-              <a:schemeClr val="accent1"/>
-            </a:effectRef>
-            <a:fontRef idx="minor">
-              <a:schemeClr val="lt1"/>
-            </a:fontRef>
-          </p:style>
-          <p:txBody>
-            <a:bodyPr rtlCol="0" anchor="ctr"/>
-            <a:lstStyle/>
-            <a:p>
-              <a:pPr algn="ctr"/>
-              <a:endParaRPr lang="en-US"/>
-            </a:p>
-          </p:txBody>
-        </p:sp>
-      </p:grpSp>
-      <p:sp>
-        <p:nvSpPr>
-          <p:cNvPr id="18" name="TextBox 17">
-            <a:extLst>
-              <a:ext uri="{FF2B5EF4-FFF2-40B4-BE49-F238E27FC236}">
-                <a16:creationId xmlns:a16="http://schemas.microsoft.com/office/drawing/2014/main" id="{0E467AAD-D695-3D47-BECD-FFC7403A372D}"/>
+        </p:nvSpPr>
+        <p:spPr>
+          <a:xfrm>
+            <a:off x="640911" y="5067976"/>
+            <a:ext cx="10910169" cy="830997"/>
+          </a:xfrm>
+          <a:prstGeom prst="rect">
+            <a:avLst/>
+          </a:prstGeom>
+        </p:spPr>
+        <p:txBody>
+          <a:bodyPr wrap="square">
+            <a:spAutoFit/>
+          </a:bodyPr>
+          <a:lstStyle/>
+          <a:p>
+            <a:pPr algn="ctr"/>
+            <a:r>
+              <a:rPr lang="en-US" altLang="zh-CN" sz="2400" dirty="0"/>
+              <a:t>On each round you should try to collect as much as possible. You will find out your </a:t>
+            </a:r>
+            <a:r>
+              <a:rPr lang="en-US" sz="2400" b="1" dirty="0"/>
+              <a:t>TOTAL</a:t>
+            </a:r>
+            <a:r>
+              <a:rPr lang="en-US" sz="2400" dirty="0"/>
+              <a:t> </a:t>
+            </a:r>
+            <a:r>
+              <a:rPr lang="en-US" sz="2400" b="1" dirty="0"/>
+              <a:t>BONUS PAYMENT </a:t>
+            </a:r>
+            <a:r>
+              <a:rPr lang="en-US" sz="2400" dirty="0"/>
+              <a:t>at the end of the Bonus Section.</a:t>
+            </a:r>
+          </a:p>
+        </p:txBody>
+      </p:sp>
+      <p:sp>
+        <p:nvSpPr>
+          <p:cNvPr id="9" name="TextBox 8">
+            <a:extLst>
+              <a:ext uri="{FF2B5EF4-FFF2-40B4-BE49-F238E27FC236}">
+                <a16:creationId xmlns:a16="http://schemas.microsoft.com/office/drawing/2014/main" id="{9DE4640C-6CD1-C44F-85D4-ADC0F7BE5933}"/>
               </a:ext>
             </a:extLst>
           </p:cNvPr>
@@ -3751,8 +4181,8 @@
         </p:nvSpPr>
         <p:spPr>
           <a:xfrm>
-            <a:off x="5262715" y="1802348"/>
-            <a:ext cx="1666567" cy="461665"/>
+            <a:off x="3886467" y="6182211"/>
+            <a:ext cx="4782193" cy="461665"/>
           </a:xfrm>
           <a:prstGeom prst="rect">
             <a:avLst/>
@@ -3767,337 +4197,22 @@
           <a:p>
             <a:pPr algn="ctr"/>
             <a:r>
-              <a:rPr lang="en-US" altLang="zh-CN" sz="1200" dirty="0">
-                <a:solidFill>
-                  <a:srgbClr val="00B050"/>
+              <a:rPr lang="en-US" sz="2400" b="1" dirty="0">
+                <a:solidFill>
+                  <a:schemeClr val="accent6"/>
                 </a:solidFill>
               </a:rPr>
-              <a:t>Find</a:t>
-            </a:r>
-            <a:r>
-              <a:rPr lang="zh-CN" altLang="en-US" sz="1200" dirty="0">
-                <a:solidFill>
-                  <a:srgbClr val="00B050"/>
-                </a:solidFill>
-              </a:rPr>
-              <a:t> </a:t>
-            </a:r>
-            <a:r>
-              <a:rPr lang="en-US" altLang="zh-CN" sz="1200" dirty="0">
-                <a:solidFill>
-                  <a:srgbClr val="00B050"/>
-                </a:solidFill>
-              </a:rPr>
-              <a:t>$$$</a:t>
-            </a:r>
-            <a:r>
-              <a:rPr lang="zh-CN" altLang="en-US" sz="1200" dirty="0">
-                <a:solidFill>
-                  <a:srgbClr val="00B050"/>
-                </a:solidFill>
-              </a:rPr>
-              <a:t> </a:t>
-            </a:r>
-            <a:endParaRPr lang="en-CA" altLang="zh-CN" sz="1200" dirty="0">
-              <a:solidFill>
-                <a:srgbClr val="00B050"/>
-              </a:solidFill>
-            </a:endParaRPr>
-          </a:p>
-          <a:p>
-            <a:pPr algn="ctr"/>
-            <a:r>
-              <a:rPr lang="en-US" altLang="zh-CN" sz="1200" dirty="0">
-                <a:solidFill>
-                  <a:srgbClr val="00B050"/>
-                </a:solidFill>
-              </a:rPr>
-              <a:t>Money</a:t>
-            </a:r>
-            <a:r>
-              <a:rPr lang="zh-CN" altLang="en-US" sz="1200" dirty="0">
-                <a:solidFill>
-                  <a:srgbClr val="00B050"/>
-                </a:solidFill>
-              </a:rPr>
-              <a:t> </a:t>
-            </a:r>
-            <a:r>
-              <a:rPr lang="en-US" altLang="zh-CN" sz="1200" dirty="0">
-                <a:solidFill>
-                  <a:srgbClr val="00B050"/>
-                </a:solidFill>
-              </a:rPr>
-              <a:t>Collected:</a:t>
-            </a:r>
-            <a:r>
-              <a:rPr lang="zh-CN" altLang="en-US" sz="1200" dirty="0">
-                <a:solidFill>
-                  <a:srgbClr val="00B050"/>
-                </a:solidFill>
-              </a:rPr>
-              <a:t> </a:t>
-            </a:r>
-            <a:r>
-              <a:rPr lang="en-US" altLang="zh-CN" sz="1200" dirty="0">
-                <a:solidFill>
-                  <a:srgbClr val="00B050"/>
-                </a:solidFill>
-              </a:rPr>
-              <a:t>$</a:t>
-            </a:r>
-            <a:r>
-              <a:rPr lang="zh-CN" altLang="en-US" sz="1200" dirty="0">
-                <a:solidFill>
-                  <a:srgbClr val="00B050"/>
-                </a:solidFill>
-              </a:rPr>
-              <a:t> </a:t>
-            </a:r>
-            <a:r>
-              <a:rPr lang="en-US" altLang="zh-CN" sz="1200" dirty="0">
-                <a:solidFill>
-                  <a:srgbClr val="00B050"/>
-                </a:solidFill>
-              </a:rPr>
-              <a:t>0</a:t>
-            </a:r>
-            <a:endParaRPr lang="en-US" sz="1200" dirty="0">
-              <a:solidFill>
-                <a:srgbClr val="00B050"/>
-              </a:solidFill>
-            </a:endParaRPr>
-          </a:p>
-        </p:txBody>
-      </p:sp>
-      <p:sp>
-        <p:nvSpPr>
-          <p:cNvPr id="2" name="Rectangle 1">
-            <a:extLst>
-              <a:ext uri="{FF2B5EF4-FFF2-40B4-BE49-F238E27FC236}">
-                <a16:creationId xmlns:a16="http://schemas.microsoft.com/office/drawing/2014/main" id="{9D798CD9-56FD-934E-B340-BD8B2E92771A}"/>
-              </a:ext>
-            </a:extLst>
-          </p:cNvPr>
-          <p:cNvSpPr/>
-          <p:nvPr/>
-        </p:nvSpPr>
-        <p:spPr>
-          <a:xfrm>
-            <a:off x="640913" y="4981882"/>
-            <a:ext cx="10910169" cy="1200329"/>
-          </a:xfrm>
-          <a:prstGeom prst="rect">
-            <a:avLst/>
-          </a:prstGeom>
-        </p:spPr>
-        <p:txBody>
-          <a:bodyPr wrap="square">
-            <a:spAutoFit/>
-          </a:bodyPr>
-          <a:lstStyle/>
-          <a:p>
-            <a:r>
-              <a:rPr lang="en-US" altLang="zh-CN" sz="2400" dirty="0"/>
-              <a:t>For</a:t>
-            </a:r>
-            <a:r>
-              <a:rPr lang="zh-CN" altLang="en-US" sz="2400" dirty="0"/>
-              <a:t> </a:t>
-            </a:r>
-            <a:r>
-              <a:rPr lang="en-US" altLang="zh-CN" sz="2400" dirty="0"/>
-              <a:t>each</a:t>
-            </a:r>
-            <a:r>
-              <a:rPr lang="zh-CN" altLang="en-US" sz="2400" dirty="0"/>
-              <a:t> </a:t>
-            </a:r>
-            <a:r>
-              <a:rPr lang="en-US" altLang="zh-CN" sz="2400" dirty="0"/>
-              <a:t>round,</a:t>
-            </a:r>
-            <a:r>
-              <a:rPr lang="zh-CN" altLang="en-US" sz="2400" dirty="0"/>
-              <a:t> </a:t>
-            </a:r>
-            <a:r>
-              <a:rPr lang="en-US" altLang="zh-CN" sz="2400" dirty="0"/>
-              <a:t>you</a:t>
-            </a:r>
-            <a:r>
-              <a:rPr lang="zh-CN" altLang="en-US" sz="2400" dirty="0"/>
-              <a:t> </a:t>
-            </a:r>
-            <a:r>
-              <a:rPr lang="en-US" altLang="zh-CN" sz="2400" dirty="0"/>
-              <a:t>will</a:t>
-            </a:r>
-            <a:r>
-              <a:rPr lang="zh-CN" altLang="en-US" sz="2400" dirty="0"/>
-              <a:t> </a:t>
-            </a:r>
-            <a:r>
-              <a:rPr lang="en-US" altLang="zh-CN" sz="2400" dirty="0"/>
-              <a:t>need</a:t>
-            </a:r>
-            <a:r>
-              <a:rPr lang="zh-CN" altLang="en-US" sz="2400" dirty="0"/>
-              <a:t> </a:t>
-            </a:r>
-            <a:r>
-              <a:rPr lang="en-US" altLang="zh-CN" sz="2400" dirty="0"/>
-              <a:t>to</a:t>
-            </a:r>
-            <a:r>
-              <a:rPr lang="zh-CN" altLang="en-US" sz="2400" dirty="0"/>
-              <a:t> </a:t>
-            </a:r>
-            <a:r>
-              <a:rPr lang="en-US" altLang="zh-CN" sz="2400" dirty="0"/>
-              <a:t>collect</a:t>
-            </a:r>
-            <a:r>
-              <a:rPr lang="zh-CN" altLang="en-US" sz="2400" dirty="0"/>
-              <a:t> </a:t>
-            </a:r>
-            <a:r>
-              <a:rPr lang="en-US" altLang="zh-CN" sz="2400" dirty="0"/>
-              <a:t>at</a:t>
-            </a:r>
-            <a:r>
-              <a:rPr lang="zh-CN" altLang="en-US" sz="2400" dirty="0"/>
-              <a:t> </a:t>
-            </a:r>
-            <a:r>
-              <a:rPr lang="en-US" altLang="zh-CN" sz="2400" dirty="0"/>
-              <a:t>least</a:t>
-            </a:r>
-            <a:r>
-              <a:rPr lang="zh-CN" altLang="en-US" sz="2400" dirty="0"/>
-              <a:t> </a:t>
-            </a:r>
-            <a:r>
-              <a:rPr lang="en-US" sz="2400" b="1" dirty="0">
-                <a:solidFill>
-                  <a:schemeClr val="accent6"/>
-                </a:solidFill>
-              </a:rPr>
-              <a:t>10¢</a:t>
-            </a:r>
-            <a:r>
-              <a:rPr lang="zh-CN" altLang="en-US" sz="2400" dirty="0"/>
-              <a:t> </a:t>
-            </a:r>
-            <a:r>
-              <a:rPr lang="en-US" altLang="zh-CN" sz="2400" dirty="0"/>
-              <a:t>to</a:t>
-            </a:r>
-            <a:r>
-              <a:rPr lang="zh-CN" altLang="en-US" sz="2400" dirty="0"/>
-              <a:t> </a:t>
-            </a:r>
-            <a:r>
-              <a:rPr lang="en-US" altLang="zh-CN" sz="2400" dirty="0"/>
-              <a:t>have</a:t>
-            </a:r>
-            <a:r>
-              <a:rPr lang="zh-CN" altLang="en-US" sz="2400" dirty="0"/>
-              <a:t> </a:t>
-            </a:r>
-            <a:r>
-              <a:rPr lang="en-US" altLang="zh-CN" sz="2400" dirty="0"/>
-              <a:t>the</a:t>
-            </a:r>
-            <a:r>
-              <a:rPr lang="zh-CN" altLang="en-US" sz="2400" dirty="0"/>
-              <a:t> </a:t>
-            </a:r>
-            <a:r>
-              <a:rPr lang="en-US" altLang="zh-CN" sz="2400" dirty="0"/>
-              <a:t>amount</a:t>
-            </a:r>
-            <a:r>
-              <a:rPr lang="zh-CN" altLang="en-US" sz="2400" dirty="0"/>
-              <a:t> </a:t>
-            </a:r>
-            <a:r>
-              <a:rPr lang="en-US" altLang="zh-CN" sz="2400" dirty="0"/>
-              <a:t>from</a:t>
-            </a:r>
-            <a:r>
-              <a:rPr lang="zh-CN" altLang="en-US" sz="2400" dirty="0"/>
-              <a:t> </a:t>
-            </a:r>
-            <a:r>
-              <a:rPr lang="en-US" altLang="zh-CN" sz="2400" dirty="0"/>
-              <a:t>the</a:t>
-            </a:r>
-            <a:r>
-              <a:rPr lang="zh-CN" altLang="en-US" sz="2400" dirty="0"/>
-              <a:t> </a:t>
-            </a:r>
-            <a:r>
-              <a:rPr lang="en-US" altLang="zh-CN" sz="2400" dirty="0"/>
-              <a:t>round</a:t>
-            </a:r>
-            <a:r>
-              <a:rPr lang="zh-CN" altLang="en-US" sz="2400" dirty="0"/>
-              <a:t> </a:t>
-            </a:r>
-            <a:r>
-              <a:rPr lang="en-US" altLang="zh-CN" sz="2400" dirty="0"/>
-              <a:t>added</a:t>
-            </a:r>
-            <a:r>
-              <a:rPr lang="zh-CN" altLang="en-US" sz="2400" dirty="0"/>
-              <a:t> </a:t>
-            </a:r>
-            <a:r>
-              <a:rPr lang="en-US" altLang="zh-CN" sz="2400" dirty="0"/>
-              <a:t>to</a:t>
-            </a:r>
-            <a:r>
-              <a:rPr lang="zh-CN" altLang="en-US" sz="2400" dirty="0"/>
-              <a:t> </a:t>
-            </a:r>
-            <a:r>
-              <a:rPr lang="en-US" altLang="zh-CN" sz="2400" dirty="0"/>
-              <a:t>your</a:t>
-            </a:r>
-            <a:r>
-              <a:rPr lang="zh-CN" altLang="en-US" sz="2400" dirty="0"/>
-              <a:t> </a:t>
-            </a:r>
-            <a:r>
-              <a:rPr lang="en-US" altLang="zh-CN" sz="2400" dirty="0"/>
-              <a:t>final</a:t>
-            </a:r>
-            <a:r>
-              <a:rPr lang="zh-CN" altLang="en-US" sz="2400" dirty="0"/>
-              <a:t> </a:t>
-            </a:r>
-            <a:r>
-              <a:rPr lang="en-US" sz="2400" b="1" dirty="0">
-                <a:solidFill>
-                  <a:schemeClr val="accent6"/>
-                </a:solidFill>
-              </a:rPr>
-              <a:t>BONUS PAYMENT </a:t>
-            </a:r>
-            <a:r>
-              <a:rPr lang="en-US" sz="2400" dirty="0"/>
-              <a:t>at the end of the experiment! So try to collect as much as possible on each round! </a:t>
-            </a:r>
-          </a:p>
-        </p:txBody>
-      </p:sp>
-      <p:sp>
-        <p:nvSpPr>
-          <p:cNvPr id="9" name="TextBox 8">
-            <a:extLst>
-              <a:ext uri="{FF2B5EF4-FFF2-40B4-BE49-F238E27FC236}">
-                <a16:creationId xmlns:a16="http://schemas.microsoft.com/office/drawing/2014/main" id="{9DE4640C-6CD1-C44F-85D4-ADC0F7BE5933}"/>
+              <a:t>Do you have any questions?</a:t>
+            </a:r>
+          </a:p>
+        </p:txBody>
+      </p:sp>
+      <p:sp>
+        <p:nvSpPr>
+          <p:cNvPr id="4" name="TextBox 3">
+            <a:extLst>
+              <a:ext uri="{FF2B5EF4-FFF2-40B4-BE49-F238E27FC236}">
+                <a16:creationId xmlns:a16="http://schemas.microsoft.com/office/drawing/2014/main" id="{1888A308-C541-4DEE-A3E2-BED0E4928162}"/>
               </a:ext>
             </a:extLst>
           </p:cNvPr>
@@ -4106,8 +4221,8 @@
         </p:nvSpPr>
         <p:spPr>
           <a:xfrm>
-            <a:off x="3886467" y="6182211"/>
-            <a:ext cx="4782193" cy="461665"/>
+            <a:off x="2220680" y="1869472"/>
+            <a:ext cx="7750629" cy="2677656"/>
           </a:xfrm>
           <a:prstGeom prst="rect">
             <a:avLst/>
@@ -4122,12 +4237,93 @@
           <a:p>
             <a:pPr algn="ctr"/>
             <a:r>
-              <a:rPr lang="en-US" sz="2400" b="1" dirty="0">
+              <a:rPr lang="en-US" sz="2800" b="1" dirty="0">
+                <a:solidFill>
+                  <a:srgbClr val="FF0000"/>
+                </a:solidFill>
+              </a:rPr>
+              <a:t>Money Collected: 9¢ (or less) </a:t>
+            </a:r>
+          </a:p>
+          <a:p>
+            <a:pPr algn="ctr"/>
+            <a:r>
+              <a:rPr lang="en-US" sz="2800" dirty="0">
+                <a:solidFill>
+                  <a:srgbClr val="FF0000"/>
+                </a:solidFill>
+              </a:rPr>
+              <a:t>Money Collected </a:t>
+            </a:r>
+            <a:r>
+              <a:rPr lang="en-US" sz="2800" b="1" u="sng" dirty="0">
+                <a:solidFill>
+                  <a:srgbClr val="FF0000"/>
+                </a:solidFill>
+              </a:rPr>
+              <a:t>NOT</a:t>
+            </a:r>
+            <a:r>
+              <a:rPr lang="en-US" sz="2800" b="1" dirty="0">
+                <a:solidFill>
+                  <a:srgbClr val="FF0000"/>
+                </a:solidFill>
+              </a:rPr>
+              <a:t> Added </a:t>
+            </a:r>
+            <a:r>
+              <a:rPr lang="en-US" sz="2800" dirty="0">
+                <a:solidFill>
+                  <a:srgbClr val="FF0000"/>
+                </a:solidFill>
+              </a:rPr>
+              <a:t>to Total Bonus Payment </a:t>
+            </a:r>
+          </a:p>
+          <a:p>
+            <a:pPr algn="ctr"/>
+            <a:endParaRPr lang="en-US" sz="2800" b="1" dirty="0">
+              <a:solidFill>
+                <a:srgbClr val="FF0000"/>
+              </a:solidFill>
+            </a:endParaRPr>
+          </a:p>
+          <a:p>
+            <a:pPr algn="ctr"/>
+            <a:r>
+              <a:rPr lang="en-US" sz="2800" b="1" dirty="0">
                 <a:solidFill>
                   <a:schemeClr val="accent6"/>
                 </a:solidFill>
               </a:rPr>
-              <a:t>Do you have any questions?</a:t>
+              <a:t>Money Collected: 10¢ (or more)</a:t>
+            </a:r>
+          </a:p>
+          <a:p>
+            <a:pPr algn="ctr"/>
+            <a:r>
+              <a:rPr lang="en-US" sz="2800" dirty="0">
+                <a:solidFill>
+                  <a:schemeClr val="accent6"/>
+                </a:solidFill>
+              </a:rPr>
+              <a:t>Money Collected </a:t>
+            </a:r>
+            <a:r>
+              <a:rPr lang="en-US" sz="2800" b="1" dirty="0">
+                <a:solidFill>
+                  <a:schemeClr val="accent6"/>
+                </a:solidFill>
+              </a:rPr>
+              <a:t>Added</a:t>
+            </a:r>
+            <a:r>
+              <a:rPr lang="en-US" sz="2800" dirty="0">
+                <a:solidFill>
+                  <a:schemeClr val="accent6"/>
+                </a:solidFill>
+              </a:rPr>
+              <a:t> to Total Bonus Payment   </a:t>
             </a:r>
           </a:p>
         </p:txBody>
@@ -4180,8 +4376,8 @@
         </p:nvSpPr>
         <p:spPr>
           <a:xfrm>
-            <a:off x="132944" y="362789"/>
-            <a:ext cx="11926111" cy="3265628"/>
+            <a:off x="1" y="762774"/>
+            <a:ext cx="12191999" cy="2359987"/>
           </a:xfrm>
         </p:spPr>
         <p:txBody>
@@ -4194,12 +4390,28 @@
               <a:buNone/>
             </a:pPr>
             <a:r>
-              <a:rPr lang="en-US" sz="3600" b="1" dirty="0"/>
-              <a:t>BONUS PAY: </a:t>
-            </a:r>
-            <a:r>
-              <a:rPr lang="en-US" sz="3600" dirty="0"/>
-              <a:t>FEEDBACK ROUNDS</a:t>
+              <a:rPr lang="en-US" sz="2400" dirty="0"/>
+              <a:t>At the start of </a:t>
+            </a:r>
+            <a:r>
+              <a:rPr lang="en-US" sz="2400" b="1" dirty="0"/>
+              <a:t>most rounds </a:t>
+            </a:r>
+            <a:r>
+              <a:rPr lang="en-US" sz="2400" dirty="0"/>
+              <a:t>you will see the </a:t>
+            </a:r>
+            <a:r>
+              <a:rPr lang="en-US" sz="2400" dirty="0">
+                <a:solidFill>
+                  <a:schemeClr val="accent6"/>
+                </a:solidFill>
+              </a:rPr>
+              <a:t>“Search For Money” </a:t>
+            </a:r>
+            <a:r>
+              <a:rPr lang="en-US" sz="2400" dirty="0"/>
+              <a:t>screen. </a:t>
             </a:r>
           </a:p>
           <a:p>
@@ -4208,35 +4420,6 @@
             </a:pPr>
             <a:r>
               <a:rPr lang="en-US" sz="2400" dirty="0"/>
-              <a:t>Before the start of </a:t>
-            </a:r>
-            <a:r>
-              <a:rPr lang="en-US" sz="2400" b="1" dirty="0"/>
-              <a:t>most rounds </a:t>
-            </a:r>
-            <a:r>
-              <a:rPr lang="en-US" sz="2400" dirty="0"/>
-              <a:t>you will see the </a:t>
-            </a:r>
-            <a:r>
-              <a:rPr lang="en-US" sz="2400" dirty="0">
-                <a:solidFill>
-                  <a:schemeClr val="accent6"/>
-                </a:solidFill>
-              </a:rPr>
-              <a:t>“Search For Money” </a:t>
-            </a:r>
-            <a:r>
-              <a:rPr lang="en-US" sz="2400" dirty="0"/>
-              <a:t>screen. </a:t>
-            </a:r>
-          </a:p>
-          <a:p>
-            <a:pPr marL="0" indent="0" algn="ctr">
-              <a:buNone/>
-            </a:pPr>
-            <a:r>
-              <a:rPr lang="en-US" sz="2400" dirty="0"/>
               <a:t>During these rounds you will hear a </a:t>
             </a:r>
             <a:r>
@@ -4245,67 +4428,17 @@
             </a:r>
             <a:r>
               <a:rPr lang="en-US" sz="2400" dirty="0"/>
-              <a:t> every time you collect money and you will be able to see how much you’ve collected at the top of the screen!</a:t>
-            </a:r>
-          </a:p>
-          <a:p>
-            <a:pPr marL="0" indent="0" algn="ctr">
-              <a:buNone/>
-            </a:pPr>
-            <a:endParaRPr lang="en-US" sz="2400" dirty="0"/>
-          </a:p>
-        </p:txBody>
-      </p:sp>
-      <p:pic>
-        <p:nvPicPr>
-          <p:cNvPr id="12" name="Picture 11">
-            <a:extLst>
-              <a:ext uri="{FF2B5EF4-FFF2-40B4-BE49-F238E27FC236}">
-                <a16:creationId xmlns:a16="http://schemas.microsoft.com/office/drawing/2014/main" id="{110B06E6-1F18-8A4D-8F4C-6E6BA7E00D29}"/>
-              </a:ext>
-            </a:extLst>
-          </p:cNvPr>
-          <p:cNvPicPr>
-            <a:picLocks noChangeAspect="1"/>
-          </p:cNvPicPr>
-          <p:nvPr/>
-        </p:nvPicPr>
-        <p:blipFill>
-          <a:blip r:embed="rId2"/>
-          <a:stretch>
-            <a:fillRect/>
-          </a:stretch>
-        </p:blipFill>
-        <p:spPr>
-          <a:xfrm>
-            <a:off x="1548526" y="3060852"/>
-            <a:ext cx="3826042" cy="2144927"/>
-          </a:xfrm>
-          <a:prstGeom prst="rect">
-            <a:avLst/>
-          </a:prstGeom>
-          <a:ln w="38100" cap="sq">
-            <a:solidFill>
-              <a:srgbClr val="000000"/>
-            </a:solidFill>
-            <a:prstDash val="solid"/>
-            <a:miter lim="800000"/>
-          </a:ln>
-          <a:effectLst>
-            <a:outerShdw blurRad="50800" dist="38100" dir="2700000" algn="tl" rotWithShape="0">
-              <a:srgbClr val="000000">
-                <a:alpha val="43000"/>
-              </a:srgbClr>
-            </a:outerShdw>
-          </a:effectLst>
-        </p:spPr>
-      </p:pic>
+              <a:t> every time you collect money and you will be able to see how much you collected at the top of the screen. </a:t>
+            </a:r>
+          </a:p>
+        </p:txBody>
+      </p:sp>
       <p:cxnSp>
         <p:nvCxnSpPr>
-          <p:cNvPr id="13" name="Straight Arrow Connector 12">
-            <a:extLst>
-              <a:ext uri="{FF2B5EF4-FFF2-40B4-BE49-F238E27FC236}">
-                <a16:creationId xmlns:a16="http://schemas.microsoft.com/office/drawing/2014/main" id="{4D145265-0EA1-614E-B5AB-7EE0A2B8A4DF}"/>
+          <p:cNvPr id="8" name="Straight Arrow Connector 7">
+            <a:extLst>
+              <a:ext uri="{FF2B5EF4-FFF2-40B4-BE49-F238E27FC236}">
+                <a16:creationId xmlns:a16="http://schemas.microsoft.com/office/drawing/2014/main" id="{4244C5A5-7EC8-47B8-8DAE-087F655B0217}"/>
               </a:ext>
             </a:extLst>
           </p:cNvPr>
@@ -4316,8 +4449,8 @@
         </p:nvCxnSpPr>
         <p:spPr>
           <a:xfrm>
-            <a:off x="5523841" y="4133315"/>
-            <a:ext cx="1270861" cy="1"/>
+            <a:off x="5864517" y="3619162"/>
+            <a:ext cx="462966" cy="0"/>
           </a:xfrm>
           <a:prstGeom prst="straightConnector1">
             <a:avLst/>
@@ -4344,12 +4477,46 @@
           </a:fontRef>
         </p:style>
       </p:cxnSp>
+      <p:sp>
+        <p:nvSpPr>
+          <p:cNvPr id="9" name="TextBox 8"/>
+          <p:cNvSpPr txBox="1"/>
+          <p:nvPr/>
+        </p:nvSpPr>
+        <p:spPr>
+          <a:xfrm>
+            <a:off x="3656784" y="6383522"/>
+            <a:ext cx="4782193" cy="461665"/>
+          </a:xfrm>
+          <a:prstGeom prst="rect">
+            <a:avLst/>
+          </a:prstGeom>
+          <a:noFill/>
+        </p:spPr>
+        <p:txBody>
+          <a:bodyPr wrap="square" rtlCol="0">
+            <a:spAutoFit/>
+          </a:bodyPr>
+          <a:lstStyle/>
+          <a:p>
+            <a:pPr algn="ctr"/>
+            <a:r>
+              <a:rPr lang="en-US" sz="2400" b="1" dirty="0">
+                <a:solidFill>
+                  <a:schemeClr val="accent6"/>
+                </a:solidFill>
+              </a:rPr>
+              <a:t>Do you have any questions?</a:t>
+            </a:r>
+          </a:p>
+        </p:txBody>
+      </p:sp>
       <p:pic>
         <p:nvPicPr>
-          <p:cNvPr id="14" name="Picture 13">
-            <a:extLst>
-              <a:ext uri="{FF2B5EF4-FFF2-40B4-BE49-F238E27FC236}">
-                <a16:creationId xmlns:a16="http://schemas.microsoft.com/office/drawing/2014/main" id="{F6B50B23-84C3-A440-BA70-3604A3E5B827}"/>
+          <p:cNvPr id="2" name="Picture 1">
+            <a:extLst>
+              <a:ext uri="{FF2B5EF4-FFF2-40B4-BE49-F238E27FC236}">
+                <a16:creationId xmlns:a16="http://schemas.microsoft.com/office/drawing/2014/main" id="{2D11E53C-10D4-49EE-AA35-EAE1FC664C68}"/>
               </a:ext>
             </a:extLst>
           </p:cNvPr>
@@ -4359,15 +4526,15 @@
           <p:nvPr/>
         </p:nvPicPr>
         <p:blipFill>
-          <a:blip r:embed="rId3"/>
+          <a:blip r:embed="rId2"/>
           <a:stretch>
             <a:fillRect/>
           </a:stretch>
         </p:blipFill>
         <p:spPr>
           <a:xfrm>
-            <a:off x="6943975" y="3060859"/>
-            <a:ext cx="3922082" cy="2144920"/>
+            <a:off x="396745" y="2716107"/>
+            <a:ext cx="3376606" cy="1892968"/>
           </a:xfrm>
           <a:prstGeom prst="rect">
             <a:avLst/>
@@ -4388,12 +4555,311 @@
           </a:effectLst>
         </p:spPr>
       </p:pic>
-      <p:sp>
-        <p:nvSpPr>
-          <p:cNvPr id="15" name="Rectangle 14">
-            <a:extLst>
-              <a:ext uri="{FF2B5EF4-FFF2-40B4-BE49-F238E27FC236}">
-                <a16:creationId xmlns:a16="http://schemas.microsoft.com/office/drawing/2014/main" id="{08335495-9830-9E4C-926E-DFACF7508241}"/>
+      <p:grpSp>
+        <p:nvGrpSpPr>
+          <p:cNvPr id="10" name="Group 9">
+            <a:extLst>
+              <a:ext uri="{FF2B5EF4-FFF2-40B4-BE49-F238E27FC236}">
+                <a16:creationId xmlns:a16="http://schemas.microsoft.com/office/drawing/2014/main" id="{DA419AB1-694F-4CE9-89F7-47FC61C138B3}"/>
+              </a:ext>
+            </a:extLst>
+          </p:cNvPr>
+          <p:cNvGrpSpPr/>
+          <p:nvPr/>
+        </p:nvGrpSpPr>
+        <p:grpSpPr>
+          <a:xfrm>
+            <a:off x="8387728" y="2686525"/>
+            <a:ext cx="3407527" cy="1922550"/>
+            <a:chOff x="6476465" y="2663245"/>
+            <a:chExt cx="3407527" cy="1922550"/>
+          </a:xfrm>
+        </p:grpSpPr>
+        <p:pic>
+          <p:nvPicPr>
+            <p:cNvPr id="16" name="Picture 15">
+              <a:extLst>
+                <a:ext uri="{FF2B5EF4-FFF2-40B4-BE49-F238E27FC236}">
+                  <a16:creationId xmlns:a16="http://schemas.microsoft.com/office/drawing/2014/main" id="{E6047C8D-DB8B-4392-8677-7D2B166E9456}"/>
+                </a:ext>
+              </a:extLst>
+            </p:cNvPr>
+            <p:cNvPicPr>
+              <a:picLocks noChangeAspect="1"/>
+            </p:cNvPicPr>
+            <p:nvPr/>
+          </p:nvPicPr>
+          <p:blipFill>
+            <a:blip r:embed="rId3"/>
+            <a:stretch>
+              <a:fillRect/>
+            </a:stretch>
+          </p:blipFill>
+          <p:spPr>
+            <a:xfrm>
+              <a:off x="6476465" y="2690553"/>
+              <a:ext cx="3407527" cy="1895242"/>
+            </a:xfrm>
+            <a:prstGeom prst="rect">
+              <a:avLst/>
+            </a:prstGeom>
+            <a:ln w="38100" cap="sq">
+              <a:solidFill>
+                <a:srgbClr val="000000"/>
+              </a:solidFill>
+              <a:prstDash val="solid"/>
+              <a:miter lim="800000"/>
+            </a:ln>
+            <a:effectLst>
+              <a:outerShdw blurRad="50800" dist="38100" dir="2700000" algn="tl" rotWithShape="0">
+                <a:srgbClr val="000000">
+                  <a:alpha val="43000"/>
+                </a:srgbClr>
+              </a:outerShdw>
+            </a:effectLst>
+          </p:spPr>
+        </p:pic>
+        <p:sp>
+          <p:nvSpPr>
+            <p:cNvPr id="5" name="TextBox 4">
+              <a:extLst>
+                <a:ext uri="{FF2B5EF4-FFF2-40B4-BE49-F238E27FC236}">
+                  <a16:creationId xmlns:a16="http://schemas.microsoft.com/office/drawing/2014/main" id="{7B912782-EEF1-404E-A373-7F9D9BDD8771}"/>
+                </a:ext>
+              </a:extLst>
+            </p:cNvPr>
+            <p:cNvSpPr txBox="1"/>
+            <p:nvPr/>
+          </p:nvSpPr>
+          <p:spPr>
+            <a:xfrm>
+              <a:off x="7663658" y="2663245"/>
+              <a:ext cx="1106392" cy="338554"/>
+            </a:xfrm>
+            <a:prstGeom prst="rect">
+              <a:avLst/>
+            </a:prstGeom>
+            <a:noFill/>
+          </p:spPr>
+          <p:txBody>
+            <a:bodyPr wrap="square" rtlCol="0">
+              <a:spAutoFit/>
+            </a:bodyPr>
+            <a:lstStyle/>
+            <a:p>
+              <a:pPr algn="ctr"/>
+              <a:r>
+                <a:rPr lang="en-US" sz="800" b="1" dirty="0">
+                  <a:solidFill>
+                    <a:srgbClr val="92D050"/>
+                  </a:solidFill>
+                </a:rPr>
+                <a:t>BONUS UNLOCKED!</a:t>
+              </a:r>
+            </a:p>
+            <a:p>
+              <a:pPr algn="ctr"/>
+              <a:r>
+                <a:rPr lang="en-US" sz="800" b="1" dirty="0">
+                  <a:solidFill>
+                    <a:srgbClr val="92D050"/>
+                  </a:solidFill>
+                </a:rPr>
+                <a:t>Bonus Collected: 12¢</a:t>
+              </a:r>
+            </a:p>
+          </p:txBody>
+        </p:sp>
+      </p:grpSp>
+      <p:pic>
+        <p:nvPicPr>
+          <p:cNvPr id="17" name="Picture 16">
+            <a:extLst>
+              <a:ext uri="{FF2B5EF4-FFF2-40B4-BE49-F238E27FC236}">
+                <a16:creationId xmlns:a16="http://schemas.microsoft.com/office/drawing/2014/main" id="{13740A35-2DEE-4E1F-AE86-675F97DCBD44}"/>
+              </a:ext>
+            </a:extLst>
+          </p:cNvPr>
+          <p:cNvPicPr>
+            <a:picLocks noChangeAspect="1"/>
+          </p:cNvPicPr>
+          <p:nvPr/>
+        </p:nvPicPr>
+        <p:blipFill>
+          <a:blip r:embed="rId3"/>
+          <a:stretch>
+            <a:fillRect/>
+          </a:stretch>
+        </p:blipFill>
+        <p:spPr>
+          <a:xfrm>
+            <a:off x="4376776" y="2713833"/>
+            <a:ext cx="3407527" cy="1895242"/>
+          </a:xfrm>
+          <a:prstGeom prst="rect">
+            <a:avLst/>
+          </a:prstGeom>
+          <a:ln w="38100" cap="sq">
+            <a:solidFill>
+              <a:srgbClr val="000000"/>
+            </a:solidFill>
+            <a:prstDash val="solid"/>
+            <a:miter lim="800000"/>
+          </a:ln>
+          <a:effectLst>
+            <a:outerShdw blurRad="50800" dist="38100" dir="2700000" algn="tl" rotWithShape="0">
+              <a:srgbClr val="000000">
+                <a:alpha val="43000"/>
+              </a:srgbClr>
+            </a:outerShdw>
+          </a:effectLst>
+        </p:spPr>
+      </p:pic>
+      <p:sp>
+        <p:nvSpPr>
+          <p:cNvPr id="21" name="TextBox 20">
+            <a:extLst>
+              <a:ext uri="{FF2B5EF4-FFF2-40B4-BE49-F238E27FC236}">
+                <a16:creationId xmlns:a16="http://schemas.microsoft.com/office/drawing/2014/main" id="{DF809675-9011-48DF-AA58-059FFD25B23C}"/>
+              </a:ext>
+            </a:extLst>
+          </p:cNvPr>
+          <p:cNvSpPr txBox="1"/>
+          <p:nvPr/>
+        </p:nvSpPr>
+        <p:spPr>
+          <a:xfrm>
+            <a:off x="5563969" y="2686525"/>
+            <a:ext cx="1106392" cy="338554"/>
+          </a:xfrm>
+          <a:prstGeom prst="rect">
+            <a:avLst/>
+          </a:prstGeom>
+          <a:noFill/>
+        </p:spPr>
+        <p:txBody>
+          <a:bodyPr wrap="square" rtlCol="0">
+            <a:spAutoFit/>
+          </a:bodyPr>
+          <a:lstStyle/>
+          <a:p>
+            <a:pPr algn="ctr"/>
+            <a:r>
+              <a:rPr lang="en-US" sz="800" b="1" dirty="0">
+                <a:solidFill>
+                  <a:srgbClr val="FF0000"/>
+                </a:solidFill>
+              </a:rPr>
+              <a:t>Search For Money!</a:t>
+            </a:r>
+          </a:p>
+          <a:p>
+            <a:pPr algn="ctr"/>
+            <a:r>
+              <a:rPr lang="en-US" sz="800" b="1" dirty="0">
+                <a:solidFill>
+                  <a:srgbClr val="FF0000"/>
+                </a:solidFill>
+              </a:rPr>
+              <a:t>Money Collected: 2¢</a:t>
+            </a:r>
+          </a:p>
+        </p:txBody>
+      </p:sp>
+      <p:cxnSp>
+        <p:nvCxnSpPr>
+          <p:cNvPr id="22" name="Straight Arrow Connector 21">
+            <a:extLst>
+              <a:ext uri="{FF2B5EF4-FFF2-40B4-BE49-F238E27FC236}">
+                <a16:creationId xmlns:a16="http://schemas.microsoft.com/office/drawing/2014/main" id="{C87E142D-5B91-45F7-A5CD-DFB8059BEA20}"/>
+              </a:ext>
+            </a:extLst>
+          </p:cNvPr>
+          <p:cNvCxnSpPr>
+            <a:cxnSpLocks/>
+          </p:cNvCxnSpPr>
+          <p:nvPr/>
+        </p:nvCxnSpPr>
+        <p:spPr>
+          <a:xfrm>
+            <a:off x="3843857" y="3649098"/>
+            <a:ext cx="462966" cy="0"/>
+          </a:xfrm>
+          <a:prstGeom prst="straightConnector1">
+            <a:avLst/>
+          </a:prstGeom>
+          <a:ln w="76200">
+            <a:solidFill>
+              <a:schemeClr val="tx1"/>
+            </a:solidFill>
+            <a:tailEnd type="triangle"/>
+          </a:ln>
+        </p:spPr>
+        <p:style>
+          <a:lnRef idx="1">
+            <a:schemeClr val="accent1"/>
+          </a:lnRef>
+          <a:fillRef idx="0">
+            <a:schemeClr val="accent1"/>
+          </a:fillRef>
+          <a:effectRef idx="0">
+            <a:schemeClr val="accent1"/>
+          </a:effectRef>
+          <a:fontRef idx="minor">
+            <a:schemeClr val="tx1"/>
+          </a:fontRef>
+        </p:style>
+      </p:cxnSp>
+      <p:cxnSp>
+        <p:nvCxnSpPr>
+          <p:cNvPr id="26" name="Straight Arrow Connector 25">
+            <a:extLst>
+              <a:ext uri="{FF2B5EF4-FFF2-40B4-BE49-F238E27FC236}">
+                <a16:creationId xmlns:a16="http://schemas.microsoft.com/office/drawing/2014/main" id="{B745E6EE-CFDB-44C2-92F0-A6216E3BBED3}"/>
+              </a:ext>
+            </a:extLst>
+          </p:cNvPr>
+          <p:cNvCxnSpPr>
+            <a:cxnSpLocks/>
+          </p:cNvCxnSpPr>
+          <p:nvPr/>
+        </p:nvCxnSpPr>
+        <p:spPr>
+          <a:xfrm>
+            <a:off x="7866128" y="3619162"/>
+            <a:ext cx="462966" cy="0"/>
+          </a:xfrm>
+          <a:prstGeom prst="straightConnector1">
+            <a:avLst/>
+          </a:prstGeom>
+          <a:ln w="76200">
+            <a:solidFill>
+              <a:schemeClr val="tx1"/>
+            </a:solidFill>
+            <a:tailEnd type="triangle"/>
+          </a:ln>
+        </p:spPr>
+        <p:style>
+          <a:lnRef idx="1">
+            <a:schemeClr val="accent1"/>
+          </a:lnRef>
+          <a:fillRef idx="0">
+            <a:schemeClr val="accent1"/>
+          </a:fillRef>
+          <a:effectRef idx="0">
+            <a:schemeClr val="accent1"/>
+          </a:effectRef>
+          <a:fontRef idx="minor">
+            <a:schemeClr val="tx1"/>
+          </a:fontRef>
+        </p:style>
+      </p:cxnSp>
+      <p:sp>
+        <p:nvSpPr>
+          <p:cNvPr id="27" name="Rectangle 26">
+            <a:extLst>
+              <a:ext uri="{FF2B5EF4-FFF2-40B4-BE49-F238E27FC236}">
+                <a16:creationId xmlns:a16="http://schemas.microsoft.com/office/drawing/2014/main" id="{B83CC1FB-CAE8-492A-AEC8-32CAC55F5536}"/>
               </a:ext>
             </a:extLst>
           </p:cNvPr>
@@ -4402,8 +4868,321 @@
         </p:nvSpPr>
         <p:spPr>
           <a:xfrm>
-            <a:off x="8541584" y="3060853"/>
-            <a:ext cx="613775" cy="201037"/>
+            <a:off x="21165" y="4699696"/>
+            <a:ext cx="12192000" cy="1569660"/>
+          </a:xfrm>
+          <a:prstGeom prst="rect">
+            <a:avLst/>
+          </a:prstGeom>
+        </p:spPr>
+        <p:txBody>
+          <a:bodyPr wrap="square">
+            <a:spAutoFit/>
+          </a:bodyPr>
+          <a:lstStyle/>
+          <a:p>
+            <a:pPr algn="ctr"/>
+            <a:endParaRPr lang="en-US" sz="2400" dirty="0"/>
+          </a:p>
+          <a:p>
+            <a:pPr algn="ctr"/>
+            <a:r>
+              <a:rPr lang="en-US" sz="2400" dirty="0"/>
+              <a:t>When you reach </a:t>
+            </a:r>
+            <a:r>
+              <a:rPr lang="en-US" sz="2400" b="1" dirty="0">
+                <a:solidFill>
+                  <a:schemeClr val="accent6"/>
+                </a:solidFill>
+              </a:rPr>
+              <a:t>10¢</a:t>
+            </a:r>
+            <a:r>
+              <a:rPr lang="en-US" sz="2400" dirty="0"/>
+              <a:t> the text will change from </a:t>
+            </a:r>
+            <a:r>
+              <a:rPr lang="en-US" sz="2400" b="1" dirty="0">
+                <a:solidFill>
+                  <a:srgbClr val="FF0000"/>
+                </a:solidFill>
+              </a:rPr>
+              <a:t>Red</a:t>
+            </a:r>
+            <a:r>
+              <a:rPr lang="en-US" sz="2400" dirty="0"/>
+              <a:t> to </a:t>
+            </a:r>
+            <a:r>
+              <a:rPr lang="en-US" sz="2400" b="1" dirty="0">
+                <a:solidFill>
+                  <a:schemeClr val="accent6"/>
+                </a:solidFill>
+              </a:rPr>
+              <a:t>Green </a:t>
+            </a:r>
+            <a:r>
+              <a:rPr lang="en-US" sz="2400" dirty="0"/>
+              <a:t>and will display </a:t>
+            </a:r>
+            <a:r>
+              <a:rPr lang="en-US" sz="2400" b="1" dirty="0">
+                <a:solidFill>
+                  <a:schemeClr val="accent6"/>
+                </a:solidFill>
+              </a:rPr>
+              <a:t>BONUS UNLOCKED. </a:t>
+            </a:r>
+            <a:r>
+              <a:rPr lang="en-US" sz="2400" dirty="0"/>
+              <a:t>If you have collected more than </a:t>
+            </a:r>
+            <a:r>
+              <a:rPr lang="en-US" sz="2400" b="1" dirty="0">
+                <a:solidFill>
+                  <a:schemeClr val="accent6"/>
+                </a:solidFill>
+              </a:rPr>
+              <a:t>10¢ </a:t>
+            </a:r>
+            <a:r>
+              <a:rPr lang="en-US" sz="2400" dirty="0"/>
+              <a:t>by the end of the round the money will be added to your </a:t>
+            </a:r>
+            <a:r>
+              <a:rPr lang="en-US" sz="2400" b="1" dirty="0"/>
+              <a:t>Total Bonus Payment.  </a:t>
+            </a:r>
+          </a:p>
+        </p:txBody>
+      </p:sp>
+      <p:sp>
+        <p:nvSpPr>
+          <p:cNvPr id="19" name="Content Placeholder 2">
+            <a:extLst>
+              <a:ext uri="{FF2B5EF4-FFF2-40B4-BE49-F238E27FC236}">
+                <a16:creationId xmlns:a16="http://schemas.microsoft.com/office/drawing/2014/main" id="{9D140C3D-6E2A-43D6-8819-7EAB9A4877F4}"/>
+              </a:ext>
+            </a:extLst>
+          </p:cNvPr>
+          <p:cNvSpPr txBox="1">
+            <a:spLocks/>
+          </p:cNvSpPr>
+          <p:nvPr/>
+        </p:nvSpPr>
+        <p:spPr>
+          <a:xfrm>
+            <a:off x="186012" y="74741"/>
+            <a:ext cx="11926111" cy="576098"/>
+          </a:xfrm>
+          <a:prstGeom prst="rect">
+            <a:avLst/>
+          </a:prstGeom>
+        </p:spPr>
+        <p:txBody>
+          <a:bodyPr vert="horz" lIns="91440" tIns="45720" rIns="91440" bIns="45720" rtlCol="0">
+            <a:normAutofit lnSpcReduction="10000"/>
+          </a:bodyPr>
+          <a:lstStyle>
+            <a:lvl1pPr marL="228600" indent="-228600" algn="l" defTabSz="914400" rtl="0" eaLnBrk="1" latinLnBrk="0" hangingPunct="1">
+              <a:lnSpc>
+                <a:spcPct val="90000"/>
+              </a:lnSpc>
+              <a:spcBef>
+                <a:spcPts val="1000"/>
+              </a:spcBef>
+              <a:buFont typeface="Arial" panose="020B0604020202020204" pitchFamily="34" charset="0"/>
+              <a:buChar char="•"/>
+              <a:defRPr sz="2800" kern="1200">
+                <a:solidFill>
+                  <a:schemeClr val="tx1"/>
+                </a:solidFill>
+                <a:latin typeface="+mn-lt"/>
+                <a:ea typeface="+mn-ea"/>
+                <a:cs typeface="+mn-cs"/>
+              </a:defRPr>
+            </a:lvl1pPr>
+            <a:lvl2pPr marL="685800" indent="-228600" algn="l" defTabSz="914400" rtl="0" eaLnBrk="1" latinLnBrk="0" hangingPunct="1">
+              <a:lnSpc>
+                <a:spcPct val="90000"/>
+              </a:lnSpc>
+              <a:spcBef>
+                <a:spcPts val="500"/>
+              </a:spcBef>
+              <a:buFont typeface="Arial" panose="020B0604020202020204" pitchFamily="34" charset="0"/>
+              <a:buChar char="•"/>
+              <a:defRPr sz="2400" kern="1200">
+                <a:solidFill>
+                  <a:schemeClr val="tx1"/>
+                </a:solidFill>
+                <a:latin typeface="+mn-lt"/>
+                <a:ea typeface="+mn-ea"/>
+                <a:cs typeface="+mn-cs"/>
+              </a:defRPr>
+            </a:lvl2pPr>
+            <a:lvl3pPr marL="1143000" indent="-228600" algn="l" defTabSz="914400" rtl="0" eaLnBrk="1" latinLnBrk="0" hangingPunct="1">
+              <a:lnSpc>
+                <a:spcPct val="90000"/>
+              </a:lnSpc>
+              <a:spcBef>
+                <a:spcPts val="500"/>
+              </a:spcBef>
+              <a:buFont typeface="Arial" panose="020B0604020202020204" pitchFamily="34" charset="0"/>
+              <a:buChar char="•"/>
+              <a:defRPr sz="2000" kern="1200">
+                <a:solidFill>
+                  <a:schemeClr val="tx1"/>
+                </a:solidFill>
+                <a:latin typeface="+mn-lt"/>
+                <a:ea typeface="+mn-ea"/>
+                <a:cs typeface="+mn-cs"/>
+              </a:defRPr>
+            </a:lvl3pPr>
+            <a:lvl4pPr marL="1600200" indent="-228600" algn="l" defTabSz="914400" rtl="0" eaLnBrk="1" latinLnBrk="0" hangingPunct="1">
+              <a:lnSpc>
+                <a:spcPct val="90000"/>
+              </a:lnSpc>
+              <a:spcBef>
+                <a:spcPts val="500"/>
+              </a:spcBef>
+              <a:buFont typeface="Arial" panose="020B0604020202020204" pitchFamily="34" charset="0"/>
+              <a:buChar char="•"/>
+              <a:defRPr sz="1800" kern="1200">
+                <a:solidFill>
+                  <a:schemeClr val="tx1"/>
+                </a:solidFill>
+                <a:latin typeface="+mn-lt"/>
+                <a:ea typeface="+mn-ea"/>
+                <a:cs typeface="+mn-cs"/>
+              </a:defRPr>
+            </a:lvl4pPr>
+            <a:lvl5pPr marL="2057400" indent="-228600" algn="l" defTabSz="914400" rtl="0" eaLnBrk="1" latinLnBrk="0" hangingPunct="1">
+              <a:lnSpc>
+                <a:spcPct val="90000"/>
+              </a:lnSpc>
+              <a:spcBef>
+                <a:spcPts val="500"/>
+              </a:spcBef>
+              <a:buFont typeface="Arial" panose="020B0604020202020204" pitchFamily="34" charset="0"/>
+              <a:buChar char="•"/>
+              <a:defRPr sz="1800" kern="1200">
+                <a:solidFill>
+                  <a:schemeClr val="tx1"/>
+                </a:solidFill>
+                <a:latin typeface="+mn-lt"/>
+                <a:ea typeface="+mn-ea"/>
+                <a:cs typeface="+mn-cs"/>
+              </a:defRPr>
+            </a:lvl5pPr>
+            <a:lvl6pPr marL="2514600" indent="-228600" algn="l" defTabSz="914400" rtl="0" eaLnBrk="1" latinLnBrk="0" hangingPunct="1">
+              <a:lnSpc>
+                <a:spcPct val="90000"/>
+              </a:lnSpc>
+              <a:spcBef>
+                <a:spcPts val="500"/>
+              </a:spcBef>
+              <a:buFont typeface="Arial" panose="020B0604020202020204" pitchFamily="34" charset="0"/>
+              <a:buChar char="•"/>
+              <a:defRPr sz="1800" kern="1200">
+                <a:solidFill>
+                  <a:schemeClr val="tx1"/>
+                </a:solidFill>
+                <a:latin typeface="+mn-lt"/>
+                <a:ea typeface="+mn-ea"/>
+                <a:cs typeface="+mn-cs"/>
+              </a:defRPr>
+            </a:lvl6pPr>
+            <a:lvl7pPr marL="2971800" indent="-228600" algn="l" defTabSz="914400" rtl="0" eaLnBrk="1" latinLnBrk="0" hangingPunct="1">
+              <a:lnSpc>
+                <a:spcPct val="90000"/>
+              </a:lnSpc>
+              <a:spcBef>
+                <a:spcPts val="500"/>
+              </a:spcBef>
+              <a:buFont typeface="Arial" panose="020B0604020202020204" pitchFamily="34" charset="0"/>
+              <a:buChar char="•"/>
+              <a:defRPr sz="1800" kern="1200">
+                <a:solidFill>
+                  <a:schemeClr val="tx1"/>
+                </a:solidFill>
+                <a:latin typeface="+mn-lt"/>
+                <a:ea typeface="+mn-ea"/>
+                <a:cs typeface="+mn-cs"/>
+              </a:defRPr>
+            </a:lvl7pPr>
+            <a:lvl8pPr marL="3429000" indent="-228600" algn="l" defTabSz="914400" rtl="0" eaLnBrk="1" latinLnBrk="0" hangingPunct="1">
+              <a:lnSpc>
+                <a:spcPct val="90000"/>
+              </a:lnSpc>
+              <a:spcBef>
+                <a:spcPts val="500"/>
+              </a:spcBef>
+              <a:buFont typeface="Arial" panose="020B0604020202020204" pitchFamily="34" charset="0"/>
+              <a:buChar char="•"/>
+              <a:defRPr sz="1800" kern="1200">
+                <a:solidFill>
+                  <a:schemeClr val="tx1"/>
+                </a:solidFill>
+                <a:latin typeface="+mn-lt"/>
+                <a:ea typeface="+mn-ea"/>
+                <a:cs typeface="+mn-cs"/>
+              </a:defRPr>
+            </a:lvl8pPr>
+            <a:lvl9pPr marL="3886200" indent="-228600" algn="l" defTabSz="914400" rtl="0" eaLnBrk="1" latinLnBrk="0" hangingPunct="1">
+              <a:lnSpc>
+                <a:spcPct val="90000"/>
+              </a:lnSpc>
+              <a:spcBef>
+                <a:spcPts val="500"/>
+              </a:spcBef>
+              <a:buFont typeface="Arial" panose="020B0604020202020204" pitchFamily="34" charset="0"/>
+              <a:buChar char="•"/>
+              <a:defRPr sz="1800" kern="1200">
+                <a:solidFill>
+                  <a:schemeClr val="tx1"/>
+                </a:solidFill>
+                <a:latin typeface="+mn-lt"/>
+                <a:ea typeface="+mn-ea"/>
+                <a:cs typeface="+mn-cs"/>
+              </a:defRPr>
+            </a:lvl9pPr>
+          </a:lstStyle>
+          <a:p>
+            <a:pPr marL="0" indent="0" algn="ctr">
+              <a:buFont typeface="Arial" panose="020B0604020202020204" pitchFamily="34" charset="0"/>
+              <a:buNone/>
+            </a:pPr>
+            <a:r>
+              <a:rPr lang="en-US" sz="3600" b="1" dirty="0"/>
+              <a:t>FEEDBACK ROUNDS</a:t>
+            </a:r>
+          </a:p>
+          <a:p>
+            <a:pPr marL="0" indent="0" algn="ctr">
+              <a:buFont typeface="Arial" panose="020B0604020202020204" pitchFamily="34" charset="0"/>
+              <a:buNone/>
+            </a:pPr>
+            <a:endParaRPr lang="en-US" sz="2400" dirty="0"/>
+          </a:p>
+        </p:txBody>
+      </p:sp>
+      <p:sp>
+        <p:nvSpPr>
+          <p:cNvPr id="20" name="Rectangle 19">
+            <a:extLst>
+              <a:ext uri="{FF2B5EF4-FFF2-40B4-BE49-F238E27FC236}">
+                <a16:creationId xmlns:a16="http://schemas.microsoft.com/office/drawing/2014/main" id="{667838EC-C959-4F59-9E30-9F4CB0754935}"/>
+              </a:ext>
+            </a:extLst>
+          </p:cNvPr>
+          <p:cNvSpPr/>
+          <p:nvPr/>
+        </p:nvSpPr>
+        <p:spPr>
+          <a:xfrm>
+            <a:off x="5338638" y="2318422"/>
+            <a:ext cx="1514723" cy="332774"/>
           </a:xfrm>
           <a:prstGeom prst="rect">
             <a:avLst/>
@@ -4412,6 +5191,108 @@
             <a:schemeClr val="tx1"/>
           </a:solidFill>
           <a:ln>
+            <a:noFill/>
+          </a:ln>
+        </p:spPr>
+        <p:style>
+          <a:lnRef idx="2">
+            <a:schemeClr val="accent1">
+              <a:shade val="50000"/>
+            </a:schemeClr>
+          </a:lnRef>
+          <a:fillRef idx="1">
+            <a:schemeClr val="accent1"/>
+          </a:fillRef>
+          <a:effectRef idx="0">
+            <a:schemeClr val="accent1"/>
+          </a:effectRef>
+          <a:fontRef idx="minor">
+            <a:schemeClr val="lt1"/>
+          </a:fontRef>
+        </p:style>
+        <p:txBody>
+          <a:bodyPr rtlCol="0" anchor="ctr"/>
+          <a:lstStyle/>
+          <a:p>
+            <a:pPr algn="ctr"/>
+            <a:endParaRPr lang="en-US"/>
+          </a:p>
+        </p:txBody>
+      </p:sp>
+      <p:sp>
+        <p:nvSpPr>
+          <p:cNvPr id="23" name="TextBox 22">
+            <a:extLst>
+              <a:ext uri="{FF2B5EF4-FFF2-40B4-BE49-F238E27FC236}">
+                <a16:creationId xmlns:a16="http://schemas.microsoft.com/office/drawing/2014/main" id="{826D3851-538D-4BD4-A2A6-9639C369D16B}"/>
+              </a:ext>
+            </a:extLst>
+          </p:cNvPr>
+          <p:cNvSpPr txBox="1"/>
+          <p:nvPr/>
+        </p:nvSpPr>
+        <p:spPr>
+          <a:xfrm>
+            <a:off x="5338638" y="2300143"/>
+            <a:ext cx="1514723" cy="369332"/>
+          </a:xfrm>
+          <a:prstGeom prst="rect">
+            <a:avLst/>
+          </a:prstGeom>
+          <a:noFill/>
+          <a:ln>
+            <a:noFill/>
+          </a:ln>
+        </p:spPr>
+        <p:txBody>
+          <a:bodyPr wrap="square" rtlCol="0">
+            <a:spAutoFit/>
+          </a:bodyPr>
+          <a:lstStyle/>
+          <a:p>
+            <a:pPr algn="ctr"/>
+            <a:r>
+              <a:rPr lang="en-US" b="1" dirty="0">
+                <a:solidFill>
+                  <a:schemeClr val="bg1"/>
+                </a:solidFill>
+              </a:rPr>
+              <a:t>Less than </a:t>
+            </a:r>
+            <a:r>
+              <a:rPr lang="en-US" b="1" dirty="0">
+                <a:solidFill>
+                  <a:schemeClr val="accent6"/>
+                </a:solidFill>
+              </a:rPr>
+              <a:t>10¢</a:t>
+            </a:r>
+            <a:endParaRPr lang="en-US" dirty="0"/>
+          </a:p>
+        </p:txBody>
+      </p:sp>
+      <p:sp>
+        <p:nvSpPr>
+          <p:cNvPr id="25" name="Rectangle 24">
+            <a:extLst>
+              <a:ext uri="{FF2B5EF4-FFF2-40B4-BE49-F238E27FC236}">
+                <a16:creationId xmlns:a16="http://schemas.microsoft.com/office/drawing/2014/main" id="{1D2DA0AD-337D-4484-998C-1BCF04691F38}"/>
+              </a:ext>
+            </a:extLst>
+          </p:cNvPr>
+          <p:cNvSpPr/>
+          <p:nvPr/>
+        </p:nvSpPr>
+        <p:spPr>
+          <a:xfrm>
+            <a:off x="5366463" y="2626074"/>
+            <a:ext cx="1459065" cy="387283"/>
+          </a:xfrm>
+          <a:prstGeom prst="rect">
+            <a:avLst/>
+          </a:prstGeom>
+          <a:noFill/>
+          <a:ln w="57150">
             <a:solidFill>
               <a:schemeClr val="tx1"/>
             </a:solidFill>
@@ -4444,10 +5325,62 @@
       </p:sp>
       <p:sp>
         <p:nvSpPr>
-          <p:cNvPr id="16" name="TextBox 15">
-            <a:extLst>
-              <a:ext uri="{FF2B5EF4-FFF2-40B4-BE49-F238E27FC236}">
-                <a16:creationId xmlns:a16="http://schemas.microsoft.com/office/drawing/2014/main" id="{66508C7B-5DA9-4B46-A4D2-FC162CEFEA81}"/>
+          <p:cNvPr id="28" name="Rectangle 27">
+            <a:extLst>
+              <a:ext uri="{FF2B5EF4-FFF2-40B4-BE49-F238E27FC236}">
+                <a16:creationId xmlns:a16="http://schemas.microsoft.com/office/drawing/2014/main" id="{A57E9469-B76F-4D05-AF36-300FE925520F}"/>
+              </a:ext>
+            </a:extLst>
+          </p:cNvPr>
+          <p:cNvSpPr/>
+          <p:nvPr/>
+        </p:nvSpPr>
+        <p:spPr>
+          <a:xfrm>
+            <a:off x="9377415" y="2320428"/>
+            <a:ext cx="1514723" cy="332774"/>
+          </a:xfrm>
+          <a:prstGeom prst="rect">
+            <a:avLst/>
+          </a:prstGeom>
+          <a:solidFill>
+            <a:schemeClr val="tx1"/>
+          </a:solidFill>
+          <a:ln>
+            <a:noFill/>
+          </a:ln>
+        </p:spPr>
+        <p:style>
+          <a:lnRef idx="2">
+            <a:schemeClr val="accent1">
+              <a:shade val="50000"/>
+            </a:schemeClr>
+          </a:lnRef>
+          <a:fillRef idx="1">
+            <a:schemeClr val="accent1"/>
+          </a:fillRef>
+          <a:effectRef idx="0">
+            <a:schemeClr val="accent1"/>
+          </a:effectRef>
+          <a:fontRef idx="minor">
+            <a:schemeClr val="lt1"/>
+          </a:fontRef>
+        </p:style>
+        <p:txBody>
+          <a:bodyPr rtlCol="0" anchor="ctr"/>
+          <a:lstStyle/>
+          <a:p>
+            <a:pPr algn="ctr"/>
+            <a:endParaRPr lang="en-US"/>
+          </a:p>
+        </p:txBody>
+      </p:sp>
+      <p:sp>
+        <p:nvSpPr>
+          <p:cNvPr id="29" name="TextBox 28">
+            <a:extLst>
+              <a:ext uri="{FF2B5EF4-FFF2-40B4-BE49-F238E27FC236}">
+                <a16:creationId xmlns:a16="http://schemas.microsoft.com/office/drawing/2014/main" id="{3FDFB281-DFC6-44CB-AFFF-F1C7E6FDC510}"/>
               </a:ext>
             </a:extLst>
           </p:cNvPr>
@@ -4456,13 +5389,16 @@
         </p:nvSpPr>
         <p:spPr>
           <a:xfrm>
-            <a:off x="8009970" y="2995045"/>
-            <a:ext cx="1569679" cy="415498"/>
+            <a:off x="9377415" y="2302149"/>
+            <a:ext cx="1514723" cy="369332"/>
           </a:xfrm>
           <a:prstGeom prst="rect">
             <a:avLst/>
           </a:prstGeom>
           <a:noFill/>
+          <a:ln>
+            <a:noFill/>
+          </a:ln>
         </p:spPr>
         <p:txBody>
           <a:bodyPr wrap="square" rtlCol="0">
@@ -4472,140 +5408,81 @@
           <a:p>
             <a:pPr algn="ctr"/>
             <a:r>
-              <a:rPr lang="en-US" altLang="zh-CN" sz="1050" dirty="0">
-                <a:solidFill>
-                  <a:srgbClr val="00B050"/>
+              <a:rPr lang="en-US" b="1" dirty="0">
+                <a:solidFill>
+                  <a:schemeClr val="accent6"/>
                 </a:solidFill>
               </a:rPr>
-              <a:t>Finding</a:t>
-            </a:r>
-            <a:r>
-              <a:rPr lang="zh-CN" altLang="en-US" sz="1050" dirty="0">
-                <a:solidFill>
-                  <a:srgbClr val="00B050"/>
+              <a:t>10¢</a:t>
+            </a:r>
+            <a:r>
+              <a:rPr lang="en-US" b="1" dirty="0">
+                <a:solidFill>
+                  <a:schemeClr val="bg1"/>
                 </a:solidFill>
               </a:rPr>
-              <a:t> </a:t>
-            </a:r>
-            <a:r>
-              <a:rPr lang="en-US" altLang="zh-CN" sz="1050" dirty="0">
-                <a:solidFill>
-                  <a:srgbClr val="00B050"/>
-                </a:solidFill>
-              </a:rPr>
-              <a:t>$$$</a:t>
-            </a:r>
-          </a:p>
-          <a:p>
-            <a:pPr algn="ctr"/>
-            <a:r>
-              <a:rPr lang="en-US" altLang="zh-CN" sz="1050" dirty="0">
-                <a:solidFill>
-                  <a:srgbClr val="00B050"/>
-                </a:solidFill>
-              </a:rPr>
-              <a:t>Money</a:t>
-            </a:r>
-            <a:r>
-              <a:rPr lang="zh-CN" altLang="en-US" sz="1050" dirty="0">
-                <a:solidFill>
-                  <a:srgbClr val="00B050"/>
-                </a:solidFill>
-              </a:rPr>
-              <a:t> </a:t>
-            </a:r>
-            <a:r>
-              <a:rPr lang="en-US" altLang="zh-CN" sz="1050" dirty="0">
-                <a:solidFill>
-                  <a:srgbClr val="00B050"/>
-                </a:solidFill>
-              </a:rPr>
-              <a:t>Collected:</a:t>
-            </a:r>
-            <a:r>
-              <a:rPr lang="zh-CN" altLang="en-US" sz="1050" dirty="0">
-                <a:solidFill>
-                  <a:srgbClr val="00B050"/>
-                </a:solidFill>
-              </a:rPr>
-              <a:t> </a:t>
-            </a:r>
-            <a:r>
-              <a:rPr lang="en-US" altLang="zh-CN" sz="1050" dirty="0">
-                <a:solidFill>
-                  <a:srgbClr val="00B050"/>
-                </a:solidFill>
-              </a:rPr>
-              <a:t>$</a:t>
-            </a:r>
-            <a:r>
-              <a:rPr lang="zh-CN" altLang="en-US" sz="1050" dirty="0">
-                <a:solidFill>
-                  <a:srgbClr val="00B050"/>
-                </a:solidFill>
-              </a:rPr>
-              <a:t> </a:t>
-            </a:r>
-            <a:r>
-              <a:rPr lang="en-US" altLang="zh-CN" sz="1050" dirty="0">
-                <a:solidFill>
-                  <a:srgbClr val="00B050"/>
-                </a:solidFill>
-              </a:rPr>
-              <a:t>0</a:t>
-            </a:r>
-            <a:endParaRPr lang="en-US" sz="1050" dirty="0">
-              <a:solidFill>
-                <a:srgbClr val="00B050"/>
-              </a:solidFill>
-            </a:endParaRPr>
-          </a:p>
-        </p:txBody>
-      </p:sp>
-      <p:sp>
-        <p:nvSpPr>
-          <p:cNvPr id="9" name="TextBox 8">
-            <a:extLst>
-              <a:ext uri="{FF2B5EF4-FFF2-40B4-BE49-F238E27FC236}">
-                <a16:creationId xmlns:a16="http://schemas.microsoft.com/office/drawing/2014/main" id="{D61947A9-7C50-0549-8319-0F9B8EED9497}"/>
-              </a:ext>
-            </a:extLst>
-          </p:cNvPr>
-          <p:cNvSpPr txBox="1"/>
+              <a:t> or more </a:t>
+            </a:r>
+            <a:endParaRPr lang="en-US" dirty="0"/>
+          </a:p>
+        </p:txBody>
+      </p:sp>
+      <p:sp>
+        <p:nvSpPr>
+          <p:cNvPr id="30" name="Rectangle 29">
+            <a:extLst>
+              <a:ext uri="{FF2B5EF4-FFF2-40B4-BE49-F238E27FC236}">
+                <a16:creationId xmlns:a16="http://schemas.microsoft.com/office/drawing/2014/main" id="{36DC51C1-85A6-40A1-B204-9CB29230BEFF}"/>
+              </a:ext>
+            </a:extLst>
+          </p:cNvPr>
+          <p:cNvSpPr/>
           <p:nvPr/>
         </p:nvSpPr>
         <p:spPr>
           <a:xfrm>
-            <a:off x="3886467" y="6182211"/>
-            <a:ext cx="4782193" cy="461665"/>
+            <a:off x="9405240" y="2628080"/>
+            <a:ext cx="1459065" cy="387283"/>
           </a:xfrm>
           <a:prstGeom prst="rect">
             <a:avLst/>
           </a:prstGeom>
           <a:noFill/>
+          <a:ln w="57150">
+            <a:solidFill>
+              <a:schemeClr val="tx1"/>
+            </a:solidFill>
+          </a:ln>
         </p:spPr>
-        <p:txBody>
-          <a:bodyPr wrap="square" rtlCol="0">
-            <a:spAutoFit/>
-          </a:bodyPr>
+        <p:style>
+          <a:lnRef idx="2">
+            <a:schemeClr val="accent1">
+              <a:shade val="50000"/>
+            </a:schemeClr>
+          </a:lnRef>
+          <a:fillRef idx="1">
+            <a:schemeClr val="accent1"/>
+          </a:fillRef>
+          <a:effectRef idx="0">
+            <a:schemeClr val="accent1"/>
+          </a:effectRef>
+          <a:fontRef idx="minor">
+            <a:schemeClr val="lt1"/>
+          </a:fontRef>
+        </p:style>
+        <p:txBody>
+          <a:bodyPr rtlCol="0" anchor="ctr"/>
           <a:lstStyle/>
           <a:p>
             <a:pPr algn="ctr"/>
-            <a:r>
-              <a:rPr lang="en-US" sz="2400" b="1" dirty="0">
-                <a:solidFill>
-                  <a:schemeClr val="accent6"/>
-                </a:solidFill>
-              </a:rPr>
-              <a:t>Do you have any questions?</a:t>
-            </a:r>
+            <a:endParaRPr lang="en-US"/>
           </a:p>
         </p:txBody>
       </p:sp>
     </p:spTree>
     <p:extLst>
       <p:ext uri="{BB962C8B-B14F-4D97-AF65-F5344CB8AC3E}">
-        <p14:creationId xmlns:p14="http://schemas.microsoft.com/office/powerpoint/2010/main" val="1635379064"/>
+        <p14:creationId xmlns:p14="http://schemas.microsoft.com/office/powerpoint/2010/main" val="711390013"/>
       </p:ext>
     </p:extLst>
   </p:cSld>
@@ -4650,20 +5527,54 @@
         </p:nvSpPr>
         <p:spPr>
           <a:xfrm>
-            <a:off x="102036" y="234105"/>
-            <a:ext cx="12012783" cy="4351338"/>
+            <a:off x="0" y="650839"/>
+            <a:ext cx="12192000" cy="1879704"/>
           </a:xfrm>
         </p:spPr>
         <p:txBody>
-          <a:bodyPr/>
+          <a:bodyPr>
+            <a:normAutofit/>
+          </a:bodyPr>
           <a:lstStyle/>
           <a:p>
             <a:pPr marL="0" indent="0" algn="ctr">
               <a:buNone/>
             </a:pPr>
             <a:r>
-              <a:rPr lang="en-US" sz="3600" b="1" dirty="0"/>
-              <a:t>BONUS PAY: NO FEEDBACK ROUNDS</a:t>
+              <a:rPr lang="en-US" sz="2400" dirty="0"/>
+              <a:t>At the start of </a:t>
+            </a:r>
+            <a:r>
+              <a:rPr lang="en-US" sz="2400" b="1" i="1" dirty="0"/>
+              <a:t>some </a:t>
+            </a:r>
+            <a:r>
+              <a:rPr lang="en-US" sz="2400" dirty="0"/>
+              <a:t>rounds you will see the “</a:t>
+            </a:r>
+            <a:r>
+              <a:rPr lang="en-US" sz="2400" dirty="0">
+                <a:solidFill>
+                  <a:schemeClr val="accent6"/>
+                </a:solidFill>
+              </a:rPr>
+              <a:t>Search For Money!</a:t>
+            </a:r>
+            <a:r>
+              <a:rPr lang="en-US" sz="2400" dirty="0"/>
+              <a:t> </a:t>
+            </a:r>
+            <a:r>
+              <a:rPr lang="en-US" sz="2400" dirty="0">
+                <a:solidFill>
+                  <a:srgbClr val="FF0000"/>
+                </a:solidFill>
+              </a:rPr>
+              <a:t>NO FEEDBACK</a:t>
+            </a:r>
+            <a:r>
+              <a:rPr lang="en-US" sz="2400" dirty="0"/>
+              <a:t>” screen.</a:t>
             </a:r>
           </a:p>
           <a:p>
@@ -4672,47 +5583,6 @@
             </a:pPr>
             <a:r>
               <a:rPr lang="en-US" sz="2400" dirty="0"/>
-              <a:t>Before the start of </a:t>
-            </a:r>
-            <a:r>
-              <a:rPr lang="en-US" sz="2400" b="1" i="1" dirty="0"/>
-              <a:t>some </a:t>
-            </a:r>
-            <a:r>
-              <a:rPr lang="en-US" sz="2400" dirty="0"/>
-              <a:t>rounds you will see the “</a:t>
-            </a:r>
-            <a:r>
-              <a:rPr lang="en-US" sz="2400" dirty="0">
-                <a:solidFill>
-                  <a:schemeClr val="accent6"/>
-                </a:solidFill>
-              </a:rPr>
-              <a:t>Search For Money!</a:t>
-            </a:r>
-            <a:r>
-              <a:rPr lang="en-US" sz="2400" dirty="0"/>
-              <a:t> </a:t>
-            </a:r>
-            <a:r>
-              <a:rPr lang="en-US" sz="2400" dirty="0">
-                <a:solidFill>
-                  <a:srgbClr val="FF0000"/>
-                </a:solidFill>
-              </a:rPr>
-              <a:t>NO FEEDBACK</a:t>
-            </a:r>
-            <a:r>
-              <a:rPr lang="en-US" sz="2400" dirty="0"/>
-              <a:t>” screen.</a:t>
-            </a:r>
-          </a:p>
-          <a:p>
-            <a:pPr marL="0" indent="0" algn="ctr">
-              <a:buNone/>
-            </a:pPr>
-            <a:r>
-              <a:rPr lang="en-US" sz="2400" dirty="0"/>
               <a:t>During these rounds you will </a:t>
             </a:r>
             <a:r>
@@ -4748,98 +5618,14 @@
               <a:t> be able to see how much you’ve collected! </a:t>
             </a:r>
           </a:p>
-          <a:p>
-            <a:pPr marL="0" indent="0" algn="ctr">
-              <a:buNone/>
-            </a:pPr>
-            <a:r>
-              <a:rPr lang="en-US" sz="2400" dirty="0"/>
-              <a:t>You will find out how much you collected on these rounds at the very end of the experiment!</a:t>
-            </a:r>
-            <a:r>
-              <a:rPr lang="en-US" sz="2400" b="1" dirty="0">
-                <a:solidFill>
-                  <a:srgbClr val="FF0000"/>
-                </a:solidFill>
-              </a:rPr>
-              <a:t> </a:t>
-            </a:r>
-          </a:p>
-          <a:p>
-            <a:pPr marL="0" indent="0" algn="ctr">
-              <a:buNone/>
-            </a:pPr>
-            <a:endParaRPr lang="en-US" sz="2400" dirty="0"/>
-          </a:p>
-        </p:txBody>
-      </p:sp>
-      <p:sp>
-        <p:nvSpPr>
-          <p:cNvPr id="11" name="TextBox 10">
-            <a:extLst>
-              <a:ext uri="{FF2B5EF4-FFF2-40B4-BE49-F238E27FC236}">
-                <a16:creationId xmlns:a16="http://schemas.microsoft.com/office/drawing/2014/main" id="{27B6B530-6AE5-432D-BA2D-D6B3AA9CCB6D}"/>
-              </a:ext>
-            </a:extLst>
-          </p:cNvPr>
-          <p:cNvSpPr txBox="1"/>
-          <p:nvPr/>
-        </p:nvSpPr>
-        <p:spPr>
-          <a:xfrm>
-            <a:off x="0" y="5263067"/>
-            <a:ext cx="12192000" cy="830997"/>
-          </a:xfrm>
-          <a:prstGeom prst="rect">
-            <a:avLst/>
-          </a:prstGeom>
-          <a:noFill/>
-        </p:spPr>
-        <p:txBody>
-          <a:bodyPr wrap="square" rtlCol="0">
-            <a:spAutoFit/>
-          </a:bodyPr>
-          <a:lstStyle/>
-          <a:p>
-            <a:pPr algn="ctr"/>
-            <a:r>
-              <a:rPr lang="en-US" sz="2400" b="1" dirty="0">
-                <a:solidFill>
-                  <a:srgbClr val="FF0000"/>
-                </a:solidFill>
-              </a:rPr>
-              <a:t>HINT:</a:t>
-            </a:r>
-            <a:r>
-              <a:rPr lang="en-US" sz="2400" b="1" i="1" dirty="0">
-                <a:solidFill>
-                  <a:srgbClr val="FF0000"/>
-                </a:solidFill>
-              </a:rPr>
-              <a:t> </a:t>
-            </a:r>
-            <a:r>
-              <a:rPr lang="en-US" sz="2400" b="1" dirty="0">
-                <a:solidFill>
-                  <a:srgbClr val="FF0000"/>
-                </a:solidFill>
-              </a:rPr>
-              <a:t>On these rounds, use what you’ve learned from previous rounds to guide your search!</a:t>
-            </a:r>
-            <a:endParaRPr lang="en-US" sz="2400" dirty="0"/>
-          </a:p>
-          <a:p>
-            <a:pPr algn="ctr"/>
-            <a:endParaRPr lang="en-US" sz="2400" dirty="0"/>
-          </a:p>
         </p:txBody>
       </p:sp>
       <p:pic>
         <p:nvPicPr>
-          <p:cNvPr id="12" name="Picture 11">
-            <a:extLst>
-              <a:ext uri="{FF2B5EF4-FFF2-40B4-BE49-F238E27FC236}">
-                <a16:creationId xmlns:a16="http://schemas.microsoft.com/office/drawing/2014/main" id="{D1EFFD49-C8DC-8844-B59A-D6C10207B7B9}"/>
+          <p:cNvPr id="4" name="Picture 3">
+            <a:extLst>
+              <a:ext uri="{FF2B5EF4-FFF2-40B4-BE49-F238E27FC236}">
+                <a16:creationId xmlns:a16="http://schemas.microsoft.com/office/drawing/2014/main" id="{E5DCCA30-A3E7-46E5-8AF6-43AE8B9B087A}"/>
               </a:ext>
             </a:extLst>
           </p:cNvPr>
@@ -4856,8 +5642,8 @@
         </p:blipFill>
         <p:spPr>
           <a:xfrm>
-            <a:off x="6958633" y="2862649"/>
-            <a:ext cx="3525253" cy="1974137"/>
+            <a:off x="204232" y="2436786"/>
+            <a:ext cx="3445407" cy="1929428"/>
           </a:xfrm>
           <a:prstGeom prst="rect">
             <a:avLst/>
@@ -4878,12 +5664,229 @@
           </a:effectLst>
         </p:spPr>
       </p:pic>
+      <p:sp>
+        <p:nvSpPr>
+          <p:cNvPr id="2" name="TextBox 1">
+            <a:extLst>
+              <a:ext uri="{FF2B5EF4-FFF2-40B4-BE49-F238E27FC236}">
+                <a16:creationId xmlns:a16="http://schemas.microsoft.com/office/drawing/2014/main" id="{5C1E2B64-52EA-4223-9D60-0402676DB44A}"/>
+              </a:ext>
+            </a:extLst>
+          </p:cNvPr>
+          <p:cNvSpPr txBox="1"/>
+          <p:nvPr/>
+        </p:nvSpPr>
+        <p:spPr>
+          <a:xfrm>
+            <a:off x="0" y="4674684"/>
+            <a:ext cx="12192000" cy="1938992"/>
+          </a:xfrm>
+          <a:prstGeom prst="rect">
+            <a:avLst/>
+          </a:prstGeom>
+          <a:noFill/>
+        </p:spPr>
+        <p:txBody>
+          <a:bodyPr wrap="square" rtlCol="0">
+            <a:spAutoFit/>
+          </a:bodyPr>
+          <a:lstStyle/>
+          <a:p>
+            <a:pPr algn="ctr"/>
+            <a:r>
+              <a:rPr lang="en-US" sz="2400" dirty="0"/>
+              <a:t>When you reach </a:t>
+            </a:r>
+            <a:r>
+              <a:rPr lang="en-US" sz="2400" b="1" dirty="0">
+                <a:solidFill>
+                  <a:schemeClr val="accent6"/>
+                </a:solidFill>
+              </a:rPr>
+              <a:t>10¢</a:t>
+            </a:r>
+            <a:r>
+              <a:rPr lang="en-US" sz="2400" dirty="0"/>
+              <a:t> the text </a:t>
+            </a:r>
+            <a:r>
+              <a:rPr lang="en-US" sz="2400" b="1" dirty="0"/>
+              <a:t>will</a:t>
+            </a:r>
+            <a:r>
+              <a:rPr lang="en-US" sz="2400" dirty="0"/>
+              <a:t> </a:t>
+            </a:r>
+            <a:r>
+              <a:rPr lang="en-US" sz="2400" b="1" dirty="0"/>
+              <a:t>not change color</a:t>
+            </a:r>
+            <a:r>
+              <a:rPr lang="en-US" sz="2400" dirty="0"/>
+              <a:t> and will remain </a:t>
+            </a:r>
+            <a:r>
+              <a:rPr lang="en-US" sz="2400" b="1" dirty="0">
+                <a:solidFill>
+                  <a:srgbClr val="FF0000"/>
+                </a:solidFill>
+              </a:rPr>
+              <a:t>Red. </a:t>
+            </a:r>
+            <a:r>
+              <a:rPr lang="en-US" sz="2400" dirty="0"/>
+              <a:t>This means that you will not know whether you have collected more than </a:t>
+            </a:r>
+            <a:r>
+              <a:rPr lang="en-US" sz="2400" b="1" dirty="0">
+                <a:solidFill>
+                  <a:schemeClr val="accent6"/>
+                </a:solidFill>
+              </a:rPr>
+              <a:t>10¢</a:t>
+            </a:r>
+            <a:r>
+              <a:rPr lang="en-US" sz="2400" dirty="0"/>
+              <a:t>.</a:t>
+            </a:r>
+            <a:r>
+              <a:rPr lang="en-US" sz="2400" b="1" dirty="0">
+                <a:solidFill>
+                  <a:srgbClr val="FF0000"/>
+                </a:solidFill>
+              </a:rPr>
+              <a:t> </a:t>
+            </a:r>
+            <a:r>
+              <a:rPr lang="en-US" sz="2400" dirty="0"/>
+              <a:t>However, if you do collect more than </a:t>
+            </a:r>
+            <a:r>
+              <a:rPr lang="en-US" sz="2400" b="1" dirty="0">
+                <a:solidFill>
+                  <a:schemeClr val="accent6"/>
+                </a:solidFill>
+              </a:rPr>
+              <a:t>10¢ </a:t>
+            </a:r>
+            <a:r>
+              <a:rPr lang="en-US" sz="2400" dirty="0"/>
+              <a:t>by the end of the round the money will be added to your </a:t>
+            </a:r>
+            <a:r>
+              <a:rPr lang="en-US" sz="2400" b="1" dirty="0"/>
+              <a:t>Total Bonus Payment</a:t>
+            </a:r>
+            <a:r>
+              <a:rPr lang="en-US" sz="2400" dirty="0"/>
+              <a:t>.</a:t>
+            </a:r>
+            <a:r>
+              <a:rPr lang="en-US" sz="2400" b="1" dirty="0"/>
+              <a:t> </a:t>
+            </a:r>
+            <a:endParaRPr lang="en-US" sz="2400" b="1" dirty="0">
+              <a:solidFill>
+                <a:srgbClr val="FF0000"/>
+              </a:solidFill>
+            </a:endParaRPr>
+          </a:p>
+          <a:p>
+            <a:pPr algn="ctr"/>
+            <a:r>
+              <a:rPr lang="en-US" sz="2400" b="1" dirty="0">
+                <a:solidFill>
+                  <a:srgbClr val="FF0000"/>
+                </a:solidFill>
+              </a:rPr>
+              <a:t>HINT:</a:t>
+            </a:r>
+            <a:r>
+              <a:rPr lang="en-US" sz="2400" b="1" i="1" dirty="0">
+                <a:solidFill>
+                  <a:srgbClr val="FF0000"/>
+                </a:solidFill>
+              </a:rPr>
+              <a:t> </a:t>
+            </a:r>
+            <a:r>
+              <a:rPr lang="en-US" sz="2400" dirty="0">
+                <a:solidFill>
+                  <a:srgbClr val="FF0000"/>
+                </a:solidFill>
+              </a:rPr>
+              <a:t>Use what you’ve learned from the </a:t>
+            </a:r>
+            <a:r>
+              <a:rPr lang="en-US" sz="2400" b="1" dirty="0">
+                <a:solidFill>
+                  <a:srgbClr val="FF0000"/>
+                </a:solidFill>
+              </a:rPr>
+              <a:t>Feedback Rounds </a:t>
+            </a:r>
+            <a:r>
+              <a:rPr lang="en-US" sz="2400" dirty="0">
+                <a:solidFill>
+                  <a:srgbClr val="FF0000"/>
+                </a:solidFill>
+              </a:rPr>
+              <a:t>to guide your search!</a:t>
+            </a:r>
+            <a:endParaRPr lang="en-US" sz="2400" dirty="0"/>
+          </a:p>
+          <a:p>
+            <a:pPr algn="ctr"/>
+            <a:endParaRPr lang="en-US" sz="2400" dirty="0"/>
+          </a:p>
+        </p:txBody>
+      </p:sp>
+      <p:sp>
+        <p:nvSpPr>
+          <p:cNvPr id="10" name="TextBox 9">
+            <a:extLst>
+              <a:ext uri="{FF2B5EF4-FFF2-40B4-BE49-F238E27FC236}">
+                <a16:creationId xmlns:a16="http://schemas.microsoft.com/office/drawing/2014/main" id="{BBB9FC54-0FF1-413F-9D5B-B107CB9B2E18}"/>
+              </a:ext>
+            </a:extLst>
+          </p:cNvPr>
+          <p:cNvSpPr txBox="1"/>
+          <p:nvPr/>
+        </p:nvSpPr>
+        <p:spPr>
+          <a:xfrm>
+            <a:off x="3649639" y="6381999"/>
+            <a:ext cx="4782193" cy="461665"/>
+          </a:xfrm>
+          <a:prstGeom prst="rect">
+            <a:avLst/>
+          </a:prstGeom>
+          <a:noFill/>
+        </p:spPr>
+        <p:txBody>
+          <a:bodyPr wrap="square" rtlCol="0">
+            <a:spAutoFit/>
+          </a:bodyPr>
+          <a:lstStyle/>
+          <a:p>
+            <a:pPr algn="ctr"/>
+            <a:r>
+              <a:rPr lang="en-US" sz="2400" b="1" dirty="0">
+                <a:solidFill>
+                  <a:schemeClr val="accent6"/>
+                </a:solidFill>
+              </a:rPr>
+              <a:t>Do you have any questions?</a:t>
+            </a:r>
+          </a:p>
+        </p:txBody>
+      </p:sp>
       <p:grpSp>
         <p:nvGrpSpPr>
-          <p:cNvPr id="13" name="Group 12">
-            <a:extLst>
-              <a:ext uri="{FF2B5EF4-FFF2-40B4-BE49-F238E27FC236}">
-                <a16:creationId xmlns:a16="http://schemas.microsoft.com/office/drawing/2014/main" id="{955B4D71-4C31-5C4F-A450-A0A00284D747}"/>
+          <p:cNvPr id="23" name="Group 22">
+            <a:extLst>
+              <a:ext uri="{FF2B5EF4-FFF2-40B4-BE49-F238E27FC236}">
+                <a16:creationId xmlns:a16="http://schemas.microsoft.com/office/drawing/2014/main" id="{BAB099CB-C9C8-4D4E-BB43-B4BA6AE84FE6}"/>
               </a:ext>
             </a:extLst>
           </p:cNvPr>
@@ -4892,18 +5895,18 @@
         </p:nvGrpSpPr>
         <p:grpSpPr>
           <a:xfrm>
-            <a:off x="1905371" y="2862649"/>
-            <a:ext cx="4924688" cy="1974142"/>
-            <a:chOff x="1774659" y="4357276"/>
-            <a:chExt cx="4924688" cy="1974142"/>
+            <a:off x="8356170" y="2440225"/>
+            <a:ext cx="3407527" cy="1922550"/>
+            <a:chOff x="4892696" y="2740564"/>
+            <a:chExt cx="3407527" cy="1922550"/>
           </a:xfrm>
         </p:grpSpPr>
         <p:pic>
           <p:nvPicPr>
-            <p:cNvPr id="14" name="Picture 13">
+            <p:cNvPr id="24" name="Picture 23">
               <a:extLst>
                 <a:ext uri="{FF2B5EF4-FFF2-40B4-BE49-F238E27FC236}">
-                  <a16:creationId xmlns:a16="http://schemas.microsoft.com/office/drawing/2014/main" id="{09C6B519-816D-AD45-A343-FCA9627B4E9D}"/>
+                  <a16:creationId xmlns:a16="http://schemas.microsoft.com/office/drawing/2014/main" id="{A3AFD2DC-4710-403E-8B1B-4241E6E5B9DE}"/>
                 </a:ext>
               </a:extLst>
             </p:cNvPr>
@@ -4920,8 +5923,8 @@
           </p:blipFill>
           <p:spPr>
             <a:xfrm>
-              <a:off x="1774659" y="4357276"/>
-              <a:ext cx="3525253" cy="1974142"/>
+              <a:off x="4892696" y="2767872"/>
+              <a:ext cx="3407527" cy="1895242"/>
             </a:xfrm>
             <a:prstGeom prst="rect">
               <a:avLst/>
@@ -4942,57 +5945,457 @@
             </a:effectLst>
           </p:spPr>
         </p:pic>
-        <p:cxnSp>
-          <p:nvCxnSpPr>
-            <p:cNvPr id="15" name="Straight Arrow Connector 14">
+        <p:sp>
+          <p:nvSpPr>
+            <p:cNvPr id="26" name="TextBox 25">
               <a:extLst>
                 <a:ext uri="{FF2B5EF4-FFF2-40B4-BE49-F238E27FC236}">
-                  <a16:creationId xmlns:a16="http://schemas.microsoft.com/office/drawing/2014/main" id="{E1086D70-958B-5B4E-89A3-534245C5A216}"/>
+                  <a16:creationId xmlns:a16="http://schemas.microsoft.com/office/drawing/2014/main" id="{6D9CCC06-D700-49AF-8697-703C456466F9}"/>
                 </a:ext>
               </a:extLst>
             </p:cNvPr>
-            <p:cNvCxnSpPr>
-              <a:cxnSpLocks/>
-            </p:cNvCxnSpPr>
+            <p:cNvSpPr txBox="1"/>
             <p:nvPr/>
-          </p:nvCxnSpPr>
+          </p:nvSpPr>
           <p:spPr>
             <a:xfrm>
-              <a:off x="5428486" y="5344346"/>
-              <a:ext cx="1270861" cy="1"/>
+              <a:off x="6079889" y="2740564"/>
+              <a:ext cx="1106392" cy="338554"/>
             </a:xfrm>
-            <a:prstGeom prst="straightConnector1">
+            <a:prstGeom prst="rect">
               <a:avLst/>
             </a:prstGeom>
-            <a:ln w="76200">
-              <a:solidFill>
-                <a:schemeClr val="tx1"/>
-              </a:solidFill>
-              <a:tailEnd type="triangle"/>
-            </a:ln>
+            <a:noFill/>
           </p:spPr>
-          <p:style>
-            <a:lnRef idx="1">
-              <a:schemeClr val="accent1"/>
-            </a:lnRef>
-            <a:fillRef idx="0">
-              <a:schemeClr val="accent1"/>
-            </a:fillRef>
-            <a:effectRef idx="0">
-              <a:schemeClr val="accent1"/>
-            </a:effectRef>
-            <a:fontRef idx="minor">
+          <p:txBody>
+            <a:bodyPr wrap="square" rtlCol="0">
+              <a:spAutoFit/>
+            </a:bodyPr>
+            <a:lstStyle/>
+            <a:p>
+              <a:pPr algn="ctr"/>
+              <a:r>
+                <a:rPr lang="en-US" sz="800" b="1" dirty="0">
+                  <a:solidFill>
+                    <a:srgbClr val="FF0000"/>
+                  </a:solidFill>
+                </a:rPr>
+                <a:t>Search For Money!</a:t>
+              </a:r>
+            </a:p>
+            <a:p>
+              <a:pPr algn="ctr"/>
+              <a:r>
+                <a:rPr lang="en-US" sz="800" b="1" dirty="0">
+                  <a:solidFill>
+                    <a:srgbClr val="FF0000"/>
+                  </a:solidFill>
+                </a:rPr>
+                <a:t>No Feedback Round</a:t>
+              </a:r>
+            </a:p>
+          </p:txBody>
+        </p:sp>
+      </p:grpSp>
+      <p:pic>
+        <p:nvPicPr>
+          <p:cNvPr id="29" name="Picture 28">
+            <a:extLst>
+              <a:ext uri="{FF2B5EF4-FFF2-40B4-BE49-F238E27FC236}">
+                <a16:creationId xmlns:a16="http://schemas.microsoft.com/office/drawing/2014/main" id="{F981EC59-D4CB-4418-8736-46944604C1BB}"/>
+              </a:ext>
+            </a:extLst>
+          </p:cNvPr>
+          <p:cNvPicPr>
+            <a:picLocks noChangeAspect="1"/>
+          </p:cNvPicPr>
+          <p:nvPr/>
+        </p:nvPicPr>
+        <p:blipFill>
+          <a:blip r:embed="rId3"/>
+          <a:stretch>
+            <a:fillRect/>
+          </a:stretch>
+        </p:blipFill>
+        <p:spPr>
+          <a:xfrm>
+            <a:off x="4299141" y="2467533"/>
+            <a:ext cx="3407527" cy="1895242"/>
+          </a:xfrm>
+          <a:prstGeom prst="rect">
+            <a:avLst/>
+          </a:prstGeom>
+          <a:ln w="38100" cap="sq">
+            <a:solidFill>
+              <a:srgbClr val="000000"/>
+            </a:solidFill>
+            <a:prstDash val="solid"/>
+            <a:miter lim="800000"/>
+          </a:ln>
+          <a:effectLst>
+            <a:outerShdw blurRad="50800" dist="38100" dir="2700000" algn="tl" rotWithShape="0">
+              <a:srgbClr val="000000">
+                <a:alpha val="43000"/>
+              </a:srgbClr>
+            </a:outerShdw>
+          </a:effectLst>
+        </p:spPr>
+      </p:pic>
+      <p:sp>
+        <p:nvSpPr>
+          <p:cNvPr id="31" name="TextBox 30">
+            <a:extLst>
+              <a:ext uri="{FF2B5EF4-FFF2-40B4-BE49-F238E27FC236}">
+                <a16:creationId xmlns:a16="http://schemas.microsoft.com/office/drawing/2014/main" id="{93F509D6-59BC-4D09-801A-BE6972116268}"/>
+              </a:ext>
+            </a:extLst>
+          </p:cNvPr>
+          <p:cNvSpPr txBox="1"/>
+          <p:nvPr/>
+        </p:nvSpPr>
+        <p:spPr>
+          <a:xfrm>
+            <a:off x="5486334" y="2440225"/>
+            <a:ext cx="1106392" cy="338554"/>
+          </a:xfrm>
+          <a:prstGeom prst="rect">
+            <a:avLst/>
+          </a:prstGeom>
+          <a:noFill/>
+        </p:spPr>
+        <p:txBody>
+          <a:bodyPr wrap="square" rtlCol="0">
+            <a:spAutoFit/>
+          </a:bodyPr>
+          <a:lstStyle/>
+          <a:p>
+            <a:pPr algn="ctr"/>
+            <a:r>
+              <a:rPr lang="en-US" sz="800" b="1" dirty="0">
+                <a:solidFill>
+                  <a:srgbClr val="FF0000"/>
+                </a:solidFill>
+              </a:rPr>
+              <a:t>Search For Money!</a:t>
+            </a:r>
+          </a:p>
+          <a:p>
+            <a:pPr algn="ctr"/>
+            <a:r>
+              <a:rPr lang="en-US" sz="800" b="1" dirty="0">
+                <a:solidFill>
+                  <a:srgbClr val="FF0000"/>
+                </a:solidFill>
+              </a:rPr>
+              <a:t>No Feedback Round</a:t>
+            </a:r>
+          </a:p>
+        </p:txBody>
+      </p:sp>
+      <p:cxnSp>
+        <p:nvCxnSpPr>
+          <p:cNvPr id="32" name="Straight Arrow Connector 31">
+            <a:extLst>
+              <a:ext uri="{FF2B5EF4-FFF2-40B4-BE49-F238E27FC236}">
+                <a16:creationId xmlns:a16="http://schemas.microsoft.com/office/drawing/2014/main" id="{F1E9885A-A79E-4FC6-8E04-6C820EEFAD79}"/>
+              </a:ext>
+            </a:extLst>
+          </p:cNvPr>
+          <p:cNvCxnSpPr>
+            <a:cxnSpLocks/>
+          </p:cNvCxnSpPr>
+          <p:nvPr/>
+        </p:nvCxnSpPr>
+        <p:spPr>
+          <a:xfrm>
+            <a:off x="3756252" y="3401500"/>
+            <a:ext cx="462966" cy="0"/>
+          </a:xfrm>
+          <a:prstGeom prst="straightConnector1">
+            <a:avLst/>
+          </a:prstGeom>
+          <a:ln w="76200">
+            <a:solidFill>
               <a:schemeClr val="tx1"/>
-            </a:fontRef>
-          </p:style>
-        </p:cxnSp>
-      </p:grpSp>
-      <p:sp>
-        <p:nvSpPr>
-          <p:cNvPr id="16" name="Multiplication Sign 7">
-            <a:extLst>
-              <a:ext uri="{FF2B5EF4-FFF2-40B4-BE49-F238E27FC236}">
-                <a16:creationId xmlns:a16="http://schemas.microsoft.com/office/drawing/2014/main" id="{F8B65053-11FB-4D44-AC81-8903527823AD}"/>
+            </a:solidFill>
+            <a:tailEnd type="triangle"/>
+          </a:ln>
+        </p:spPr>
+        <p:style>
+          <a:lnRef idx="1">
+            <a:schemeClr val="accent1"/>
+          </a:lnRef>
+          <a:fillRef idx="0">
+            <a:schemeClr val="accent1"/>
+          </a:fillRef>
+          <a:effectRef idx="0">
+            <a:schemeClr val="accent1"/>
+          </a:effectRef>
+          <a:fontRef idx="minor">
+            <a:schemeClr val="tx1"/>
+          </a:fontRef>
+        </p:style>
+      </p:cxnSp>
+      <p:cxnSp>
+        <p:nvCxnSpPr>
+          <p:cNvPr id="33" name="Straight Arrow Connector 32">
+            <a:extLst>
+              <a:ext uri="{FF2B5EF4-FFF2-40B4-BE49-F238E27FC236}">
+                <a16:creationId xmlns:a16="http://schemas.microsoft.com/office/drawing/2014/main" id="{CFE5B017-BF46-4BD5-965D-3D11DEEAFA41}"/>
+              </a:ext>
+            </a:extLst>
+          </p:cNvPr>
+          <p:cNvCxnSpPr>
+            <a:cxnSpLocks/>
+          </p:cNvCxnSpPr>
+          <p:nvPr/>
+        </p:nvCxnSpPr>
+        <p:spPr>
+          <a:xfrm>
+            <a:off x="7807098" y="3401500"/>
+            <a:ext cx="462966" cy="0"/>
+          </a:xfrm>
+          <a:prstGeom prst="straightConnector1">
+            <a:avLst/>
+          </a:prstGeom>
+          <a:ln w="76200">
+            <a:solidFill>
+              <a:schemeClr val="tx1"/>
+            </a:solidFill>
+            <a:tailEnd type="triangle"/>
+          </a:ln>
+        </p:spPr>
+        <p:style>
+          <a:lnRef idx="1">
+            <a:schemeClr val="accent1"/>
+          </a:lnRef>
+          <a:fillRef idx="0">
+            <a:schemeClr val="accent1"/>
+          </a:fillRef>
+          <a:effectRef idx="0">
+            <a:schemeClr val="accent1"/>
+          </a:effectRef>
+          <a:fontRef idx="minor">
+            <a:schemeClr val="tx1"/>
+          </a:fontRef>
+        </p:style>
+      </p:cxnSp>
+      <p:sp>
+        <p:nvSpPr>
+          <p:cNvPr id="18" name="Content Placeholder 2">
+            <a:extLst>
+              <a:ext uri="{FF2B5EF4-FFF2-40B4-BE49-F238E27FC236}">
+                <a16:creationId xmlns:a16="http://schemas.microsoft.com/office/drawing/2014/main" id="{92705AA5-79BC-4B12-B759-D46A79EBE748}"/>
+              </a:ext>
+            </a:extLst>
+          </p:cNvPr>
+          <p:cNvSpPr txBox="1">
+            <a:spLocks/>
+          </p:cNvSpPr>
+          <p:nvPr/>
+        </p:nvSpPr>
+        <p:spPr>
+          <a:xfrm>
+            <a:off x="186012" y="74741"/>
+            <a:ext cx="11926111" cy="576098"/>
+          </a:xfrm>
+          <a:prstGeom prst="rect">
+            <a:avLst/>
+          </a:prstGeom>
+        </p:spPr>
+        <p:txBody>
+          <a:bodyPr vert="horz" lIns="91440" tIns="45720" rIns="91440" bIns="45720" rtlCol="0">
+            <a:normAutofit lnSpcReduction="10000"/>
+          </a:bodyPr>
+          <a:lstStyle>
+            <a:lvl1pPr marL="228600" indent="-228600" algn="l" defTabSz="914400" rtl="0" eaLnBrk="1" latinLnBrk="0" hangingPunct="1">
+              <a:lnSpc>
+                <a:spcPct val="90000"/>
+              </a:lnSpc>
+              <a:spcBef>
+                <a:spcPts val="1000"/>
+              </a:spcBef>
+              <a:buFont typeface="Arial" panose="020B0604020202020204" pitchFamily="34" charset="0"/>
+              <a:buChar char="•"/>
+              <a:defRPr sz="2800" kern="1200">
+                <a:solidFill>
+                  <a:schemeClr val="tx1"/>
+                </a:solidFill>
+                <a:latin typeface="+mn-lt"/>
+                <a:ea typeface="+mn-ea"/>
+                <a:cs typeface="+mn-cs"/>
+              </a:defRPr>
+            </a:lvl1pPr>
+            <a:lvl2pPr marL="685800" indent="-228600" algn="l" defTabSz="914400" rtl="0" eaLnBrk="1" latinLnBrk="0" hangingPunct="1">
+              <a:lnSpc>
+                <a:spcPct val="90000"/>
+              </a:lnSpc>
+              <a:spcBef>
+                <a:spcPts val="500"/>
+              </a:spcBef>
+              <a:buFont typeface="Arial" panose="020B0604020202020204" pitchFamily="34" charset="0"/>
+              <a:buChar char="•"/>
+              <a:defRPr sz="2400" kern="1200">
+                <a:solidFill>
+                  <a:schemeClr val="tx1"/>
+                </a:solidFill>
+                <a:latin typeface="+mn-lt"/>
+                <a:ea typeface="+mn-ea"/>
+                <a:cs typeface="+mn-cs"/>
+              </a:defRPr>
+            </a:lvl2pPr>
+            <a:lvl3pPr marL="1143000" indent="-228600" algn="l" defTabSz="914400" rtl="0" eaLnBrk="1" latinLnBrk="0" hangingPunct="1">
+              <a:lnSpc>
+                <a:spcPct val="90000"/>
+              </a:lnSpc>
+              <a:spcBef>
+                <a:spcPts val="500"/>
+              </a:spcBef>
+              <a:buFont typeface="Arial" panose="020B0604020202020204" pitchFamily="34" charset="0"/>
+              <a:buChar char="•"/>
+              <a:defRPr sz="2000" kern="1200">
+                <a:solidFill>
+                  <a:schemeClr val="tx1"/>
+                </a:solidFill>
+                <a:latin typeface="+mn-lt"/>
+                <a:ea typeface="+mn-ea"/>
+                <a:cs typeface="+mn-cs"/>
+              </a:defRPr>
+            </a:lvl3pPr>
+            <a:lvl4pPr marL="1600200" indent="-228600" algn="l" defTabSz="914400" rtl="0" eaLnBrk="1" latinLnBrk="0" hangingPunct="1">
+              <a:lnSpc>
+                <a:spcPct val="90000"/>
+              </a:lnSpc>
+              <a:spcBef>
+                <a:spcPts val="500"/>
+              </a:spcBef>
+              <a:buFont typeface="Arial" panose="020B0604020202020204" pitchFamily="34" charset="0"/>
+              <a:buChar char="•"/>
+              <a:defRPr sz="1800" kern="1200">
+                <a:solidFill>
+                  <a:schemeClr val="tx1"/>
+                </a:solidFill>
+                <a:latin typeface="+mn-lt"/>
+                <a:ea typeface="+mn-ea"/>
+                <a:cs typeface="+mn-cs"/>
+              </a:defRPr>
+            </a:lvl4pPr>
+            <a:lvl5pPr marL="2057400" indent="-228600" algn="l" defTabSz="914400" rtl="0" eaLnBrk="1" latinLnBrk="0" hangingPunct="1">
+              <a:lnSpc>
+                <a:spcPct val="90000"/>
+              </a:lnSpc>
+              <a:spcBef>
+                <a:spcPts val="500"/>
+              </a:spcBef>
+              <a:buFont typeface="Arial" panose="020B0604020202020204" pitchFamily="34" charset="0"/>
+              <a:buChar char="•"/>
+              <a:defRPr sz="1800" kern="1200">
+                <a:solidFill>
+                  <a:schemeClr val="tx1"/>
+                </a:solidFill>
+                <a:latin typeface="+mn-lt"/>
+                <a:ea typeface="+mn-ea"/>
+                <a:cs typeface="+mn-cs"/>
+              </a:defRPr>
+            </a:lvl5pPr>
+            <a:lvl6pPr marL="2514600" indent="-228600" algn="l" defTabSz="914400" rtl="0" eaLnBrk="1" latinLnBrk="0" hangingPunct="1">
+              <a:lnSpc>
+                <a:spcPct val="90000"/>
+              </a:lnSpc>
+              <a:spcBef>
+                <a:spcPts val="500"/>
+              </a:spcBef>
+              <a:buFont typeface="Arial" panose="020B0604020202020204" pitchFamily="34" charset="0"/>
+              <a:buChar char="•"/>
+              <a:defRPr sz="1800" kern="1200">
+                <a:solidFill>
+                  <a:schemeClr val="tx1"/>
+                </a:solidFill>
+                <a:latin typeface="+mn-lt"/>
+                <a:ea typeface="+mn-ea"/>
+                <a:cs typeface="+mn-cs"/>
+              </a:defRPr>
+            </a:lvl6pPr>
+            <a:lvl7pPr marL="2971800" indent="-228600" algn="l" defTabSz="914400" rtl="0" eaLnBrk="1" latinLnBrk="0" hangingPunct="1">
+              <a:lnSpc>
+                <a:spcPct val="90000"/>
+              </a:lnSpc>
+              <a:spcBef>
+                <a:spcPts val="500"/>
+              </a:spcBef>
+              <a:buFont typeface="Arial" panose="020B0604020202020204" pitchFamily="34" charset="0"/>
+              <a:buChar char="•"/>
+              <a:defRPr sz="1800" kern="1200">
+                <a:solidFill>
+                  <a:schemeClr val="tx1"/>
+                </a:solidFill>
+                <a:latin typeface="+mn-lt"/>
+                <a:ea typeface="+mn-ea"/>
+                <a:cs typeface="+mn-cs"/>
+              </a:defRPr>
+            </a:lvl7pPr>
+            <a:lvl8pPr marL="3429000" indent="-228600" algn="l" defTabSz="914400" rtl="0" eaLnBrk="1" latinLnBrk="0" hangingPunct="1">
+              <a:lnSpc>
+                <a:spcPct val="90000"/>
+              </a:lnSpc>
+              <a:spcBef>
+                <a:spcPts val="500"/>
+              </a:spcBef>
+              <a:buFont typeface="Arial" panose="020B0604020202020204" pitchFamily="34" charset="0"/>
+              <a:buChar char="•"/>
+              <a:defRPr sz="1800" kern="1200">
+                <a:solidFill>
+                  <a:schemeClr val="tx1"/>
+                </a:solidFill>
+                <a:latin typeface="+mn-lt"/>
+                <a:ea typeface="+mn-ea"/>
+                <a:cs typeface="+mn-cs"/>
+              </a:defRPr>
+            </a:lvl8pPr>
+            <a:lvl9pPr marL="3886200" indent="-228600" algn="l" defTabSz="914400" rtl="0" eaLnBrk="1" latinLnBrk="0" hangingPunct="1">
+              <a:lnSpc>
+                <a:spcPct val="90000"/>
+              </a:lnSpc>
+              <a:spcBef>
+                <a:spcPts val="500"/>
+              </a:spcBef>
+              <a:buFont typeface="Arial" panose="020B0604020202020204" pitchFamily="34" charset="0"/>
+              <a:buChar char="•"/>
+              <a:defRPr sz="1800" kern="1200">
+                <a:solidFill>
+                  <a:schemeClr val="tx1"/>
+                </a:solidFill>
+                <a:latin typeface="+mn-lt"/>
+                <a:ea typeface="+mn-ea"/>
+                <a:cs typeface="+mn-cs"/>
+              </a:defRPr>
+            </a:lvl9pPr>
+          </a:lstStyle>
+          <a:p>
+            <a:pPr marL="0" indent="0" algn="ctr">
+              <a:buFont typeface="Arial" panose="020B0604020202020204" pitchFamily="34" charset="0"/>
+              <a:buNone/>
+            </a:pPr>
+            <a:r>
+              <a:rPr lang="en-US" sz="3600" b="1" dirty="0"/>
+              <a:t>NO FEEDBACK ROUNDS</a:t>
+            </a:r>
+          </a:p>
+          <a:p>
+            <a:pPr marL="0" indent="0" algn="ctr">
+              <a:buFont typeface="Arial" panose="020B0604020202020204" pitchFamily="34" charset="0"/>
+              <a:buNone/>
+            </a:pPr>
+            <a:endParaRPr lang="en-US" sz="2400" dirty="0"/>
+          </a:p>
+        </p:txBody>
+      </p:sp>
+      <p:sp>
+        <p:nvSpPr>
+          <p:cNvPr id="19" name="Rectangle 18">
+            <a:extLst>
+              <a:ext uri="{FF2B5EF4-FFF2-40B4-BE49-F238E27FC236}">
+                <a16:creationId xmlns:a16="http://schemas.microsoft.com/office/drawing/2014/main" id="{5FBCED2C-0CD2-42CB-A67D-BF914B2CE496}"/>
               </a:ext>
             </a:extLst>
           </p:cNvPr>
@@ -5001,16 +6404,118 @@
         </p:nvSpPr>
         <p:spPr>
           <a:xfrm>
-            <a:off x="8369965" y="2687717"/>
-            <a:ext cx="702589" cy="470116"/>
-          </a:xfrm>
-          <a:prstGeom prst="mathMultiply">
+            <a:off x="5288980" y="2071706"/>
+            <a:ext cx="1514723" cy="332774"/>
+          </a:xfrm>
+          <a:prstGeom prst="rect">
             <a:avLst/>
           </a:prstGeom>
           <a:solidFill>
-            <a:srgbClr val="FF0000"/>
+            <a:schemeClr val="tx1"/>
           </a:solidFill>
           <a:ln>
+            <a:noFill/>
+          </a:ln>
+        </p:spPr>
+        <p:style>
+          <a:lnRef idx="2">
+            <a:schemeClr val="accent1">
+              <a:shade val="50000"/>
+            </a:schemeClr>
+          </a:lnRef>
+          <a:fillRef idx="1">
+            <a:schemeClr val="accent1"/>
+          </a:fillRef>
+          <a:effectRef idx="0">
+            <a:schemeClr val="accent1"/>
+          </a:effectRef>
+          <a:fontRef idx="minor">
+            <a:schemeClr val="lt1"/>
+          </a:fontRef>
+        </p:style>
+        <p:txBody>
+          <a:bodyPr rtlCol="0" anchor="ctr"/>
+          <a:lstStyle/>
+          <a:p>
+            <a:pPr algn="ctr"/>
+            <a:endParaRPr lang="en-US"/>
+          </a:p>
+        </p:txBody>
+      </p:sp>
+      <p:sp>
+        <p:nvSpPr>
+          <p:cNvPr id="20" name="TextBox 19">
+            <a:extLst>
+              <a:ext uri="{FF2B5EF4-FFF2-40B4-BE49-F238E27FC236}">
+                <a16:creationId xmlns:a16="http://schemas.microsoft.com/office/drawing/2014/main" id="{908F4FF4-74B5-42F3-9DBD-6C0957CE7569}"/>
+              </a:ext>
+            </a:extLst>
+          </p:cNvPr>
+          <p:cNvSpPr txBox="1"/>
+          <p:nvPr/>
+        </p:nvSpPr>
+        <p:spPr>
+          <a:xfrm>
+            <a:off x="5288980" y="2053427"/>
+            <a:ext cx="1514723" cy="369332"/>
+          </a:xfrm>
+          <a:prstGeom prst="rect">
+            <a:avLst/>
+          </a:prstGeom>
+          <a:noFill/>
+          <a:ln>
+            <a:noFill/>
+          </a:ln>
+        </p:spPr>
+        <p:txBody>
+          <a:bodyPr wrap="square" rtlCol="0">
+            <a:spAutoFit/>
+          </a:bodyPr>
+          <a:lstStyle/>
+          <a:p>
+            <a:pPr algn="ctr"/>
+            <a:r>
+              <a:rPr lang="en-US" b="1" dirty="0">
+                <a:solidFill>
+                  <a:schemeClr val="bg1"/>
+                </a:solidFill>
+              </a:rPr>
+              <a:t>Less than </a:t>
+            </a:r>
+            <a:r>
+              <a:rPr lang="en-US" b="1" dirty="0">
+                <a:solidFill>
+                  <a:schemeClr val="accent6"/>
+                </a:solidFill>
+              </a:rPr>
+              <a:t>10¢</a:t>
+            </a:r>
+            <a:endParaRPr lang="en-US" dirty="0"/>
+          </a:p>
+        </p:txBody>
+      </p:sp>
+      <p:sp>
+        <p:nvSpPr>
+          <p:cNvPr id="21" name="Rectangle 20">
+            <a:extLst>
+              <a:ext uri="{FF2B5EF4-FFF2-40B4-BE49-F238E27FC236}">
+                <a16:creationId xmlns:a16="http://schemas.microsoft.com/office/drawing/2014/main" id="{B39F2160-20D3-4D7D-971C-9F4CBC0B928A}"/>
+              </a:ext>
+            </a:extLst>
+          </p:cNvPr>
+          <p:cNvSpPr/>
+          <p:nvPr/>
+        </p:nvSpPr>
+        <p:spPr>
+          <a:xfrm>
+            <a:off x="5316805" y="2379358"/>
+            <a:ext cx="1459065" cy="387283"/>
+          </a:xfrm>
+          <a:prstGeom prst="rect">
+            <a:avLst/>
+          </a:prstGeom>
+          <a:noFill/>
+          <a:ln w="57150">
             <a:solidFill>
               <a:schemeClr val="tx1"/>
             </a:solidFill>
@@ -5043,10 +6548,62 @@
       </p:sp>
       <p:sp>
         <p:nvSpPr>
-          <p:cNvPr id="17" name="TextBox 16">
-            <a:extLst>
-              <a:ext uri="{FF2B5EF4-FFF2-40B4-BE49-F238E27FC236}">
-                <a16:creationId xmlns:a16="http://schemas.microsoft.com/office/drawing/2014/main" id="{41657D22-2367-7142-A623-DA975BC13489}"/>
+          <p:cNvPr id="22" name="Rectangle 21">
+            <a:extLst>
+              <a:ext uri="{FF2B5EF4-FFF2-40B4-BE49-F238E27FC236}">
+                <a16:creationId xmlns:a16="http://schemas.microsoft.com/office/drawing/2014/main" id="{77F10125-C85C-4410-ADEA-0D40C609ACA3}"/>
+              </a:ext>
+            </a:extLst>
+          </p:cNvPr>
+          <p:cNvSpPr/>
+          <p:nvPr/>
+        </p:nvSpPr>
+        <p:spPr>
+          <a:xfrm>
+            <a:off x="9373834" y="2075073"/>
+            <a:ext cx="1514723" cy="332774"/>
+          </a:xfrm>
+          <a:prstGeom prst="rect">
+            <a:avLst/>
+          </a:prstGeom>
+          <a:solidFill>
+            <a:schemeClr val="tx1"/>
+          </a:solidFill>
+          <a:ln>
+            <a:noFill/>
+          </a:ln>
+        </p:spPr>
+        <p:style>
+          <a:lnRef idx="2">
+            <a:schemeClr val="accent1">
+              <a:shade val="50000"/>
+            </a:schemeClr>
+          </a:lnRef>
+          <a:fillRef idx="1">
+            <a:schemeClr val="accent1"/>
+          </a:fillRef>
+          <a:effectRef idx="0">
+            <a:schemeClr val="accent1"/>
+          </a:effectRef>
+          <a:fontRef idx="minor">
+            <a:schemeClr val="lt1"/>
+          </a:fontRef>
+        </p:style>
+        <p:txBody>
+          <a:bodyPr rtlCol="0" anchor="ctr"/>
+          <a:lstStyle/>
+          <a:p>
+            <a:pPr algn="ctr"/>
+            <a:endParaRPr lang="en-US"/>
+          </a:p>
+        </p:txBody>
+      </p:sp>
+      <p:sp>
+        <p:nvSpPr>
+          <p:cNvPr id="34" name="TextBox 33">
+            <a:extLst>
+              <a:ext uri="{FF2B5EF4-FFF2-40B4-BE49-F238E27FC236}">
+                <a16:creationId xmlns:a16="http://schemas.microsoft.com/office/drawing/2014/main" id="{93764A5A-8AA6-4B02-85DA-B1277127D6D8}"/>
               </a:ext>
             </a:extLst>
           </p:cNvPr>
@@ -5055,13 +6612,16 @@
         </p:nvSpPr>
         <p:spPr>
           <a:xfrm>
-            <a:off x="3886467" y="6182211"/>
-            <a:ext cx="4782193" cy="461665"/>
+            <a:off x="9373834" y="2056794"/>
+            <a:ext cx="1514723" cy="369332"/>
           </a:xfrm>
           <a:prstGeom prst="rect">
             <a:avLst/>
           </a:prstGeom>
           <a:noFill/>
+          <a:ln>
+            <a:noFill/>
+          </a:ln>
         </p:spPr>
         <p:txBody>
           <a:bodyPr wrap="square" rtlCol="0">
@@ -5071,20 +6631,81 @@
           <a:p>
             <a:pPr algn="ctr"/>
             <a:r>
-              <a:rPr lang="en-US" sz="2400" b="1" dirty="0">
+              <a:rPr lang="en-US" b="1" dirty="0">
                 <a:solidFill>
                   <a:schemeClr val="accent6"/>
                 </a:solidFill>
               </a:rPr>
-              <a:t>Do you have any questions?</a:t>
-            </a:r>
+              <a:t>10¢</a:t>
+            </a:r>
+            <a:r>
+              <a:rPr lang="en-US" b="1" dirty="0">
+                <a:solidFill>
+                  <a:schemeClr val="bg1"/>
+                </a:solidFill>
+              </a:rPr>
+              <a:t> or more </a:t>
+            </a:r>
+            <a:endParaRPr lang="en-US" dirty="0"/>
+          </a:p>
+        </p:txBody>
+      </p:sp>
+      <p:sp>
+        <p:nvSpPr>
+          <p:cNvPr id="35" name="Rectangle 34">
+            <a:extLst>
+              <a:ext uri="{FF2B5EF4-FFF2-40B4-BE49-F238E27FC236}">
+                <a16:creationId xmlns:a16="http://schemas.microsoft.com/office/drawing/2014/main" id="{E868778A-64D5-42F3-AAEC-0BB764763FDC}"/>
+              </a:ext>
+            </a:extLst>
+          </p:cNvPr>
+          <p:cNvSpPr/>
+          <p:nvPr/>
+        </p:nvSpPr>
+        <p:spPr>
+          <a:xfrm>
+            <a:off x="9401659" y="2382725"/>
+            <a:ext cx="1459065" cy="387283"/>
+          </a:xfrm>
+          <a:prstGeom prst="rect">
+            <a:avLst/>
+          </a:prstGeom>
+          <a:noFill/>
+          <a:ln w="57150">
+            <a:solidFill>
+              <a:schemeClr val="tx1"/>
+            </a:solidFill>
+          </a:ln>
+        </p:spPr>
+        <p:style>
+          <a:lnRef idx="2">
+            <a:schemeClr val="accent1">
+              <a:shade val="50000"/>
+            </a:schemeClr>
+          </a:lnRef>
+          <a:fillRef idx="1">
+            <a:schemeClr val="accent1"/>
+          </a:fillRef>
+          <a:effectRef idx="0">
+            <a:schemeClr val="accent1"/>
+          </a:effectRef>
+          <a:fontRef idx="minor">
+            <a:schemeClr val="lt1"/>
+          </a:fontRef>
+        </p:style>
+        <p:txBody>
+          <a:bodyPr rtlCol="0" anchor="ctr"/>
+          <a:lstStyle/>
+          <a:p>
+            <a:pPr algn="ctr"/>
+            <a:endParaRPr lang="en-US"/>
           </a:p>
         </p:txBody>
       </p:sp>
     </p:spTree>
     <p:extLst>
       <p:ext uri="{BB962C8B-B14F-4D97-AF65-F5344CB8AC3E}">
-        <p14:creationId xmlns:p14="http://schemas.microsoft.com/office/powerpoint/2010/main" val="3905037076"/>
+        <p14:creationId xmlns:p14="http://schemas.microsoft.com/office/powerpoint/2010/main" val="2773911975"/>
       </p:ext>
     </p:extLst>
   </p:cSld>
@@ -5111,95 +6732,6 @@
           <a:chExt cx="0" cy="0"/>
         </a:xfrm>
       </p:grpSpPr>
-      <p:sp>
-        <p:nvSpPr>
-          <p:cNvPr id="3" name="Content Placeholder 2">
-            <a:extLst>
-              <a:ext uri="{FF2B5EF4-FFF2-40B4-BE49-F238E27FC236}">
-                <a16:creationId xmlns:a16="http://schemas.microsoft.com/office/drawing/2014/main" id="{F30CF4C7-88AC-4C0C-82FC-A71F5AFC0F44}"/>
-              </a:ext>
-            </a:extLst>
-          </p:cNvPr>
-          <p:cNvSpPr>
-            <a:spLocks noGrp="1"/>
-          </p:cNvSpPr>
-          <p:nvPr>
-            <p:ph idx="1"/>
-          </p:nvPr>
-        </p:nvSpPr>
-        <p:spPr>
-          <a:xfrm>
-            <a:off x="567159" y="357126"/>
-            <a:ext cx="11076973" cy="2155812"/>
-          </a:xfrm>
-        </p:spPr>
-        <p:txBody>
-          <a:bodyPr>
-            <a:normAutofit/>
-          </a:bodyPr>
-          <a:lstStyle/>
-          <a:p>
-            <a:pPr marL="0" indent="0" algn="ctr">
-              <a:buNone/>
-            </a:pPr>
-            <a:r>
-              <a:rPr lang="en-US" sz="3600" b="1" dirty="0"/>
-              <a:t>BONUS PAYMENT</a:t>
-            </a:r>
-          </a:p>
-          <a:p>
-            <a:pPr marL="0" indent="0" algn="ctr">
-              <a:buNone/>
-            </a:pPr>
-            <a:r>
-              <a:rPr lang="en-US" sz="2400" dirty="0"/>
-              <a:t>There is an </a:t>
-            </a:r>
-            <a:r>
-              <a:rPr lang="en-US" sz="2400" b="1" dirty="0">
-                <a:solidFill>
-                  <a:srgbClr val="FF0000"/>
-                </a:solidFill>
-              </a:rPr>
-              <a:t>UNLIMITED</a:t>
-            </a:r>
-            <a:r>
-              <a:rPr lang="en-US" sz="2400" dirty="0"/>
-              <a:t> amount of money to collect in each round</a:t>
-            </a:r>
-            <a:r>
-              <a:rPr lang="en-US" altLang="zh-CN" sz="2400" dirty="0"/>
-              <a:t>.</a:t>
-            </a:r>
-            <a:r>
-              <a:rPr lang="zh-CN" altLang="en-US" sz="2400" dirty="0"/>
-              <a:t> </a:t>
-            </a:r>
-            <a:r>
-              <a:rPr lang="en-US" altLang="zh-CN" sz="2400" dirty="0"/>
-              <a:t>The money you collect in each round will be counted towards your </a:t>
-            </a:r>
-            <a:r>
-              <a:rPr lang="en-US" sz="2400" b="1" dirty="0">
-                <a:solidFill>
-                  <a:schemeClr val="accent6"/>
-                </a:solidFill>
-              </a:rPr>
-              <a:t>BONUS PAYMENT!</a:t>
-            </a:r>
-            <a:r>
-              <a:rPr lang="en-US" sz="2400" dirty="0"/>
-              <a:t> The more you collect the more bonus you will receive!!! </a:t>
-            </a:r>
-          </a:p>
-          <a:p>
-            <a:pPr marL="0" indent="0" algn="ctr">
-              <a:buNone/>
-            </a:pPr>
-            <a:endParaRPr lang="en-US" sz="2400" dirty="0"/>
-          </a:p>
-        </p:txBody>
-      </p:sp>
       <p:pic>
         <p:nvPicPr>
           <p:cNvPr id="4" name="Graphic 3">
@@ -5228,7 +6760,7 @@
         </p:blipFill>
         <p:spPr>
           <a:xfrm>
-            <a:off x="4312453" y="2122173"/>
+            <a:off x="4315590" y="2374722"/>
             <a:ext cx="3580110" cy="3712148"/>
           </a:xfrm>
           <a:prstGeom prst="rect">
@@ -5273,6 +6805,98 @@
               </a:rPr>
               <a:t>Do you have any questions?</a:t>
             </a:r>
+          </a:p>
+        </p:txBody>
+      </p:sp>
+      <p:sp>
+        <p:nvSpPr>
+          <p:cNvPr id="8" name="Content Placeholder 2">
+            <a:extLst>
+              <a:ext uri="{FF2B5EF4-FFF2-40B4-BE49-F238E27FC236}">
+                <a16:creationId xmlns:a16="http://schemas.microsoft.com/office/drawing/2014/main" id="{FEAF3B05-3C91-4B40-8D65-6E359C81B037}"/>
+              </a:ext>
+            </a:extLst>
+          </p:cNvPr>
+          <p:cNvSpPr>
+            <a:spLocks noGrp="1"/>
+          </p:cNvSpPr>
+          <p:nvPr>
+            <p:ph idx="1"/>
+          </p:nvPr>
+        </p:nvSpPr>
+        <p:spPr>
+          <a:xfrm>
+            <a:off x="567159" y="357126"/>
+            <a:ext cx="11076973" cy="2155812"/>
+          </a:xfrm>
+        </p:spPr>
+        <p:txBody>
+          <a:bodyPr>
+            <a:normAutofit/>
+          </a:bodyPr>
+          <a:lstStyle/>
+          <a:p>
+            <a:pPr marL="0" indent="0" algn="ctr">
+              <a:buNone/>
+            </a:pPr>
+            <a:r>
+              <a:rPr lang="en-US" sz="3600" b="1" dirty="0"/>
+              <a:t>Good Luck!!</a:t>
+            </a:r>
+          </a:p>
+          <a:p>
+            <a:pPr marL="0" indent="0" algn="ctr">
+              <a:buNone/>
+            </a:pPr>
+            <a:r>
+              <a:rPr lang="en-US" sz="2400" dirty="0"/>
+              <a:t>You will now complete the rest of the Bonus Section on your own. Remember There is an </a:t>
+            </a:r>
+            <a:r>
+              <a:rPr lang="en-US" sz="2400" b="1" dirty="0">
+                <a:solidFill>
+                  <a:srgbClr val="FF0000"/>
+                </a:solidFill>
+              </a:rPr>
+              <a:t>UNLIMITED</a:t>
+            </a:r>
+            <a:r>
+              <a:rPr lang="en-US" sz="2400" dirty="0"/>
+              <a:t> amount of money to collect in each round</a:t>
+            </a:r>
+            <a:r>
+              <a:rPr lang="en-US" altLang="zh-CN" sz="2400" dirty="0"/>
+              <a:t>.</a:t>
+            </a:r>
+            <a:r>
+              <a:rPr lang="zh-CN" altLang="en-US" sz="2400" dirty="0"/>
+              <a:t> </a:t>
+            </a:r>
+            <a:r>
+              <a:rPr lang="en-US" altLang="zh-CN" sz="2400" b="1" dirty="0"/>
+              <a:t>Stay focused </a:t>
+            </a:r>
+            <a:r>
+              <a:rPr lang="en-US" altLang="zh-CN" sz="2400" dirty="0"/>
+              <a:t>and </a:t>
+            </a:r>
+            <a:r>
+              <a:rPr lang="en-US" altLang="zh-CN" sz="2400" b="1" dirty="0"/>
+              <a:t>keep moving </a:t>
+            </a:r>
+            <a:r>
+              <a:rPr lang="en-US" altLang="zh-CN" sz="2400" dirty="0"/>
+              <a:t>to receive the largest </a:t>
+            </a:r>
+            <a:r>
+              <a:rPr lang="en-US" altLang="zh-CN" sz="2400" b="1" dirty="0"/>
+              <a:t>Bonus Payment </a:t>
+            </a:r>
+            <a:r>
+              <a:rPr lang="en-US" altLang="zh-CN" sz="2400" dirty="0"/>
+              <a:t>you can! You will be given breaks periodically.</a:t>
+            </a:r>
+            <a:endParaRPr lang="en-US" sz="2400" dirty="0"/>
           </a:p>
         </p:txBody>
       </p:sp>
@@ -7034,7 +8658,7 @@
           <a:p>
             <a:r>
               <a:rPr lang="en-US" dirty="0"/>
-              <a:t>The movement controls are very easy!</a:t>
+              <a:t>The movement controls are the same as before!</a:t>
             </a:r>
           </a:p>
           <a:p>
@@ -7392,6 +9016,41 @@
           </a:p>
         </p:txBody>
       </p:sp>
+      <p:sp>
+        <p:nvSpPr>
+          <p:cNvPr id="16" name="TextBox 15">
+            <a:extLst>
+              <a:ext uri="{FF2B5EF4-FFF2-40B4-BE49-F238E27FC236}">
+                <a16:creationId xmlns:a16="http://schemas.microsoft.com/office/drawing/2014/main" id="{B5E4CCD2-801D-4B8A-B116-52368A1510D3}"/>
+              </a:ext>
+            </a:extLst>
+          </p:cNvPr>
+          <p:cNvSpPr txBox="1"/>
+          <p:nvPr/>
+        </p:nvSpPr>
+        <p:spPr>
+          <a:xfrm>
+            <a:off x="4096414" y="183134"/>
+            <a:ext cx="3999172" cy="646331"/>
+          </a:xfrm>
+          <a:prstGeom prst="rect">
+            <a:avLst/>
+          </a:prstGeom>
+          <a:noFill/>
+        </p:spPr>
+        <p:txBody>
+          <a:bodyPr wrap="none" rtlCol="0">
+            <a:spAutoFit/>
+          </a:bodyPr>
+          <a:lstStyle/>
+          <a:p>
+            <a:r>
+              <a:rPr lang="en-US" sz="3600" b="1" dirty="0"/>
+              <a:t>Movement Controls</a:t>
+            </a:r>
+          </a:p>
+        </p:txBody>
+      </p:sp>
     </p:spTree>
     <p:extLst>
       <p:ext uri="{BB962C8B-B14F-4D97-AF65-F5344CB8AC3E}">
@@ -7440,19 +9099,32 @@
         </p:nvSpPr>
         <p:spPr>
           <a:xfrm>
-            <a:off x="64477" y="277092"/>
+            <a:off x="64477" y="773126"/>
             <a:ext cx="12063046" cy="2632357"/>
           </a:xfrm>
         </p:spPr>
         <p:txBody>
           <a:bodyPr>
-            <a:normAutofit lnSpcReduction="10000"/>
+            <a:normAutofit fontScale="92500" lnSpcReduction="20000"/>
           </a:bodyPr>
           <a:lstStyle/>
           <a:p>
+            <a:pPr>
+              <a:lnSpc>
+                <a:spcPct val="110000"/>
+              </a:lnSpc>
+            </a:pPr>
             <a:r>
               <a:rPr lang="en-US" dirty="0"/>
-              <a:t>Let’s practice moving around the environment by doing some </a:t>
+              <a:t>Let’s practice moving around the </a:t>
+            </a:r>
+            <a:r>
+              <a:rPr lang="en-US" b="1" i="1" dirty="0"/>
+              <a:t>new environment </a:t>
+            </a:r>
+            <a:r>
+              <a:rPr lang="en-US" dirty="0"/>
+              <a:t>by doing some </a:t>
             </a:r>
             <a:r>
               <a:rPr lang="en-US" b="1" dirty="0"/>
@@ -7464,9 +9136,19 @@
             </a:r>
           </a:p>
           <a:p>
+            <a:pPr>
+              <a:lnSpc>
+                <a:spcPct val="110000"/>
+              </a:lnSpc>
+            </a:pPr>
             <a:endParaRPr lang="en-US" dirty="0"/>
           </a:p>
           <a:p>
+            <a:pPr>
+              <a:lnSpc>
+                <a:spcPct val="110000"/>
+              </a:lnSpc>
+            </a:pPr>
             <a:r>
               <a:rPr lang="en-US" dirty="0"/>
               <a:t> At the start of each round you will see the </a:t>
@@ -7565,7 +9247,7 @@
         </p:nvSpPr>
         <p:spPr>
           <a:xfrm>
-            <a:off x="3643984" y="5877777"/>
+            <a:off x="3603915" y="6164167"/>
             <a:ext cx="4782193" cy="461665"/>
           </a:xfrm>
           <a:prstGeom prst="rect">
@@ -7613,7 +9295,7 @@
         </p:blipFill>
         <p:spPr>
           <a:xfrm>
-            <a:off x="141895" y="3230142"/>
+            <a:off x="176730" y="3651904"/>
             <a:ext cx="3382736" cy="1893156"/>
           </a:xfrm>
           <a:prstGeom prst="rect">
@@ -7649,7 +9331,7 @@
         </p:nvSpPr>
         <p:spPr>
           <a:xfrm>
-            <a:off x="9502684" y="5268260"/>
+            <a:off x="9537519" y="5690022"/>
             <a:ext cx="1651862" cy="369332"/>
           </a:xfrm>
           <a:prstGeom prst="rect">
@@ -7683,7 +9365,7 @@
         </p:nvSpPr>
         <p:spPr>
           <a:xfrm>
-            <a:off x="4599308" y="5259323"/>
+            <a:off x="4634143" y="5681085"/>
             <a:ext cx="2993384" cy="369332"/>
           </a:xfrm>
           <a:prstGeom prst="rect">
@@ -7720,7 +9402,7 @@
         </p:nvCxnSpPr>
         <p:spPr>
           <a:xfrm>
-            <a:off x="3565606" y="4176719"/>
+            <a:off x="3600441" y="4598481"/>
             <a:ext cx="694465" cy="0"/>
           </a:xfrm>
           <a:prstGeom prst="straightConnector1">
@@ -7764,7 +9446,7 @@
         </p:nvCxnSpPr>
         <p:spPr>
           <a:xfrm>
-            <a:off x="7809500" y="4176719"/>
+            <a:off x="7844335" y="4598481"/>
             <a:ext cx="694465" cy="0"/>
           </a:xfrm>
           <a:prstGeom prst="straightConnector1">
@@ -7814,7 +9496,7 @@
         </p:blipFill>
         <p:spPr>
           <a:xfrm>
-            <a:off x="4247545" y="3210685"/>
+            <a:off x="4282380" y="3632447"/>
             <a:ext cx="3494935" cy="2029171"/>
           </a:xfrm>
           <a:prstGeom prst="rect">
@@ -7857,7 +9539,7 @@
         </p:blipFill>
         <p:spPr>
           <a:xfrm>
-            <a:off x="8570722" y="3097471"/>
+            <a:off x="8605557" y="3519233"/>
             <a:ext cx="3353053" cy="2135555"/>
           </a:xfrm>
           <a:prstGeom prst="rect">
@@ -7879,6 +9561,41 @@
           </a:effectLst>
         </p:spPr>
       </p:pic>
+      <p:sp>
+        <p:nvSpPr>
+          <p:cNvPr id="2" name="TextBox 1">
+            <a:extLst>
+              <a:ext uri="{FF2B5EF4-FFF2-40B4-BE49-F238E27FC236}">
+                <a16:creationId xmlns:a16="http://schemas.microsoft.com/office/drawing/2014/main" id="{562B7B4C-A3F1-42F7-9E76-48223F347174}"/>
+              </a:ext>
+            </a:extLst>
+          </p:cNvPr>
+          <p:cNvSpPr txBox="1"/>
+          <p:nvPr/>
+        </p:nvSpPr>
+        <p:spPr>
+          <a:xfrm>
+            <a:off x="3227540" y="69920"/>
+            <a:ext cx="5806590" cy="646331"/>
+          </a:xfrm>
+          <a:prstGeom prst="rect">
+            <a:avLst/>
+          </a:prstGeom>
+          <a:noFill/>
+        </p:spPr>
+        <p:txBody>
+          <a:bodyPr wrap="none" rtlCol="0">
+            <a:spAutoFit/>
+          </a:bodyPr>
+          <a:lstStyle/>
+          <a:p>
+            <a:r>
+              <a:rPr lang="en-US" sz="3600" b="1" dirty="0"/>
+              <a:t>EXPLORE THE ENVIRONMENT</a:t>
+            </a:r>
+          </a:p>
+        </p:txBody>
+      </p:sp>
     </p:spTree>
     <p:extLst>
       <p:ext uri="{BB962C8B-B14F-4D97-AF65-F5344CB8AC3E}">
@@ -8178,6 +9895,41 @@
           </p:spPr>
         </p:pic>
       </p:grpSp>
+      <p:sp>
+        <p:nvSpPr>
+          <p:cNvPr id="10" name="TextBox 9">
+            <a:extLst>
+              <a:ext uri="{FF2B5EF4-FFF2-40B4-BE49-F238E27FC236}">
+                <a16:creationId xmlns:a16="http://schemas.microsoft.com/office/drawing/2014/main" id="{B0633A1B-2C7E-4589-A1DB-D278C850A745}"/>
+              </a:ext>
+            </a:extLst>
+          </p:cNvPr>
+          <p:cNvSpPr txBox="1"/>
+          <p:nvPr/>
+        </p:nvSpPr>
+        <p:spPr>
+          <a:xfrm>
+            <a:off x="5307322" y="679523"/>
+            <a:ext cx="1577355" cy="646331"/>
+          </a:xfrm>
+          <a:prstGeom prst="rect">
+            <a:avLst/>
+          </a:prstGeom>
+          <a:noFill/>
+        </p:spPr>
+        <p:txBody>
+          <a:bodyPr wrap="none" rtlCol="0">
+            <a:spAutoFit/>
+          </a:bodyPr>
+          <a:lstStyle/>
+          <a:p>
+            <a:r>
+              <a:rPr lang="en-US" sz="3600" b="1" dirty="0"/>
+              <a:t>Ready?</a:t>
+            </a:r>
+          </a:p>
+        </p:txBody>
+      </p:sp>
     </p:spTree>
     <p:extLst>
       <p:ext uri="{BB962C8B-B14F-4D97-AF65-F5344CB8AC3E}">
@@ -8552,6 +10304,50 @@
           <a:chExt cx="0" cy="0"/>
         </a:xfrm>
       </p:grpSpPr>
+      <p:pic>
+        <p:nvPicPr>
+          <p:cNvPr id="2" name="Picture 1">
+            <a:extLst>
+              <a:ext uri="{FF2B5EF4-FFF2-40B4-BE49-F238E27FC236}">
+                <a16:creationId xmlns:a16="http://schemas.microsoft.com/office/drawing/2014/main" id="{BF790C99-6738-4215-9693-E4722C8BEB18}"/>
+              </a:ext>
+            </a:extLst>
+          </p:cNvPr>
+          <p:cNvPicPr>
+            <a:picLocks noChangeAspect="1"/>
+          </p:cNvPicPr>
+          <p:nvPr/>
+        </p:nvPicPr>
+        <p:blipFill>
+          <a:blip r:embed="rId2"/>
+          <a:stretch>
+            <a:fillRect/>
+          </a:stretch>
+        </p:blipFill>
+        <p:spPr>
+          <a:xfrm>
+            <a:off x="3643984" y="2864884"/>
+            <a:ext cx="4745736" cy="2639544"/>
+          </a:xfrm>
+          <a:prstGeom prst="rect">
+            <a:avLst/>
+          </a:prstGeom>
+          <a:ln w="38100" cap="sq">
+            <a:solidFill>
+              <a:srgbClr val="000000"/>
+            </a:solidFill>
+            <a:prstDash val="solid"/>
+            <a:miter lim="800000"/>
+          </a:ln>
+          <a:effectLst>
+            <a:outerShdw blurRad="50800" dist="38100" dir="2700000" algn="tl" rotWithShape="0">
+              <a:srgbClr val="000000">
+                <a:alpha val="43000"/>
+              </a:srgbClr>
+            </a:outerShdw>
+          </a:effectLst>
+        </p:spPr>
+      </p:pic>
       <p:sp>
         <p:nvSpPr>
           <p:cNvPr id="3" name="Content Placeholder 2">
@@ -8570,7 +10366,7 @@
         </p:nvSpPr>
         <p:spPr>
           <a:xfrm>
-            <a:off x="645999" y="93696"/>
+            <a:off x="316815" y="591354"/>
             <a:ext cx="10900000" cy="3190139"/>
           </a:xfrm>
         </p:spPr>
@@ -8583,14 +10379,7 @@
             <a:pPr marL="0" indent="0" algn="ctr">
               <a:buNone/>
             </a:pPr>
-            <a:r>
-              <a:rPr lang="en-US" sz="3900" b="1" dirty="0"/>
-              <a:t>BONUS PAY: </a:t>
-            </a:r>
-            <a:r>
-              <a:rPr lang="en-US" sz="3900" dirty="0"/>
-              <a:t>FINDING MONEY</a:t>
-            </a:r>
+            <a:endParaRPr lang="en-US" sz="2400" dirty="0"/>
           </a:p>
           <a:p>
             <a:pPr marL="0" indent="0" algn="ctr">
@@ -8622,7 +10411,7 @@
                   <a:srgbClr val="FF0000"/>
                 </a:solidFill>
               </a:rPr>
-              <a:t>Collected total </a:t>
+              <a:t>Collected </a:t>
             </a:r>
             <a:r>
               <a:rPr lang="en-US" sz="2400" dirty="0"/>
@@ -8631,131 +10420,130 @@
           </a:p>
         </p:txBody>
       </p:sp>
-      <p:grpSp>
-        <p:nvGrpSpPr>
-          <p:cNvPr id="15" name="Group 14">
-            <a:extLst>
-              <a:ext uri="{FF2B5EF4-FFF2-40B4-BE49-F238E27FC236}">
-                <a16:creationId xmlns:a16="http://schemas.microsoft.com/office/drawing/2014/main" id="{67096099-4EC7-854E-B757-15BCDC4E2FC0}"/>
-              </a:ext>
-            </a:extLst>
-          </p:cNvPr>
-          <p:cNvGrpSpPr/>
+      <p:pic>
+        <p:nvPicPr>
+          <p:cNvPr id="20" name="Graphic 19" descr="Volume">
+            <a:extLst>
+              <a:ext uri="{FF2B5EF4-FFF2-40B4-BE49-F238E27FC236}">
+                <a16:creationId xmlns:a16="http://schemas.microsoft.com/office/drawing/2014/main" id="{9ACC0D04-C18E-4F48-851B-1BF5106C7873}"/>
+              </a:ext>
+            </a:extLst>
+          </p:cNvPr>
+          <p:cNvPicPr>
+            <a:picLocks noChangeAspect="1"/>
+          </p:cNvPicPr>
           <p:nvPr/>
-        </p:nvGrpSpPr>
-        <p:grpSpPr>
-          <a:xfrm>
-            <a:off x="3645879" y="2396854"/>
-            <a:ext cx="5186500" cy="2907609"/>
-            <a:chOff x="3502750" y="3622246"/>
-            <a:chExt cx="5186500" cy="2907609"/>
-          </a:xfrm>
-        </p:grpSpPr>
-        <p:pic>
-          <p:nvPicPr>
-            <p:cNvPr id="16" name="Picture 15">
-              <a:extLst>
-                <a:ext uri="{FF2B5EF4-FFF2-40B4-BE49-F238E27FC236}">
-                  <a16:creationId xmlns:a16="http://schemas.microsoft.com/office/drawing/2014/main" id="{624415E9-69BE-3149-934B-F93D5BA69A9A}"/>
-                </a:ext>
-              </a:extLst>
-            </p:cNvPr>
-            <p:cNvPicPr>
-              <a:picLocks noChangeAspect="1"/>
-            </p:cNvPicPr>
-            <p:nvPr/>
-          </p:nvPicPr>
-          <p:blipFill>
-            <a:blip r:embed="rId2"/>
-            <a:stretch>
-              <a:fillRect/>
-            </a:stretch>
-          </p:blipFill>
-          <p:spPr>
-            <a:xfrm>
-              <a:off x="3502750" y="3622246"/>
-              <a:ext cx="5186500" cy="2907609"/>
-            </a:xfrm>
-            <a:prstGeom prst="rect">
-              <a:avLst/>
-            </a:prstGeom>
-            <a:ln w="38100" cap="sq">
-              <a:solidFill>
-                <a:srgbClr val="000000"/>
-              </a:solidFill>
-              <a:prstDash val="solid"/>
-              <a:miter lim="800000"/>
-            </a:ln>
-            <a:effectLst>
-              <a:outerShdw blurRad="50800" dist="38100" dir="2700000" algn="tl" rotWithShape="0">
-                <a:srgbClr val="000000">
-                  <a:alpha val="43000"/>
-                </a:srgbClr>
-              </a:outerShdw>
-            </a:effectLst>
-          </p:spPr>
-        </p:pic>
-        <p:sp>
-          <p:nvSpPr>
-            <p:cNvPr id="17" name="Rectangle 16">
-              <a:extLst>
-                <a:ext uri="{FF2B5EF4-FFF2-40B4-BE49-F238E27FC236}">
-                  <a16:creationId xmlns:a16="http://schemas.microsoft.com/office/drawing/2014/main" id="{9562C329-3B11-0A42-B72D-932811AD5BFD}"/>
-                </a:ext>
-              </a:extLst>
-            </p:cNvPr>
-            <p:cNvSpPr/>
-            <p:nvPr/>
-          </p:nvSpPr>
-          <p:spPr>
-            <a:xfrm>
-              <a:off x="5599042" y="3622246"/>
-              <a:ext cx="939544" cy="209265"/>
-            </a:xfrm>
-            <a:prstGeom prst="rect">
-              <a:avLst/>
-            </a:prstGeom>
-            <a:solidFill>
-              <a:schemeClr val="tx1"/>
-            </a:solidFill>
-            <a:ln>
-              <a:solidFill>
-                <a:schemeClr val="tx1"/>
-              </a:solidFill>
-            </a:ln>
-          </p:spPr>
-          <p:style>
-            <a:lnRef idx="2">
-              <a:schemeClr val="accent1">
-                <a:shade val="50000"/>
-              </a:schemeClr>
-            </a:lnRef>
-            <a:fillRef idx="1">
-              <a:schemeClr val="accent1"/>
-            </a:fillRef>
-            <a:effectRef idx="0">
-              <a:schemeClr val="accent1"/>
-            </a:effectRef>
-            <a:fontRef idx="minor">
-              <a:schemeClr val="lt1"/>
-            </a:fontRef>
-          </p:style>
-          <p:txBody>
-            <a:bodyPr rtlCol="0" anchor="ctr"/>
-            <a:lstStyle/>
-            <a:p>
-              <a:pPr algn="ctr"/>
-              <a:endParaRPr lang="en-US"/>
-            </a:p>
-          </p:txBody>
-        </p:sp>
-      </p:grpSp>
-      <p:sp>
-        <p:nvSpPr>
-          <p:cNvPr id="18" name="Oval 17">
-            <a:extLst>
-              <a:ext uri="{FF2B5EF4-FFF2-40B4-BE49-F238E27FC236}">
-                <a16:creationId xmlns:a16="http://schemas.microsoft.com/office/drawing/2014/main" id="{9DD60293-AD3A-AB4E-A950-AF3EDCE003F1}"/>
+        </p:nvPicPr>
+        <p:blipFill>
+          <a:blip r:embed="rId3">
+            <a:extLst>
+              <a:ext uri="{28A0092B-C50C-407E-A947-70E740481C1C}">
+                <a14:useLocalDpi xmlns:a14="http://schemas.microsoft.com/office/drawing/2010/main" val="0"/>
+              </a:ext>
+              <a:ext uri="{96DAC541-7B7A-43D3-8B79-37D633B846F1}">
+                <asvg:svgBlip xmlns:asvg="http://schemas.microsoft.com/office/drawing/2016/SVG/main" r:embed="rId4"/>
+              </a:ext>
+            </a:extLst>
+          </a:blip>
+          <a:stretch>
+            <a:fillRect/>
+          </a:stretch>
+        </p:blipFill>
+        <p:spPr>
+          <a:xfrm>
+            <a:off x="4116631" y="4321816"/>
+            <a:ext cx="914400" cy="914400"/>
+          </a:xfrm>
+          <a:prstGeom prst="rect">
+            <a:avLst/>
+          </a:prstGeom>
+        </p:spPr>
+      </p:pic>
+      <p:sp>
+        <p:nvSpPr>
+          <p:cNvPr id="11" name="TextBox 10">
+            <a:extLst>
+              <a:ext uri="{FF2B5EF4-FFF2-40B4-BE49-F238E27FC236}">
+                <a16:creationId xmlns:a16="http://schemas.microsoft.com/office/drawing/2014/main" id="{5F18D651-AD59-D242-AD72-2FF3F8A58A5C}"/>
+              </a:ext>
+            </a:extLst>
+          </p:cNvPr>
+          <p:cNvSpPr txBox="1"/>
+          <p:nvPr/>
+        </p:nvSpPr>
+        <p:spPr>
+          <a:xfrm>
+            <a:off x="3643984" y="6375435"/>
+            <a:ext cx="4782193" cy="461665"/>
+          </a:xfrm>
+          <a:prstGeom prst="rect">
+            <a:avLst/>
+          </a:prstGeom>
+          <a:noFill/>
+        </p:spPr>
+        <p:txBody>
+          <a:bodyPr wrap="square" rtlCol="0">
+            <a:spAutoFit/>
+          </a:bodyPr>
+          <a:lstStyle/>
+          <a:p>
+            <a:pPr algn="ctr"/>
+            <a:r>
+              <a:rPr lang="en-US" sz="2400" b="1" dirty="0">
+                <a:solidFill>
+                  <a:schemeClr val="accent6"/>
+                </a:solidFill>
+              </a:rPr>
+              <a:t>Do you have any Questions?</a:t>
+            </a:r>
+          </a:p>
+        </p:txBody>
+      </p:sp>
+      <p:sp>
+        <p:nvSpPr>
+          <p:cNvPr id="4" name="TextBox 3">
+            <a:extLst>
+              <a:ext uri="{FF2B5EF4-FFF2-40B4-BE49-F238E27FC236}">
+                <a16:creationId xmlns:a16="http://schemas.microsoft.com/office/drawing/2014/main" id="{EE03DBE6-70E9-439B-BE7C-CC7EAAE28443}"/>
+              </a:ext>
+            </a:extLst>
+          </p:cNvPr>
+          <p:cNvSpPr txBox="1"/>
+          <p:nvPr/>
+        </p:nvSpPr>
+        <p:spPr>
+          <a:xfrm>
+            <a:off x="5268922" y="2911511"/>
+            <a:ext cx="1495859" cy="276999"/>
+          </a:xfrm>
+          <a:prstGeom prst="rect">
+            <a:avLst/>
+          </a:prstGeom>
+          <a:noFill/>
+        </p:spPr>
+        <p:txBody>
+          <a:bodyPr wrap="none" rtlCol="0">
+            <a:spAutoFit/>
+          </a:bodyPr>
+          <a:lstStyle/>
+          <a:p>
+            <a:r>
+              <a:rPr lang="en-US" sz="1200" b="1" dirty="0">
+                <a:solidFill>
+                  <a:srgbClr val="FF0000"/>
+                </a:solidFill>
+              </a:rPr>
+              <a:t>Money Collected: 0¢</a:t>
+            </a:r>
+          </a:p>
+        </p:txBody>
+      </p:sp>
+      <p:sp>
+        <p:nvSpPr>
+          <p:cNvPr id="5" name="Rectangle 4">
+            <a:extLst>
+              <a:ext uri="{FF2B5EF4-FFF2-40B4-BE49-F238E27FC236}">
+                <a16:creationId xmlns:a16="http://schemas.microsoft.com/office/drawing/2014/main" id="{7D6DEB30-D6EF-453E-9C76-BA9B6A8E75F0}"/>
               </a:ext>
             </a:extLst>
           </p:cNvPr>
@@ -8764,10 +10552,10 @@
         </p:nvSpPr>
         <p:spPr>
           <a:xfrm>
-            <a:off x="5338516" y="2313955"/>
-            <a:ext cx="1545404" cy="570744"/>
-          </a:xfrm>
-          <a:prstGeom prst="ellipse">
+            <a:off x="5268922" y="2844474"/>
+            <a:ext cx="1466614" cy="400050"/>
+          </a:xfrm>
+          <a:prstGeom prst="rect">
             <a:avLst/>
           </a:prstGeom>
           <a:noFill/>
@@ -8802,260 +10590,257 @@
           </a:p>
         </p:txBody>
       </p:sp>
-      <p:sp>
-        <p:nvSpPr>
-          <p:cNvPr id="19" name="TextBox 18">
-            <a:extLst>
-              <a:ext uri="{FF2B5EF4-FFF2-40B4-BE49-F238E27FC236}">
-                <a16:creationId xmlns:a16="http://schemas.microsoft.com/office/drawing/2014/main" id="{1EC9A2AC-2FB9-A749-B8A4-07C7CA48FE6F}"/>
-              </a:ext>
-            </a:extLst>
-          </p:cNvPr>
-          <p:cNvSpPr txBox="1"/>
+      <p:cxnSp>
+        <p:nvCxnSpPr>
+          <p:cNvPr id="14" name="Straight Arrow Connector 13">
+            <a:extLst>
+              <a:ext uri="{FF2B5EF4-FFF2-40B4-BE49-F238E27FC236}">
+                <a16:creationId xmlns:a16="http://schemas.microsoft.com/office/drawing/2014/main" id="{52683753-D5DD-47DE-8DC1-870BA100C0BE}"/>
+              </a:ext>
+            </a:extLst>
+          </p:cNvPr>
+          <p:cNvCxnSpPr>
+            <a:cxnSpLocks/>
+          </p:cNvCxnSpPr>
           <p:nvPr/>
-        </p:nvSpPr>
+        </p:nvCxnSpPr>
         <p:spPr>
           <a:xfrm>
-            <a:off x="5214241" y="1984123"/>
-            <a:ext cx="1793953" cy="369332"/>
-          </a:xfrm>
-          <a:prstGeom prst="rect">
+            <a:off x="4420961" y="2124486"/>
+            <a:ext cx="787853" cy="626515"/>
+          </a:xfrm>
+          <a:prstGeom prst="straightConnector1">
             <a:avLst/>
           </a:prstGeom>
-          <a:noFill/>
+          <a:ln w="57150">
+            <a:solidFill>
+              <a:srgbClr val="FF0000"/>
+            </a:solidFill>
+            <a:tailEnd type="triangle"/>
+          </a:ln>
         </p:spPr>
-        <p:txBody>
-          <a:bodyPr wrap="none" rtlCol="0">
-            <a:spAutoFit/>
-          </a:bodyPr>
-          <a:lstStyle/>
-          <a:p>
-            <a:pPr algn="ctr"/>
-            <a:r>
-              <a:rPr lang="en-US" b="1" dirty="0">
-                <a:solidFill>
-                  <a:srgbClr val="FF0000"/>
-                </a:solidFill>
-              </a:rPr>
-              <a:t>Money </a:t>
-            </a:r>
-            <a:r>
-              <a:rPr lang="en-US" altLang="zh-CN" b="1" dirty="0">
-                <a:solidFill>
-                  <a:srgbClr val="FF0000"/>
-                </a:solidFill>
-              </a:rPr>
-              <a:t>Collected</a:t>
-            </a:r>
-            <a:endParaRPr lang="en-US" b="1" dirty="0">
-              <a:solidFill>
-                <a:srgbClr val="FF0000"/>
-              </a:solidFill>
-            </a:endParaRPr>
-          </a:p>
-        </p:txBody>
-      </p:sp>
-      <p:pic>
-        <p:nvPicPr>
-          <p:cNvPr id="20" name="Graphic 19" descr="Volume">
-            <a:extLst>
-              <a:ext uri="{FF2B5EF4-FFF2-40B4-BE49-F238E27FC236}">
-                <a16:creationId xmlns:a16="http://schemas.microsoft.com/office/drawing/2014/main" id="{9ACC0D04-C18E-4F48-851B-1BF5106C7873}"/>
-              </a:ext>
-            </a:extLst>
-          </p:cNvPr>
-          <p:cNvPicPr>
-            <a:picLocks noChangeAspect="1"/>
-          </p:cNvPicPr>
+        <p:style>
+          <a:lnRef idx="1">
+            <a:schemeClr val="accent1"/>
+          </a:lnRef>
+          <a:fillRef idx="0">
+            <a:schemeClr val="accent1"/>
+          </a:fillRef>
+          <a:effectRef idx="0">
+            <a:schemeClr val="accent1"/>
+          </a:effectRef>
+          <a:fontRef idx="minor">
+            <a:schemeClr val="tx1"/>
+          </a:fontRef>
+        </p:style>
+      </p:cxnSp>
+      <p:sp>
+        <p:nvSpPr>
+          <p:cNvPr id="9" name="Content Placeholder 2">
+            <a:extLst>
+              <a:ext uri="{FF2B5EF4-FFF2-40B4-BE49-F238E27FC236}">
+                <a16:creationId xmlns:a16="http://schemas.microsoft.com/office/drawing/2014/main" id="{6CC93E5E-CC08-4BB9-BD9E-53D411343E3F}"/>
+              </a:ext>
+            </a:extLst>
+          </p:cNvPr>
+          <p:cNvSpPr txBox="1">
+            <a:spLocks/>
+          </p:cNvSpPr>
           <p:nvPr/>
-        </p:nvPicPr>
-        <p:blipFill>
-          <a:blip r:embed="rId3">
-            <a:extLst>
-              <a:ext uri="{28A0092B-C50C-407E-A947-70E740481C1C}">
-                <a14:useLocalDpi xmlns:a14="http://schemas.microsoft.com/office/drawing/2010/main" val="0"/>
-              </a:ext>
-              <a:ext uri="{96DAC541-7B7A-43D3-8B79-37D633B846F1}">
-                <asvg:svgBlip xmlns:asvg="http://schemas.microsoft.com/office/drawing/2016/SVG/main" r:embed="rId4"/>
-              </a:ext>
-            </a:extLst>
-          </a:blip>
-          <a:stretch>
-            <a:fillRect/>
-          </a:stretch>
-        </p:blipFill>
+        </p:nvSpPr>
         <p:spPr>
           <a:xfrm>
-            <a:off x="4587547" y="3229798"/>
-            <a:ext cx="914400" cy="914400"/>
+            <a:off x="132944" y="303305"/>
+            <a:ext cx="11926111" cy="576098"/>
           </a:xfrm>
           <a:prstGeom prst="rect">
             <a:avLst/>
           </a:prstGeom>
         </p:spPr>
-      </p:pic>
-      <p:sp>
-        <p:nvSpPr>
-          <p:cNvPr id="21" name="TextBox 20">
-            <a:extLst>
-              <a:ext uri="{FF2B5EF4-FFF2-40B4-BE49-F238E27FC236}">
-                <a16:creationId xmlns:a16="http://schemas.microsoft.com/office/drawing/2014/main" id="{52742649-75C5-7145-ADF4-87EAF5279214}"/>
-              </a:ext>
-            </a:extLst>
-          </p:cNvPr>
-          <p:cNvSpPr txBox="1"/>
-          <p:nvPr/>
-        </p:nvSpPr>
-        <p:spPr>
-          <a:xfrm>
-            <a:off x="5277935" y="2346927"/>
-            <a:ext cx="1666567" cy="461665"/>
-          </a:xfrm>
-          <a:prstGeom prst="rect">
-            <a:avLst/>
-          </a:prstGeom>
-          <a:noFill/>
-        </p:spPr>
-        <p:txBody>
-          <a:bodyPr wrap="square" rtlCol="0">
-            <a:spAutoFit/>
+        <p:txBody>
+          <a:bodyPr vert="horz" lIns="91440" tIns="45720" rIns="91440" bIns="45720" rtlCol="0">
+            <a:normAutofit lnSpcReduction="10000"/>
           </a:bodyPr>
-          <a:lstStyle/>
-          <a:p>
-            <a:pPr algn="ctr"/>
-            <a:r>
-              <a:rPr lang="en-US" altLang="zh-CN" sz="1200" dirty="0">
-                <a:solidFill>
-                  <a:srgbClr val="00B050"/>
-                </a:solidFill>
-              </a:rPr>
-              <a:t>Find</a:t>
-            </a:r>
-            <a:r>
-              <a:rPr lang="zh-CN" altLang="en-US" sz="1200" dirty="0">
-                <a:solidFill>
-                  <a:srgbClr val="00B050"/>
-                </a:solidFill>
-              </a:rPr>
-              <a:t> </a:t>
-            </a:r>
-            <a:r>
-              <a:rPr lang="en-US" sz="1200" b="1" dirty="0">
-                <a:solidFill>
-                  <a:schemeClr val="accent6"/>
-                </a:solidFill>
-              </a:rPr>
-              <a:t>10¢</a:t>
-            </a:r>
-            <a:endParaRPr lang="en-US" altLang="zh-CN" sz="1200" dirty="0">
-              <a:solidFill>
-                <a:srgbClr val="00B050"/>
-              </a:solidFill>
-            </a:endParaRPr>
-          </a:p>
-          <a:p>
-            <a:pPr algn="ctr"/>
-            <a:r>
-              <a:rPr lang="en-US" altLang="zh-CN" sz="1200" dirty="0">
-                <a:solidFill>
-                  <a:srgbClr val="00B050"/>
-                </a:solidFill>
-              </a:rPr>
-              <a:t>Money</a:t>
-            </a:r>
-            <a:r>
-              <a:rPr lang="zh-CN" altLang="en-US" sz="1200" dirty="0">
-                <a:solidFill>
-                  <a:srgbClr val="00B050"/>
-                </a:solidFill>
-              </a:rPr>
-              <a:t> </a:t>
-            </a:r>
-            <a:r>
-              <a:rPr lang="en-US" altLang="zh-CN" sz="1200" dirty="0">
-                <a:solidFill>
-                  <a:srgbClr val="00B050"/>
-                </a:solidFill>
-              </a:rPr>
-              <a:t>Collected:</a:t>
-            </a:r>
-            <a:r>
-              <a:rPr lang="zh-CN" altLang="en-US" sz="1200" dirty="0">
-                <a:solidFill>
-                  <a:srgbClr val="00B050"/>
-                </a:solidFill>
-              </a:rPr>
-              <a:t> </a:t>
-            </a:r>
-            <a:r>
-              <a:rPr lang="en-US" altLang="zh-CN" sz="1200" dirty="0">
-                <a:solidFill>
-                  <a:srgbClr val="00B050"/>
-                </a:solidFill>
-              </a:rPr>
-              <a:t>$</a:t>
-            </a:r>
-            <a:r>
-              <a:rPr lang="zh-CN" altLang="en-US" sz="1200" dirty="0">
-                <a:solidFill>
-                  <a:srgbClr val="00B050"/>
-                </a:solidFill>
-              </a:rPr>
-              <a:t> </a:t>
-            </a:r>
-            <a:r>
-              <a:rPr lang="en-US" altLang="zh-CN" sz="1200" dirty="0">
-                <a:solidFill>
-                  <a:srgbClr val="00B050"/>
-                </a:solidFill>
-              </a:rPr>
-              <a:t>0</a:t>
-            </a:r>
-            <a:endParaRPr lang="en-US" sz="1200" dirty="0">
-              <a:solidFill>
-                <a:srgbClr val="00B050"/>
-              </a:solidFill>
-            </a:endParaRPr>
-          </a:p>
-        </p:txBody>
-      </p:sp>
-      <p:sp>
-        <p:nvSpPr>
-          <p:cNvPr id="11" name="TextBox 10">
-            <a:extLst>
-              <a:ext uri="{FF2B5EF4-FFF2-40B4-BE49-F238E27FC236}">
-                <a16:creationId xmlns:a16="http://schemas.microsoft.com/office/drawing/2014/main" id="{5F18D651-AD59-D242-AD72-2FF3F8A58A5C}"/>
-              </a:ext>
-            </a:extLst>
-          </p:cNvPr>
-          <p:cNvSpPr txBox="1"/>
-          <p:nvPr/>
-        </p:nvSpPr>
-        <p:spPr>
-          <a:xfrm>
-            <a:off x="3643984" y="5877777"/>
-            <a:ext cx="4782193" cy="461665"/>
-          </a:xfrm>
-          <a:prstGeom prst="rect">
-            <a:avLst/>
-          </a:prstGeom>
-          <a:noFill/>
-        </p:spPr>
-        <p:txBody>
-          <a:bodyPr wrap="square" rtlCol="0">
-            <a:spAutoFit/>
-          </a:bodyPr>
-          <a:lstStyle/>
-          <a:p>
-            <a:pPr algn="ctr"/>
-            <a:r>
-              <a:rPr lang="en-US" sz="2400" b="1" dirty="0">
-                <a:solidFill>
-                  <a:schemeClr val="accent6"/>
-                </a:solidFill>
-              </a:rPr>
-              <a:t>Do you have any Questions?</a:t>
-            </a:r>
+          <a:lstStyle>
+            <a:lvl1pPr marL="228600" indent="-228600" algn="l" defTabSz="914400" rtl="0" eaLnBrk="1" latinLnBrk="0" hangingPunct="1">
+              <a:lnSpc>
+                <a:spcPct val="90000"/>
+              </a:lnSpc>
+              <a:spcBef>
+                <a:spcPts val="1000"/>
+              </a:spcBef>
+              <a:buFont typeface="Arial" panose="020B0604020202020204" pitchFamily="34" charset="0"/>
+              <a:buChar char="•"/>
+              <a:defRPr sz="2800" kern="1200">
+                <a:solidFill>
+                  <a:schemeClr val="tx1"/>
+                </a:solidFill>
+                <a:latin typeface="+mn-lt"/>
+                <a:ea typeface="+mn-ea"/>
+                <a:cs typeface="+mn-cs"/>
+              </a:defRPr>
+            </a:lvl1pPr>
+            <a:lvl2pPr marL="685800" indent="-228600" algn="l" defTabSz="914400" rtl="0" eaLnBrk="1" latinLnBrk="0" hangingPunct="1">
+              <a:lnSpc>
+                <a:spcPct val="90000"/>
+              </a:lnSpc>
+              <a:spcBef>
+                <a:spcPts val="500"/>
+              </a:spcBef>
+              <a:buFont typeface="Arial" panose="020B0604020202020204" pitchFamily="34" charset="0"/>
+              <a:buChar char="•"/>
+              <a:defRPr sz="2400" kern="1200">
+                <a:solidFill>
+                  <a:schemeClr val="tx1"/>
+                </a:solidFill>
+                <a:latin typeface="+mn-lt"/>
+                <a:ea typeface="+mn-ea"/>
+                <a:cs typeface="+mn-cs"/>
+              </a:defRPr>
+            </a:lvl2pPr>
+            <a:lvl3pPr marL="1143000" indent="-228600" algn="l" defTabSz="914400" rtl="0" eaLnBrk="1" latinLnBrk="0" hangingPunct="1">
+              <a:lnSpc>
+                <a:spcPct val="90000"/>
+              </a:lnSpc>
+              <a:spcBef>
+                <a:spcPts val="500"/>
+              </a:spcBef>
+              <a:buFont typeface="Arial" panose="020B0604020202020204" pitchFamily="34" charset="0"/>
+              <a:buChar char="•"/>
+              <a:defRPr sz="2000" kern="1200">
+                <a:solidFill>
+                  <a:schemeClr val="tx1"/>
+                </a:solidFill>
+                <a:latin typeface="+mn-lt"/>
+                <a:ea typeface="+mn-ea"/>
+                <a:cs typeface="+mn-cs"/>
+              </a:defRPr>
+            </a:lvl3pPr>
+            <a:lvl4pPr marL="1600200" indent="-228600" algn="l" defTabSz="914400" rtl="0" eaLnBrk="1" latinLnBrk="0" hangingPunct="1">
+              <a:lnSpc>
+                <a:spcPct val="90000"/>
+              </a:lnSpc>
+              <a:spcBef>
+                <a:spcPts val="500"/>
+              </a:spcBef>
+              <a:buFont typeface="Arial" panose="020B0604020202020204" pitchFamily="34" charset="0"/>
+              <a:buChar char="•"/>
+              <a:defRPr sz="1800" kern="1200">
+                <a:solidFill>
+                  <a:schemeClr val="tx1"/>
+                </a:solidFill>
+                <a:latin typeface="+mn-lt"/>
+                <a:ea typeface="+mn-ea"/>
+                <a:cs typeface="+mn-cs"/>
+              </a:defRPr>
+            </a:lvl4pPr>
+            <a:lvl5pPr marL="2057400" indent="-228600" algn="l" defTabSz="914400" rtl="0" eaLnBrk="1" latinLnBrk="0" hangingPunct="1">
+              <a:lnSpc>
+                <a:spcPct val="90000"/>
+              </a:lnSpc>
+              <a:spcBef>
+                <a:spcPts val="500"/>
+              </a:spcBef>
+              <a:buFont typeface="Arial" panose="020B0604020202020204" pitchFamily="34" charset="0"/>
+              <a:buChar char="•"/>
+              <a:defRPr sz="1800" kern="1200">
+                <a:solidFill>
+                  <a:schemeClr val="tx1"/>
+                </a:solidFill>
+                <a:latin typeface="+mn-lt"/>
+                <a:ea typeface="+mn-ea"/>
+                <a:cs typeface="+mn-cs"/>
+              </a:defRPr>
+            </a:lvl5pPr>
+            <a:lvl6pPr marL="2514600" indent="-228600" algn="l" defTabSz="914400" rtl="0" eaLnBrk="1" latinLnBrk="0" hangingPunct="1">
+              <a:lnSpc>
+                <a:spcPct val="90000"/>
+              </a:lnSpc>
+              <a:spcBef>
+                <a:spcPts val="500"/>
+              </a:spcBef>
+              <a:buFont typeface="Arial" panose="020B0604020202020204" pitchFamily="34" charset="0"/>
+              <a:buChar char="•"/>
+              <a:defRPr sz="1800" kern="1200">
+                <a:solidFill>
+                  <a:schemeClr val="tx1"/>
+                </a:solidFill>
+                <a:latin typeface="+mn-lt"/>
+                <a:ea typeface="+mn-ea"/>
+                <a:cs typeface="+mn-cs"/>
+              </a:defRPr>
+            </a:lvl6pPr>
+            <a:lvl7pPr marL="2971800" indent="-228600" algn="l" defTabSz="914400" rtl="0" eaLnBrk="1" latinLnBrk="0" hangingPunct="1">
+              <a:lnSpc>
+                <a:spcPct val="90000"/>
+              </a:lnSpc>
+              <a:spcBef>
+                <a:spcPts val="500"/>
+              </a:spcBef>
+              <a:buFont typeface="Arial" panose="020B0604020202020204" pitchFamily="34" charset="0"/>
+              <a:buChar char="•"/>
+              <a:defRPr sz="1800" kern="1200">
+                <a:solidFill>
+                  <a:schemeClr val="tx1"/>
+                </a:solidFill>
+                <a:latin typeface="+mn-lt"/>
+                <a:ea typeface="+mn-ea"/>
+                <a:cs typeface="+mn-cs"/>
+              </a:defRPr>
+            </a:lvl7pPr>
+            <a:lvl8pPr marL="3429000" indent="-228600" algn="l" defTabSz="914400" rtl="0" eaLnBrk="1" latinLnBrk="0" hangingPunct="1">
+              <a:lnSpc>
+                <a:spcPct val="90000"/>
+              </a:lnSpc>
+              <a:spcBef>
+                <a:spcPts val="500"/>
+              </a:spcBef>
+              <a:buFont typeface="Arial" panose="020B0604020202020204" pitchFamily="34" charset="0"/>
+              <a:buChar char="•"/>
+              <a:defRPr sz="1800" kern="1200">
+                <a:solidFill>
+                  <a:schemeClr val="tx1"/>
+                </a:solidFill>
+                <a:latin typeface="+mn-lt"/>
+                <a:ea typeface="+mn-ea"/>
+                <a:cs typeface="+mn-cs"/>
+              </a:defRPr>
+            </a:lvl8pPr>
+            <a:lvl9pPr marL="3886200" indent="-228600" algn="l" defTabSz="914400" rtl="0" eaLnBrk="1" latinLnBrk="0" hangingPunct="1">
+              <a:lnSpc>
+                <a:spcPct val="90000"/>
+              </a:lnSpc>
+              <a:spcBef>
+                <a:spcPts val="500"/>
+              </a:spcBef>
+              <a:buFont typeface="Arial" panose="020B0604020202020204" pitchFamily="34" charset="0"/>
+              <a:buChar char="•"/>
+              <a:defRPr sz="1800" kern="1200">
+                <a:solidFill>
+                  <a:schemeClr val="tx1"/>
+                </a:solidFill>
+                <a:latin typeface="+mn-lt"/>
+                <a:ea typeface="+mn-ea"/>
+                <a:cs typeface="+mn-cs"/>
+              </a:defRPr>
+            </a:lvl9pPr>
+          </a:lstStyle>
+          <a:p>
+            <a:pPr marL="0" indent="0" algn="ctr">
+              <a:buFont typeface="Arial" panose="020B0604020202020204" pitchFamily="34" charset="0"/>
+              <a:buNone/>
+            </a:pPr>
+            <a:r>
+              <a:rPr lang="en-US" sz="3600" b="1" dirty="0"/>
+              <a:t>Collecting Money</a:t>
+            </a:r>
+          </a:p>
+          <a:p>
+            <a:pPr marL="0" indent="0" algn="ctr">
+              <a:buFont typeface="Arial" panose="020B0604020202020204" pitchFamily="34" charset="0"/>
+              <a:buNone/>
+            </a:pPr>
+            <a:endParaRPr lang="en-US" sz="2400" dirty="0"/>
           </a:p>
         </p:txBody>
       </p:sp>
@@ -9322,7 +11107,7 @@
         </p:nvSpPr>
         <p:spPr>
           <a:xfrm>
-            <a:off x="132944" y="362789"/>
+            <a:off x="132944" y="855160"/>
             <a:ext cx="11926111" cy="3265628"/>
           </a:xfrm>
         </p:spPr>
@@ -9336,12 +11121,24 @@
               <a:buNone/>
             </a:pPr>
             <a:r>
-              <a:rPr lang="en-US" sz="3600" b="1" dirty="0"/>
-              <a:t>BONUS PAY: </a:t>
-            </a:r>
-            <a:r>
-              <a:rPr lang="en-US" sz="3600" dirty="0"/>
-              <a:t>MONEY COLLECTION ROUNDS</a:t>
+              <a:rPr lang="en-US" sz="2400" dirty="0"/>
+              <a:t>Your next task is to collect as much as possible in each of the following </a:t>
+            </a:r>
+            <a:r>
+              <a:rPr lang="en-US" sz="2400" b="1" i="1" dirty="0"/>
+              <a:t>Money</a:t>
+            </a:r>
+            <a:r>
+              <a:rPr lang="en-US" sz="2400" dirty="0"/>
+              <a:t> </a:t>
+            </a:r>
+            <a:r>
+              <a:rPr lang="en-US" sz="2400" b="1" i="1" dirty="0"/>
+              <a:t>Collection Rounds</a:t>
+            </a:r>
+            <a:r>
+              <a:rPr lang="en-US" sz="2400" dirty="0"/>
+              <a:t>. On each round, you will be placed into the environment at a random location. </a:t>
             </a:r>
           </a:p>
           <a:p>
@@ -9350,31 +11147,6 @@
             </a:pPr>
             <a:r>
               <a:rPr lang="en-US" sz="2400" dirty="0"/>
-              <a:t>You next task is to collect as much as possible in each of the following </a:t>
-            </a:r>
-            <a:r>
-              <a:rPr lang="en-US" sz="2400" b="1" i="1" dirty="0"/>
-              <a:t>Money</a:t>
-            </a:r>
-            <a:r>
-              <a:rPr lang="en-US" sz="2400" dirty="0"/>
-              <a:t> </a:t>
-            </a:r>
-            <a:r>
-              <a:rPr lang="en-US" sz="2400" b="1" i="1" dirty="0"/>
-              <a:t>Collection Rounds</a:t>
-            </a:r>
-            <a:r>
-              <a:rPr lang="en-US" sz="2400" dirty="0"/>
-              <a:t>. On each round, you will be placed into the environment at a random location. </a:t>
-            </a:r>
-          </a:p>
-          <a:p>
-            <a:pPr marL="0" indent="0" algn="ctr">
-              <a:buNone/>
-            </a:pPr>
-            <a:r>
-              <a:rPr lang="en-US" sz="2400" dirty="0"/>
               <a:t>Once you’re in the environment you will have </a:t>
             </a:r>
             <a:r>
@@ -9386,11 +11158,7 @@
               <a:t> to </a:t>
             </a:r>
             <a:r>
-              <a:rPr lang="en-US" sz="2400" b="1" dirty="0">
-                <a:solidFill>
-                  <a:srgbClr val="FF0000"/>
-                </a:solidFill>
-              </a:rPr>
+              <a:rPr lang="en-US" sz="2400" b="1" dirty="0"/>
               <a:t>collect as much money as possible!!</a:t>
             </a:r>
             <a:r>
@@ -9406,131 +11174,12 @@
           </a:p>
         </p:txBody>
       </p:sp>
-      <p:grpSp>
-        <p:nvGrpSpPr>
-          <p:cNvPr id="12" name="Group 11">
-            <a:extLst>
-              <a:ext uri="{FF2B5EF4-FFF2-40B4-BE49-F238E27FC236}">
-                <a16:creationId xmlns:a16="http://schemas.microsoft.com/office/drawing/2014/main" id="{46045C89-337D-B942-9DF4-E4E847FAC4E2}"/>
-              </a:ext>
-            </a:extLst>
-          </p:cNvPr>
-          <p:cNvGrpSpPr/>
-          <p:nvPr/>
-        </p:nvGrpSpPr>
-        <p:grpSpPr>
-          <a:xfrm>
-            <a:off x="3641723" y="2900084"/>
-            <a:ext cx="5186500" cy="2907609"/>
-            <a:chOff x="3502750" y="3622246"/>
-            <a:chExt cx="5186500" cy="2907609"/>
-          </a:xfrm>
-        </p:grpSpPr>
-        <p:pic>
-          <p:nvPicPr>
-            <p:cNvPr id="13" name="Picture 12">
-              <a:extLst>
-                <a:ext uri="{FF2B5EF4-FFF2-40B4-BE49-F238E27FC236}">
-                  <a16:creationId xmlns:a16="http://schemas.microsoft.com/office/drawing/2014/main" id="{88525810-C671-1A4D-B919-461676D3F70B}"/>
-                </a:ext>
-              </a:extLst>
-            </p:cNvPr>
-            <p:cNvPicPr>
-              <a:picLocks noChangeAspect="1"/>
-            </p:cNvPicPr>
-            <p:nvPr/>
-          </p:nvPicPr>
-          <p:blipFill>
-            <a:blip r:embed="rId2"/>
-            <a:stretch>
-              <a:fillRect/>
-            </a:stretch>
-          </p:blipFill>
-          <p:spPr>
-            <a:xfrm>
-              <a:off x="3502750" y="3622246"/>
-              <a:ext cx="5186500" cy="2907609"/>
-            </a:xfrm>
-            <a:prstGeom prst="rect">
-              <a:avLst/>
-            </a:prstGeom>
-            <a:ln w="38100" cap="sq">
-              <a:solidFill>
-                <a:srgbClr val="000000"/>
-              </a:solidFill>
-              <a:prstDash val="solid"/>
-              <a:miter lim="800000"/>
-            </a:ln>
-            <a:effectLst>
-              <a:outerShdw blurRad="50800" dist="38100" dir="2700000" algn="tl" rotWithShape="0">
-                <a:srgbClr val="000000">
-                  <a:alpha val="43000"/>
-                </a:srgbClr>
-              </a:outerShdw>
-            </a:effectLst>
-          </p:spPr>
-        </p:pic>
-        <p:sp>
-          <p:nvSpPr>
-            <p:cNvPr id="14" name="Rectangle 13">
-              <a:extLst>
-                <a:ext uri="{FF2B5EF4-FFF2-40B4-BE49-F238E27FC236}">
-                  <a16:creationId xmlns:a16="http://schemas.microsoft.com/office/drawing/2014/main" id="{3211C93A-12BC-6047-95B2-E72CAD0E8159}"/>
-                </a:ext>
-              </a:extLst>
-            </p:cNvPr>
-            <p:cNvSpPr/>
-            <p:nvPr/>
-          </p:nvSpPr>
-          <p:spPr>
-            <a:xfrm>
-              <a:off x="5599042" y="3622246"/>
-              <a:ext cx="939544" cy="209265"/>
-            </a:xfrm>
-            <a:prstGeom prst="rect">
-              <a:avLst/>
-            </a:prstGeom>
-            <a:solidFill>
-              <a:schemeClr val="tx1"/>
-            </a:solidFill>
-            <a:ln>
-              <a:solidFill>
-                <a:schemeClr val="tx1"/>
-              </a:solidFill>
-            </a:ln>
-          </p:spPr>
-          <p:style>
-            <a:lnRef idx="2">
-              <a:schemeClr val="accent1">
-                <a:shade val="50000"/>
-              </a:schemeClr>
-            </a:lnRef>
-            <a:fillRef idx="1">
-              <a:schemeClr val="accent1"/>
-            </a:fillRef>
-            <a:effectRef idx="0">
-              <a:schemeClr val="accent1"/>
-            </a:effectRef>
-            <a:fontRef idx="minor">
-              <a:schemeClr val="lt1"/>
-            </a:fontRef>
-          </p:style>
-          <p:txBody>
-            <a:bodyPr rtlCol="0" anchor="ctr"/>
-            <a:lstStyle/>
-            <a:p>
-              <a:pPr algn="ctr"/>
-              <a:endParaRPr lang="en-US"/>
-            </a:p>
-          </p:txBody>
-        </p:sp>
-      </p:grpSp>
-      <p:sp>
-        <p:nvSpPr>
-          <p:cNvPr id="18" name="TextBox 17">
-            <a:extLst>
-              <a:ext uri="{FF2B5EF4-FFF2-40B4-BE49-F238E27FC236}">
-                <a16:creationId xmlns:a16="http://schemas.microsoft.com/office/drawing/2014/main" id="{0E467AAD-D695-3D47-BECD-FFC7403A372D}"/>
+      <p:sp>
+        <p:nvSpPr>
+          <p:cNvPr id="8" name="TextBox 7">
+            <a:extLst>
+              <a:ext uri="{FF2B5EF4-FFF2-40B4-BE49-F238E27FC236}">
+                <a16:creationId xmlns:a16="http://schemas.microsoft.com/office/drawing/2014/main" id="{6D69B7DF-CC2C-9344-8F1E-4820BF36D0B5}"/>
               </a:ext>
             </a:extLst>
           </p:cNvPr>
@@ -9539,8 +11188,8 @@
         </p:nvSpPr>
         <p:spPr>
           <a:xfrm>
-            <a:off x="5273779" y="2850157"/>
-            <a:ext cx="1666567" cy="461665"/>
+            <a:off x="3886467" y="6182211"/>
+            <a:ext cx="4782193" cy="461665"/>
           </a:xfrm>
           <a:prstGeom prst="rect">
             <a:avLst/>
@@ -9555,115 +11204,315 @@
           <a:p>
             <a:pPr algn="ctr"/>
             <a:r>
-              <a:rPr lang="en-US" altLang="zh-CN" sz="1200" dirty="0">
-                <a:solidFill>
-                  <a:srgbClr val="00B050"/>
+              <a:rPr lang="en-US" sz="2400" b="1" dirty="0">
+                <a:solidFill>
+                  <a:schemeClr val="accent6"/>
                 </a:solidFill>
               </a:rPr>
-              <a:t>Find</a:t>
-            </a:r>
-            <a:r>
-              <a:rPr lang="zh-CN" altLang="en-US" sz="1200" dirty="0">
-                <a:solidFill>
-                  <a:srgbClr val="00B050"/>
-                </a:solidFill>
-              </a:rPr>
-              <a:t> </a:t>
-            </a:r>
-            <a:r>
-              <a:rPr lang="en-US" altLang="zh-CN" sz="1200" dirty="0">
-                <a:solidFill>
-                  <a:srgbClr val="00B050"/>
-                </a:solidFill>
-              </a:rPr>
-              <a:t>$$$</a:t>
-            </a:r>
-            <a:r>
-              <a:rPr lang="zh-CN" altLang="en-US" sz="1200" dirty="0">
-                <a:solidFill>
-                  <a:srgbClr val="00B050"/>
-                </a:solidFill>
-              </a:rPr>
-              <a:t> </a:t>
-            </a:r>
-            <a:endParaRPr lang="en-CA" altLang="zh-CN" sz="1200" dirty="0">
-              <a:solidFill>
-                <a:srgbClr val="00B050"/>
-              </a:solidFill>
-            </a:endParaRPr>
-          </a:p>
-          <a:p>
-            <a:pPr algn="ctr"/>
-            <a:r>
-              <a:rPr lang="en-US" altLang="zh-CN" sz="1200" dirty="0">
-                <a:solidFill>
-                  <a:srgbClr val="00B050"/>
-                </a:solidFill>
-              </a:rPr>
-              <a:t>Money</a:t>
-            </a:r>
-            <a:r>
-              <a:rPr lang="zh-CN" altLang="en-US" sz="1200" dirty="0">
-                <a:solidFill>
-                  <a:srgbClr val="00B050"/>
-                </a:solidFill>
-              </a:rPr>
-              <a:t> </a:t>
-            </a:r>
-            <a:r>
-              <a:rPr lang="en-US" altLang="zh-CN" sz="1200" dirty="0">
-                <a:solidFill>
-                  <a:srgbClr val="00B050"/>
-                </a:solidFill>
-              </a:rPr>
-              <a:t>Collected:</a:t>
-            </a:r>
-            <a:r>
-              <a:rPr lang="zh-CN" altLang="en-US" sz="1200" dirty="0">
-                <a:solidFill>
-                  <a:srgbClr val="00B050"/>
-                </a:solidFill>
-              </a:rPr>
-              <a:t> </a:t>
-            </a:r>
-            <a:r>
-              <a:rPr lang="en-US" altLang="zh-CN" sz="1200" dirty="0">
-                <a:solidFill>
-                  <a:srgbClr val="00B050"/>
-                </a:solidFill>
-              </a:rPr>
-              <a:t>$</a:t>
-            </a:r>
-            <a:r>
-              <a:rPr lang="zh-CN" altLang="en-US" sz="1200" dirty="0">
-                <a:solidFill>
-                  <a:srgbClr val="00B050"/>
-                </a:solidFill>
-              </a:rPr>
-              <a:t> </a:t>
-            </a:r>
-            <a:r>
-              <a:rPr lang="en-US" altLang="zh-CN" sz="1200" dirty="0">
-                <a:solidFill>
-                  <a:srgbClr val="00B050"/>
-                </a:solidFill>
-              </a:rPr>
-              <a:t>0</a:t>
-            </a:r>
-            <a:endParaRPr lang="en-US" sz="1200" dirty="0">
-              <a:solidFill>
-                <a:srgbClr val="00B050"/>
-              </a:solidFill>
-            </a:endParaRPr>
-          </a:p>
-        </p:txBody>
-      </p:sp>
-      <p:sp>
-        <p:nvSpPr>
-          <p:cNvPr id="8" name="TextBox 7">
-            <a:extLst>
-              <a:ext uri="{FF2B5EF4-FFF2-40B4-BE49-F238E27FC236}">
-                <a16:creationId xmlns:a16="http://schemas.microsoft.com/office/drawing/2014/main" id="{6D69B7DF-CC2C-9344-8F1E-4820BF36D0B5}"/>
+              <a:t>Do you have any questions?</a:t>
+            </a:r>
+          </a:p>
+        </p:txBody>
+      </p:sp>
+      <p:sp>
+        <p:nvSpPr>
+          <p:cNvPr id="7" name="Content Placeholder 2">
+            <a:extLst>
+              <a:ext uri="{FF2B5EF4-FFF2-40B4-BE49-F238E27FC236}">
+                <a16:creationId xmlns:a16="http://schemas.microsoft.com/office/drawing/2014/main" id="{C7EB23E6-7245-433A-8E56-C24BA717D822}"/>
+              </a:ext>
+            </a:extLst>
+          </p:cNvPr>
+          <p:cNvSpPr txBox="1">
+            <a:spLocks/>
+          </p:cNvSpPr>
+          <p:nvPr/>
+        </p:nvSpPr>
+        <p:spPr>
+          <a:xfrm>
+            <a:off x="173874" y="248720"/>
+            <a:ext cx="11926111" cy="576098"/>
+          </a:xfrm>
+          <a:prstGeom prst="rect">
+            <a:avLst/>
+          </a:prstGeom>
+        </p:spPr>
+        <p:txBody>
+          <a:bodyPr vert="horz" lIns="91440" tIns="45720" rIns="91440" bIns="45720" rtlCol="0">
+            <a:normAutofit lnSpcReduction="10000"/>
+          </a:bodyPr>
+          <a:lstStyle>
+            <a:lvl1pPr marL="228600" indent="-228600" algn="l" defTabSz="914400" rtl="0" eaLnBrk="1" latinLnBrk="0" hangingPunct="1">
+              <a:lnSpc>
+                <a:spcPct val="90000"/>
+              </a:lnSpc>
+              <a:spcBef>
+                <a:spcPts val="1000"/>
+              </a:spcBef>
+              <a:buFont typeface="Arial" panose="020B0604020202020204" pitchFamily="34" charset="0"/>
+              <a:buChar char="•"/>
+              <a:defRPr sz="2800" kern="1200">
+                <a:solidFill>
+                  <a:schemeClr val="tx1"/>
+                </a:solidFill>
+                <a:latin typeface="+mn-lt"/>
+                <a:ea typeface="+mn-ea"/>
+                <a:cs typeface="+mn-cs"/>
+              </a:defRPr>
+            </a:lvl1pPr>
+            <a:lvl2pPr marL="685800" indent="-228600" algn="l" defTabSz="914400" rtl="0" eaLnBrk="1" latinLnBrk="0" hangingPunct="1">
+              <a:lnSpc>
+                <a:spcPct val="90000"/>
+              </a:lnSpc>
+              <a:spcBef>
+                <a:spcPts val="500"/>
+              </a:spcBef>
+              <a:buFont typeface="Arial" panose="020B0604020202020204" pitchFamily="34" charset="0"/>
+              <a:buChar char="•"/>
+              <a:defRPr sz="2400" kern="1200">
+                <a:solidFill>
+                  <a:schemeClr val="tx1"/>
+                </a:solidFill>
+                <a:latin typeface="+mn-lt"/>
+                <a:ea typeface="+mn-ea"/>
+                <a:cs typeface="+mn-cs"/>
+              </a:defRPr>
+            </a:lvl2pPr>
+            <a:lvl3pPr marL="1143000" indent="-228600" algn="l" defTabSz="914400" rtl="0" eaLnBrk="1" latinLnBrk="0" hangingPunct="1">
+              <a:lnSpc>
+                <a:spcPct val="90000"/>
+              </a:lnSpc>
+              <a:spcBef>
+                <a:spcPts val="500"/>
+              </a:spcBef>
+              <a:buFont typeface="Arial" panose="020B0604020202020204" pitchFamily="34" charset="0"/>
+              <a:buChar char="•"/>
+              <a:defRPr sz="2000" kern="1200">
+                <a:solidFill>
+                  <a:schemeClr val="tx1"/>
+                </a:solidFill>
+                <a:latin typeface="+mn-lt"/>
+                <a:ea typeface="+mn-ea"/>
+                <a:cs typeface="+mn-cs"/>
+              </a:defRPr>
+            </a:lvl3pPr>
+            <a:lvl4pPr marL="1600200" indent="-228600" algn="l" defTabSz="914400" rtl="0" eaLnBrk="1" latinLnBrk="0" hangingPunct="1">
+              <a:lnSpc>
+                <a:spcPct val="90000"/>
+              </a:lnSpc>
+              <a:spcBef>
+                <a:spcPts val="500"/>
+              </a:spcBef>
+              <a:buFont typeface="Arial" panose="020B0604020202020204" pitchFamily="34" charset="0"/>
+              <a:buChar char="•"/>
+              <a:defRPr sz="1800" kern="1200">
+                <a:solidFill>
+                  <a:schemeClr val="tx1"/>
+                </a:solidFill>
+                <a:latin typeface="+mn-lt"/>
+                <a:ea typeface="+mn-ea"/>
+                <a:cs typeface="+mn-cs"/>
+              </a:defRPr>
+            </a:lvl4pPr>
+            <a:lvl5pPr marL="2057400" indent="-228600" algn="l" defTabSz="914400" rtl="0" eaLnBrk="1" latinLnBrk="0" hangingPunct="1">
+              <a:lnSpc>
+                <a:spcPct val="90000"/>
+              </a:lnSpc>
+              <a:spcBef>
+                <a:spcPts val="500"/>
+              </a:spcBef>
+              <a:buFont typeface="Arial" panose="020B0604020202020204" pitchFamily="34" charset="0"/>
+              <a:buChar char="•"/>
+              <a:defRPr sz="1800" kern="1200">
+                <a:solidFill>
+                  <a:schemeClr val="tx1"/>
+                </a:solidFill>
+                <a:latin typeface="+mn-lt"/>
+                <a:ea typeface="+mn-ea"/>
+                <a:cs typeface="+mn-cs"/>
+              </a:defRPr>
+            </a:lvl5pPr>
+            <a:lvl6pPr marL="2514600" indent="-228600" algn="l" defTabSz="914400" rtl="0" eaLnBrk="1" latinLnBrk="0" hangingPunct="1">
+              <a:lnSpc>
+                <a:spcPct val="90000"/>
+              </a:lnSpc>
+              <a:spcBef>
+                <a:spcPts val="500"/>
+              </a:spcBef>
+              <a:buFont typeface="Arial" panose="020B0604020202020204" pitchFamily="34" charset="0"/>
+              <a:buChar char="•"/>
+              <a:defRPr sz="1800" kern="1200">
+                <a:solidFill>
+                  <a:schemeClr val="tx1"/>
+                </a:solidFill>
+                <a:latin typeface="+mn-lt"/>
+                <a:ea typeface="+mn-ea"/>
+                <a:cs typeface="+mn-cs"/>
+              </a:defRPr>
+            </a:lvl6pPr>
+            <a:lvl7pPr marL="2971800" indent="-228600" algn="l" defTabSz="914400" rtl="0" eaLnBrk="1" latinLnBrk="0" hangingPunct="1">
+              <a:lnSpc>
+                <a:spcPct val="90000"/>
+              </a:lnSpc>
+              <a:spcBef>
+                <a:spcPts val="500"/>
+              </a:spcBef>
+              <a:buFont typeface="Arial" panose="020B0604020202020204" pitchFamily="34" charset="0"/>
+              <a:buChar char="•"/>
+              <a:defRPr sz="1800" kern="1200">
+                <a:solidFill>
+                  <a:schemeClr val="tx1"/>
+                </a:solidFill>
+                <a:latin typeface="+mn-lt"/>
+                <a:ea typeface="+mn-ea"/>
+                <a:cs typeface="+mn-cs"/>
+              </a:defRPr>
+            </a:lvl7pPr>
+            <a:lvl8pPr marL="3429000" indent="-228600" algn="l" defTabSz="914400" rtl="0" eaLnBrk="1" latinLnBrk="0" hangingPunct="1">
+              <a:lnSpc>
+                <a:spcPct val="90000"/>
+              </a:lnSpc>
+              <a:spcBef>
+                <a:spcPts val="500"/>
+              </a:spcBef>
+              <a:buFont typeface="Arial" panose="020B0604020202020204" pitchFamily="34" charset="0"/>
+              <a:buChar char="•"/>
+              <a:defRPr sz="1800" kern="1200">
+                <a:solidFill>
+                  <a:schemeClr val="tx1"/>
+                </a:solidFill>
+                <a:latin typeface="+mn-lt"/>
+                <a:ea typeface="+mn-ea"/>
+                <a:cs typeface="+mn-cs"/>
+              </a:defRPr>
+            </a:lvl8pPr>
+            <a:lvl9pPr marL="3886200" indent="-228600" algn="l" defTabSz="914400" rtl="0" eaLnBrk="1" latinLnBrk="0" hangingPunct="1">
+              <a:lnSpc>
+                <a:spcPct val="90000"/>
+              </a:lnSpc>
+              <a:spcBef>
+                <a:spcPts val="500"/>
+              </a:spcBef>
+              <a:buFont typeface="Arial" panose="020B0604020202020204" pitchFamily="34" charset="0"/>
+              <a:buChar char="•"/>
+              <a:defRPr sz="1800" kern="1200">
+                <a:solidFill>
+                  <a:schemeClr val="tx1"/>
+                </a:solidFill>
+                <a:latin typeface="+mn-lt"/>
+                <a:ea typeface="+mn-ea"/>
+                <a:cs typeface="+mn-cs"/>
+              </a:defRPr>
+            </a:lvl9pPr>
+          </a:lstStyle>
+          <a:p>
+            <a:pPr marL="0" indent="0" algn="ctr">
+              <a:buFont typeface="Arial" panose="020B0604020202020204" pitchFamily="34" charset="0"/>
+              <a:buNone/>
+            </a:pPr>
+            <a:r>
+              <a:rPr lang="en-US" sz="3600" b="1" dirty="0"/>
+              <a:t>Money Collection Rounds</a:t>
+            </a:r>
+          </a:p>
+          <a:p>
+            <a:pPr marL="0" indent="0" algn="ctr">
+              <a:buFont typeface="Arial" panose="020B0604020202020204" pitchFamily="34" charset="0"/>
+              <a:buNone/>
+            </a:pPr>
+            <a:endParaRPr lang="en-US" sz="2400" dirty="0"/>
+          </a:p>
+        </p:txBody>
+      </p:sp>
+      <p:pic>
+        <p:nvPicPr>
+          <p:cNvPr id="11" name="Picture 10">
+            <a:extLst>
+              <a:ext uri="{FF2B5EF4-FFF2-40B4-BE49-F238E27FC236}">
+                <a16:creationId xmlns:a16="http://schemas.microsoft.com/office/drawing/2014/main" id="{EB37D226-A9C6-4E97-A320-FB553FF88D8A}"/>
+              </a:ext>
+            </a:extLst>
+          </p:cNvPr>
+          <p:cNvPicPr>
+            <a:picLocks noChangeAspect="1"/>
+          </p:cNvPicPr>
+          <p:nvPr/>
+        </p:nvPicPr>
+        <p:blipFill>
+          <a:blip r:embed="rId2"/>
+          <a:stretch>
+            <a:fillRect/>
+          </a:stretch>
+        </p:blipFill>
+        <p:spPr>
+          <a:xfrm>
+            <a:off x="3723132" y="2771297"/>
+            <a:ext cx="4745736" cy="2639544"/>
+          </a:xfrm>
+          <a:prstGeom prst="rect">
+            <a:avLst/>
+          </a:prstGeom>
+          <a:ln w="38100" cap="sq">
+            <a:solidFill>
+              <a:srgbClr val="000000"/>
+            </a:solidFill>
+            <a:prstDash val="solid"/>
+            <a:miter lim="800000"/>
+          </a:ln>
+          <a:effectLst>
+            <a:outerShdw blurRad="50800" dist="38100" dir="2700000" algn="tl" rotWithShape="0">
+              <a:srgbClr val="000000">
+                <a:alpha val="43000"/>
+              </a:srgbClr>
+            </a:outerShdw>
+          </a:effectLst>
+        </p:spPr>
+      </p:pic>
+      <p:pic>
+        <p:nvPicPr>
+          <p:cNvPr id="6" name="Graphic 5" descr="Stopwatch">
+            <a:extLst>
+              <a:ext uri="{FF2B5EF4-FFF2-40B4-BE49-F238E27FC236}">
+                <a16:creationId xmlns:a16="http://schemas.microsoft.com/office/drawing/2014/main" id="{1E51FC29-E721-4A09-BAF0-6F4583799BC0}"/>
+              </a:ext>
+            </a:extLst>
+          </p:cNvPr>
+          <p:cNvPicPr>
+            <a:picLocks noChangeAspect="1"/>
+          </p:cNvPicPr>
+          <p:nvPr/>
+        </p:nvPicPr>
+        <p:blipFill>
+          <a:blip r:embed="rId3">
+            <a:extLst>
+              <a:ext uri="{28A0092B-C50C-407E-A947-70E740481C1C}">
+                <a14:useLocalDpi xmlns:a14="http://schemas.microsoft.com/office/drawing/2010/main" val="0"/>
+              </a:ext>
+              <a:ext uri="{96DAC541-7B7A-43D3-8B79-37D633B846F1}">
+                <asvg:svgBlip xmlns:asvg="http://schemas.microsoft.com/office/drawing/2016/SVG/main" r:embed="rId4"/>
+              </a:ext>
+            </a:extLst>
+          </a:blip>
+          <a:stretch>
+            <a:fillRect/>
+          </a:stretch>
+        </p:blipFill>
+        <p:spPr>
+          <a:xfrm>
+            <a:off x="742233" y="2656727"/>
+            <a:ext cx="2483796" cy="2483796"/>
+          </a:xfrm>
+          <a:prstGeom prst="rect">
+            <a:avLst/>
+          </a:prstGeom>
+        </p:spPr>
+      </p:pic>
+      <p:sp>
+        <p:nvSpPr>
+          <p:cNvPr id="12" name="TextBox 11">
+            <a:extLst>
+              <a:ext uri="{FF2B5EF4-FFF2-40B4-BE49-F238E27FC236}">
+                <a16:creationId xmlns:a16="http://schemas.microsoft.com/office/drawing/2014/main" id="{3B1B4EB8-231C-4CDC-9CB4-23D1783581F6}"/>
               </a:ext>
             </a:extLst>
           </p:cNvPr>
@@ -9672,8 +11521,8 @@
         </p:nvSpPr>
         <p:spPr>
           <a:xfrm>
-            <a:off x="3886467" y="6182211"/>
-            <a:ext cx="4782193" cy="461665"/>
+            <a:off x="554976" y="5084241"/>
+            <a:ext cx="2858310" cy="523220"/>
           </a:xfrm>
           <a:prstGeom prst="rect">
             <a:avLst/>
@@ -9688,16 +11537,51 @@
           <a:p>
             <a:pPr algn="ctr"/>
             <a:r>
-              <a:rPr lang="en-US" sz="2400" b="1" dirty="0">
-                <a:solidFill>
-                  <a:schemeClr val="accent6"/>
-                </a:solidFill>
-              </a:rPr>
-              <a:t>Do you have any questions?</a:t>
-            </a:r>
-          </a:p>
-        </p:txBody>
-      </p:sp>
+              <a:rPr lang="en-US" sz="2800" b="1" dirty="0"/>
+              <a:t>1 Minute</a:t>
+            </a:r>
+          </a:p>
+        </p:txBody>
+      </p:sp>
+      <p:pic>
+        <p:nvPicPr>
+          <p:cNvPr id="14" name="Graphic 13" descr="Coins">
+            <a:extLst>
+              <a:ext uri="{FF2B5EF4-FFF2-40B4-BE49-F238E27FC236}">
+                <a16:creationId xmlns:a16="http://schemas.microsoft.com/office/drawing/2014/main" id="{99F62EEF-56BC-4D70-B937-C52380739C3A}"/>
+              </a:ext>
+            </a:extLst>
+          </p:cNvPr>
+          <p:cNvPicPr>
+            <a:picLocks noChangeAspect="1"/>
+          </p:cNvPicPr>
+          <p:nvPr/>
+        </p:nvPicPr>
+        <p:blipFill>
+          <a:blip r:embed="rId5">
+            <a:extLst>
+              <a:ext uri="{28A0092B-C50C-407E-A947-70E740481C1C}">
+                <a14:useLocalDpi xmlns:a14="http://schemas.microsoft.com/office/drawing/2010/main" val="0"/>
+              </a:ext>
+              <a:ext uri="{96DAC541-7B7A-43D3-8B79-37D633B846F1}">
+                <asvg:svgBlip xmlns:asvg="http://schemas.microsoft.com/office/drawing/2016/SVG/main" r:embed="rId6"/>
+              </a:ext>
+            </a:extLst>
+          </a:blip>
+          <a:stretch>
+            <a:fillRect/>
+          </a:stretch>
+        </p:blipFill>
+        <p:spPr>
+          <a:xfrm>
+            <a:off x="9247762" y="3403569"/>
+            <a:ext cx="1736954" cy="1736954"/>
+          </a:xfrm>
+          <a:prstGeom prst="rect">
+            <a:avLst/>
+          </a:prstGeom>
+        </p:spPr>
+      </p:pic>
     </p:spTree>
     <p:extLst>
       <p:ext uri="{BB962C8B-B14F-4D97-AF65-F5344CB8AC3E}">

--- a/Assets/StreamingAssets/2D_Objects/Circle/Circle_online_threshold.pptx
+++ b/Assets/StreamingAssets/2D_Objects/Circle/Circle_online_threshold.pptx
@@ -288,7 +288,7 @@
           <a:p>
             <a:fld id="{CA365A23-D275-4D5C-A163-A5AA11A9E6CE}" type="datetimeFigureOut">
               <a:rPr lang="en-US" smtClean="0"/>
-              <a:t>6/2/2020</a:t>
+              <a:t>6/11/20</a:t>
             </a:fld>
             <a:endParaRPr lang="en-US"/>
           </a:p>
@@ -486,7 +486,7 @@
           <a:p>
             <a:fld id="{CA365A23-D275-4D5C-A163-A5AA11A9E6CE}" type="datetimeFigureOut">
               <a:rPr lang="en-US" smtClean="0"/>
-              <a:t>6/2/2020</a:t>
+              <a:t>6/11/20</a:t>
             </a:fld>
             <a:endParaRPr lang="en-US"/>
           </a:p>
@@ -694,7 +694,7 @@
           <a:p>
             <a:fld id="{CA365A23-D275-4D5C-A163-A5AA11A9E6CE}" type="datetimeFigureOut">
               <a:rPr lang="en-US" smtClean="0"/>
-              <a:t>6/2/2020</a:t>
+              <a:t>6/11/20</a:t>
             </a:fld>
             <a:endParaRPr lang="en-US"/>
           </a:p>
@@ -892,7 +892,7 @@
           <a:p>
             <a:fld id="{CA365A23-D275-4D5C-A163-A5AA11A9E6CE}" type="datetimeFigureOut">
               <a:rPr lang="en-US" smtClean="0"/>
-              <a:t>6/2/2020</a:t>
+              <a:t>6/11/20</a:t>
             </a:fld>
             <a:endParaRPr lang="en-US"/>
           </a:p>
@@ -1167,7 +1167,7 @@
           <a:p>
             <a:fld id="{CA365A23-D275-4D5C-A163-A5AA11A9E6CE}" type="datetimeFigureOut">
               <a:rPr lang="en-US" smtClean="0"/>
-              <a:t>6/2/2020</a:t>
+              <a:t>6/11/20</a:t>
             </a:fld>
             <a:endParaRPr lang="en-US"/>
           </a:p>
@@ -1432,7 +1432,7 @@
           <a:p>
             <a:fld id="{CA365A23-D275-4D5C-A163-A5AA11A9E6CE}" type="datetimeFigureOut">
               <a:rPr lang="en-US" smtClean="0"/>
-              <a:t>6/2/2020</a:t>
+              <a:t>6/11/20</a:t>
             </a:fld>
             <a:endParaRPr lang="en-US"/>
           </a:p>
@@ -1844,7 +1844,7 @@
           <a:p>
             <a:fld id="{CA365A23-D275-4D5C-A163-A5AA11A9E6CE}" type="datetimeFigureOut">
               <a:rPr lang="en-US" smtClean="0"/>
-              <a:t>6/2/2020</a:t>
+              <a:t>6/11/20</a:t>
             </a:fld>
             <a:endParaRPr lang="en-US"/>
           </a:p>
@@ -1985,7 +1985,7 @@
           <a:p>
             <a:fld id="{CA365A23-D275-4D5C-A163-A5AA11A9E6CE}" type="datetimeFigureOut">
               <a:rPr lang="en-US" smtClean="0"/>
-              <a:t>6/2/2020</a:t>
+              <a:t>6/11/20</a:t>
             </a:fld>
             <a:endParaRPr lang="en-US"/>
           </a:p>
@@ -2098,7 +2098,7 @@
           <a:p>
             <a:fld id="{CA365A23-D275-4D5C-A163-A5AA11A9E6CE}" type="datetimeFigureOut">
               <a:rPr lang="en-US" smtClean="0"/>
-              <a:t>6/2/2020</a:t>
+              <a:t>6/11/20</a:t>
             </a:fld>
             <a:endParaRPr lang="en-US"/>
           </a:p>
@@ -2409,7 +2409,7 @@
           <a:p>
             <a:fld id="{CA365A23-D275-4D5C-A163-A5AA11A9E6CE}" type="datetimeFigureOut">
               <a:rPr lang="en-US" smtClean="0"/>
-              <a:t>6/2/2020</a:t>
+              <a:t>6/11/20</a:t>
             </a:fld>
             <a:endParaRPr lang="en-US"/>
           </a:p>
@@ -2697,7 +2697,7 @@
           <a:p>
             <a:fld id="{CA365A23-D275-4D5C-A163-A5AA11A9E6CE}" type="datetimeFigureOut">
               <a:rPr lang="en-US" smtClean="0"/>
-              <a:t>6/2/2020</a:t>
+              <a:t>6/11/20</a:t>
             </a:fld>
             <a:endParaRPr lang="en-US"/>
           </a:p>
@@ -2938,7 +2938,7 @@
           <a:p>
             <a:fld id="{CA365A23-D275-4D5C-A163-A5AA11A9E6CE}" type="datetimeFigureOut">
               <a:rPr lang="en-US" smtClean="0"/>
-              <a:t>6/2/2020</a:t>
+              <a:t>6/11/20</a:t>
             </a:fld>
             <a:endParaRPr lang="en-US"/>
           </a:p>
@@ -3499,6 +3499,41 @@
                 </a:solidFill>
               </a:rPr>
               <a:t>Do you have any questions?</a:t>
+            </a:r>
+          </a:p>
+        </p:txBody>
+      </p:sp>
+      <p:sp>
+        <p:nvSpPr>
+          <p:cNvPr id="4" name="TextBox 3">
+            <a:extLst>
+              <a:ext uri="{FF2B5EF4-FFF2-40B4-BE49-F238E27FC236}">
+                <a16:creationId xmlns:a16="http://schemas.microsoft.com/office/drawing/2014/main" id="{B04AD35D-0213-5246-9CCE-372F49B49A7C}"/>
+              </a:ext>
+            </a:extLst>
+          </p:cNvPr>
+          <p:cNvSpPr txBox="1"/>
+          <p:nvPr/>
+        </p:nvSpPr>
+        <p:spPr>
+          <a:xfrm>
+            <a:off x="10095978" y="375781"/>
+            <a:ext cx="1244862" cy="369332"/>
+          </a:xfrm>
+          <a:prstGeom prst="rect">
+            <a:avLst/>
+          </a:prstGeom>
+          <a:noFill/>
+        </p:spPr>
+        <p:txBody>
+          <a:bodyPr wrap="square" rtlCol="0">
+            <a:spAutoFit/>
+          </a:bodyPr>
+          <a:lstStyle/>
+          <a:p>
+            <a:r>
+              <a:rPr lang="en-US" dirty="0"/>
+              <a:t>V1</a:t>
             </a:r>
           </a:p>
         </p:txBody>
@@ -7845,7 +7880,7 @@
             <a:noFill/>
             <a:extLst>
               <a:ext uri="{909E8E84-426E-40dd-AFC4-6F175D3DCCD1}">
-                <a14:hiddenFill xmlns="" xmlns:a14="http://schemas.microsoft.com/office/drawing/2010/main">
+                <a14:hiddenFill xmlns:a14="http://schemas.microsoft.com/office/drawing/2010/main" xmlns="">
                   <a:solidFill>
                     <a:srgbClr val="FFFFFF"/>
                   </a:solidFill>
@@ -7890,7 +7925,7 @@
             <a:noFill/>
             <a:extLst>
               <a:ext uri="{909E8E84-426E-40dd-AFC4-6F175D3DCCD1}">
-                <a14:hiddenFill xmlns="" xmlns:a14="http://schemas.microsoft.com/office/drawing/2010/main">
+                <a14:hiddenFill xmlns:a14="http://schemas.microsoft.com/office/drawing/2010/main" xmlns="">
                   <a:solidFill>
                     <a:srgbClr val="FFFFFF"/>
                   </a:solidFill>
@@ -7935,7 +7970,7 @@
             <a:noFill/>
             <a:extLst>
               <a:ext uri="{909E8E84-426E-40dd-AFC4-6F175D3DCCD1}">
-                <a14:hiddenFill xmlns="" xmlns:a14="http://schemas.microsoft.com/office/drawing/2010/main">
+                <a14:hiddenFill xmlns:a14="http://schemas.microsoft.com/office/drawing/2010/main" xmlns="">
                   <a:solidFill>
                     <a:srgbClr val="FFFFFF"/>
                   </a:solidFill>
@@ -8763,7 +8798,7 @@
             <a:noFill/>
             <a:extLst>
               <a:ext uri="{909E8E84-426E-40dd-AFC4-6F175D3DCCD1}">
-                <a14:hiddenFill xmlns="" xmlns:a14="http://schemas.microsoft.com/office/drawing/2010/main">
+                <a14:hiddenFill xmlns:a14="http://schemas.microsoft.com/office/drawing/2010/main" xmlns="">
                   <a:solidFill>
                     <a:srgbClr val="FFFFFF"/>
                   </a:solidFill>
@@ -9795,7 +9830,7 @@
             <a:noFill/>
             <a:extLst>
               <a:ext uri="{909E8E84-426E-40dd-AFC4-6F175D3DCCD1}">
-                <a14:hiddenFill xmlns="" xmlns:a14="http://schemas.microsoft.com/office/drawing/2010/main">
+                <a14:hiddenFill xmlns:a14="http://schemas.microsoft.com/office/drawing/2010/main" xmlns="">
                   <a:solidFill>
                     <a:srgbClr val="FFFFFF"/>
                   </a:solidFill>
@@ -9840,7 +9875,7 @@
             <a:noFill/>
             <a:extLst>
               <a:ext uri="{909E8E84-426E-40dd-AFC4-6F175D3DCCD1}">
-                <a14:hiddenFill xmlns="" xmlns:a14="http://schemas.microsoft.com/office/drawing/2010/main">
+                <a14:hiddenFill xmlns:a14="http://schemas.microsoft.com/office/drawing/2010/main" xmlns="">
                   <a:solidFill>
                     <a:srgbClr val="FFFFFF"/>
                   </a:solidFill>
@@ -9885,7 +9920,7 @@
             <a:noFill/>
             <a:extLst>
               <a:ext uri="{909E8E84-426E-40dd-AFC4-6F175D3DCCD1}">
-                <a14:hiddenFill xmlns="" xmlns:a14="http://schemas.microsoft.com/office/drawing/2010/main">
+                <a14:hiddenFill xmlns:a14="http://schemas.microsoft.com/office/drawing/2010/main" xmlns="">
                   <a:solidFill>
                     <a:srgbClr val="FFFFFF"/>
                   </a:solidFill>
